--- a/Courses/Software-Sciences/Module-2-DS-and-Algo-New/08.1-Regular-Expressions-Basics/08.1-Regular-Expressions-Basics.pptx
+++ b/Courses/Software-Sciences/Module-2-DS-and-Algo-New/08.1-Regular-Expressions-Basics/08.1-Regular-Expressions-Basics.pptx
@@ -5,10 +5,10 @@
     <p:sldMasterId id="2147483675" r:id="rId1"/>
   </p:sldMasterIdLst>
   <p:notesMasterIdLst>
-    <p:notesMasterId r:id="rId39"/>
+    <p:notesMasterId r:id="rId40"/>
   </p:notesMasterIdLst>
   <p:handoutMasterIdLst>
-    <p:handoutMasterId r:id="rId40"/>
+    <p:handoutMasterId r:id="rId41"/>
   </p:handoutMasterIdLst>
   <p:sldIdLst>
     <p:sldId id="402" r:id="rId2"/>
@@ -21,33 +21,34 @@
     <p:sldId id="471" r:id="rId9"/>
     <p:sldId id="576" r:id="rId10"/>
     <p:sldId id="536" r:id="rId11"/>
-    <p:sldId id="546" r:id="rId12"/>
-    <p:sldId id="577" r:id="rId13"/>
-    <p:sldId id="473" r:id="rId14"/>
-    <p:sldId id="578" r:id="rId15"/>
-    <p:sldId id="477" r:id="rId16"/>
-    <p:sldId id="548" r:id="rId17"/>
-    <p:sldId id="549" r:id="rId18"/>
-    <p:sldId id="568" r:id="rId19"/>
-    <p:sldId id="550" r:id="rId20"/>
-    <p:sldId id="570" r:id="rId21"/>
-    <p:sldId id="535" r:id="rId22"/>
-    <p:sldId id="579" r:id="rId23"/>
-    <p:sldId id="479" r:id="rId24"/>
-    <p:sldId id="551" r:id="rId25"/>
-    <p:sldId id="552" r:id="rId26"/>
-    <p:sldId id="553" r:id="rId27"/>
-    <p:sldId id="554" r:id="rId28"/>
-    <p:sldId id="555" r:id="rId29"/>
-    <p:sldId id="556" r:id="rId30"/>
-    <p:sldId id="559" r:id="rId31"/>
-    <p:sldId id="560" r:id="rId32"/>
-    <p:sldId id="561" r:id="rId33"/>
-    <p:sldId id="562" r:id="rId34"/>
-    <p:sldId id="563" r:id="rId35"/>
-    <p:sldId id="349" r:id="rId36"/>
-    <p:sldId id="573" r:id="rId37"/>
-    <p:sldId id="574" r:id="rId38"/>
+    <p:sldId id="580" r:id="rId12"/>
+    <p:sldId id="546" r:id="rId13"/>
+    <p:sldId id="577" r:id="rId14"/>
+    <p:sldId id="473" r:id="rId15"/>
+    <p:sldId id="578" r:id="rId16"/>
+    <p:sldId id="477" r:id="rId17"/>
+    <p:sldId id="548" r:id="rId18"/>
+    <p:sldId id="549" r:id="rId19"/>
+    <p:sldId id="568" r:id="rId20"/>
+    <p:sldId id="550" r:id="rId21"/>
+    <p:sldId id="570" r:id="rId22"/>
+    <p:sldId id="535" r:id="rId23"/>
+    <p:sldId id="579" r:id="rId24"/>
+    <p:sldId id="479" r:id="rId25"/>
+    <p:sldId id="551" r:id="rId26"/>
+    <p:sldId id="552" r:id="rId27"/>
+    <p:sldId id="553" r:id="rId28"/>
+    <p:sldId id="554" r:id="rId29"/>
+    <p:sldId id="555" r:id="rId30"/>
+    <p:sldId id="556" r:id="rId31"/>
+    <p:sldId id="559" r:id="rId32"/>
+    <p:sldId id="560" r:id="rId33"/>
+    <p:sldId id="561" r:id="rId34"/>
+    <p:sldId id="562" r:id="rId35"/>
+    <p:sldId id="563" r:id="rId36"/>
+    <p:sldId id="349" r:id="rId37"/>
+    <p:sldId id="573" r:id="rId38"/>
+    <p:sldId id="574" r:id="rId39"/>
   </p:sldIdLst>
   <p:sldSz cx="12192000" cy="6858000"/>
   <p:notesSz cx="6858000" cy="9144000"/>
@@ -165,6 +166,7 @@
             <p14:sldId id="471"/>
             <p14:sldId id="576"/>
             <p14:sldId id="536"/>
+            <p14:sldId id="580"/>
           </p14:sldIdLst>
         </p14:section>
         <p14:section name="Quantifier-и и групи" id="{9D4AFA2F-12AD-47EC-A46E-118A42FE28A3}">
@@ -299,7 +301,7 @@
             </a:lvl1pPr>
           </a:lstStyle>
           <a:p>
-            <a:endParaRPr lang="bg-BG"/>
+            <a:endParaRPr lang="bg-BG" dirty="0"/>
           </a:p>
         </p:txBody>
       </p:sp>
@@ -338,9 +340,9 @@
           <a:p>
             <a:fld id="{4E087215-0C8F-4762-A664-737A353EC9A4}" type="datetimeFigureOut">
               <a:rPr lang="bg-BG" smtClean="0"/>
-              <a:t>24.02.23 г.</a:t>
+              <a:t>6.7.2023 г.</a:t>
             </a:fld>
-            <a:endParaRPr lang="bg-BG"/>
+            <a:endParaRPr lang="bg-BG" dirty="0"/>
           </a:p>
         </p:txBody>
       </p:sp>
@@ -378,17 +380,17 @@
           </a:lstStyle>
           <a:p>
             <a:r>
-              <a:rPr lang="en-US" sz="1100"/>
+              <a:rPr lang="en-US" sz="1100" dirty="0"/>
               <a:t>© SoftUni – </a:t>
             </a:r>
             <a:r>
-              <a:rPr lang="en-US" sz="1100" u="sng">
+              <a:rPr lang="en-US" sz="1100" u="sng" dirty="0">
                 <a:hlinkClick r:id="rId2"/>
               </a:rPr>
               <a:t>https://softuni.org</a:t>
             </a:r>
             <a:r>
-              <a:rPr lang="en-US" sz="1100"/>
+              <a:rPr lang="en-US" sz="1100" dirty="0"/>
               <a:t>. Copyrighted document. Unauthorized copy or reproduction is not permitted.</a:t>
             </a:r>
           </a:p>
@@ -431,7 +433,7 @@
               <a:rPr lang="bg-BG" smtClean="0"/>
               <a:t>‹#›</a:t>
             </a:fld>
-            <a:endParaRPr lang="bg-BG"/>
+            <a:endParaRPr lang="bg-BG" dirty="0"/>
           </a:p>
         </p:txBody>
       </p:sp>
@@ -496,7 +498,7 @@
             </a:lvl1pPr>
           </a:lstStyle>
           <a:p>
-            <a:endParaRPr lang="en-US"/>
+            <a:endParaRPr lang="en-US" dirty="0"/>
           </a:p>
         </p:txBody>
       </p:sp>
@@ -529,9 +531,9 @@
           <a:p>
             <a:fld id="{72D84649-876A-46C9-8472-14CB09C070D8}" type="datetimeFigureOut">
               <a:rPr lang="en-US" smtClean="0"/>
-              <a:t>2/24/23</a:t>
+              <a:t>7/6/2023</a:t>
             </a:fld>
-            <a:endParaRPr lang="en-US"/>
+            <a:endParaRPr lang="en-US" dirty="0"/>
           </a:p>
         </p:txBody>
       </p:sp>
@@ -564,7 +566,7 @@
           <a:bodyPr vert="horz" lIns="91440" tIns="45720" rIns="91440" bIns="45720" rtlCol="0" anchor="ctr"/>
           <a:lstStyle/>
           <a:p>
-            <a:endParaRPr lang="en-US"/>
+            <a:endParaRPr lang="en-US" dirty="0"/>
           </a:p>
         </p:txBody>
       </p:sp>
@@ -658,7 +660,7 @@
               <a:rPr lang="en-US" smtClean="0"/>
               <a:t>‹#›</a:t>
             </a:fld>
-            <a:endParaRPr lang="en-US"/>
+            <a:endParaRPr lang="en-US" dirty="0"/>
           </a:p>
         </p:txBody>
       </p:sp>
@@ -696,17 +698,17 @@
           </a:lstStyle>
           <a:p>
             <a:r>
-              <a:rPr lang="en-US"/>
+              <a:rPr lang="en-US" dirty="0"/>
               <a:t>© SoftUni – </a:t>
             </a:r>
             <a:r>
-              <a:rPr lang="en-US" u="sng">
+              <a:rPr lang="en-US" u="sng" dirty="0">
                 <a:hlinkClick r:id="rId2"/>
               </a:rPr>
               <a:t>https://softuni.org</a:t>
             </a:r>
             <a:r>
-              <a:rPr lang="en-US"/>
+              <a:rPr lang="en-US" dirty="0"/>
               <a:t>. Copyrighted document. Unauthorized copy or reproduction is not permitted.</a:t>
             </a:r>
           </a:p>
@@ -860,7 +862,7 @@
           <a:bodyPr/>
           <a:lstStyle/>
           <a:p>
-            <a:endParaRPr lang="en-US"/>
+            <a:endParaRPr lang="en-US" dirty="0"/>
           </a:p>
         </p:txBody>
       </p:sp>
@@ -884,7 +886,7 @@
               <a:pPr/>
               <a:t>1</a:t>
             </a:fld>
-            <a:endParaRPr lang="en-US"/>
+            <a:endParaRPr lang="en-US" dirty="0"/>
           </a:p>
         </p:txBody>
       </p:sp>
@@ -922,17 +924,17 @@
           </a:lstStyle>
           <a:p>
             <a:r>
-              <a:rPr lang="en-US"/>
+              <a:rPr lang="en-US" dirty="0"/>
               <a:t>© SoftUni – </a:t>
             </a:r>
             <a:r>
-              <a:rPr lang="en-US" u="sng">
+              <a:rPr lang="en-US" u="sng" dirty="0">
                 <a:hlinkClick r:id="rId3"/>
               </a:rPr>
               <a:t>https://softuni.org</a:t>
             </a:r>
             <a:r>
-              <a:rPr lang="en-US"/>
+              <a:rPr lang="en-US" dirty="0"/>
               <a:t>. Copyrighted document. Unauthorized copy or reproduction is not permitted.</a:t>
             </a:r>
           </a:p>
@@ -1018,7 +1020,7 @@
               <a:rPr lang="en-US" smtClean="0"/>
               <a:t>7</a:t>
             </a:fld>
-            <a:endParaRPr lang="en-US"/>
+            <a:endParaRPr lang="en-US" dirty="0"/>
           </a:p>
         </p:txBody>
       </p:sp>
@@ -1038,17 +1040,17 @@
           <a:lstStyle/>
           <a:p>
             <a:r>
-              <a:rPr lang="en-US"/>
+              <a:rPr lang="en-US" dirty="0"/>
               <a:t>© SoftUni – </a:t>
             </a:r>
             <a:r>
-              <a:rPr lang="en-US" u="sng">
+              <a:rPr lang="en-US" u="sng" dirty="0">
                 <a:hlinkClick r:id="rId3"/>
               </a:rPr>
               <a:t>https://softuni.org</a:t>
             </a:r>
             <a:r>
-              <a:rPr lang="en-US"/>
+              <a:rPr lang="en-US" dirty="0"/>
               <a:t>. Copyrighted document. Unauthorized copy or reproduction is not permitted.</a:t>
             </a:r>
           </a:p>
@@ -1111,7 +1113,7 @@
           <a:bodyPr/>
           <a:lstStyle/>
           <a:p>
-            <a:endParaRPr lang="en-US"/>
+            <a:endParaRPr lang="en-US" dirty="0"/>
           </a:p>
         </p:txBody>
       </p:sp>
@@ -1137,9 +1139,9 @@
                 </a:solidFill>
               </a:rPr>
               <a:pPr/>
-              <a:t>11</a:t>
+              <a:t>12</a:t>
             </a:fld>
-            <a:endParaRPr lang="en-US">
+            <a:endParaRPr lang="en-US" dirty="0">
               <a:solidFill>
                 <a:prstClr val="black"/>
               </a:solidFill>
@@ -1181,17 +1183,17 @@
           </a:lstStyle>
           <a:p>
             <a:r>
-              <a:rPr lang="en-US"/>
+              <a:rPr lang="en-US" dirty="0"/>
               <a:t>© SoftUni – </a:t>
             </a:r>
             <a:r>
-              <a:rPr lang="en-US" u="sng">
+              <a:rPr lang="en-US" u="sng" dirty="0">
                 <a:hlinkClick r:id="rId3"/>
               </a:rPr>
               <a:t>https://softuni.org</a:t>
             </a:r>
             <a:r>
-              <a:rPr lang="en-US"/>
+              <a:rPr lang="en-US" dirty="0"/>
               <a:t>. Copyrighted document. Unauthorized copy or reproduction is not permitted.</a:t>
             </a:r>
           </a:p>
@@ -1272,15 +1274,15 @@
               <a:defRPr/>
             </a:pPr>
             <a:r>
-              <a:rPr lang="en-GB"/>
+              <a:rPr lang="en-GB" dirty="0"/>
               <a:t>You can try also:</a:t>
             </a:r>
             <a:r>
-              <a:rPr lang="en-GB" baseline="0"/>
+              <a:rPr lang="en-GB" baseline="0" dirty="0"/>
               <a:t> </a:t>
             </a:r>
             <a:r>
-              <a:rPr lang="en-US" sz="1600" b="1">
+              <a:rPr lang="en-US" sz="1600" b="1" dirty="0">
                 <a:solidFill>
                   <a:schemeClr val="tx2"/>
                 </a:solidFill>
@@ -1297,7 +1299,7 @@
             </a:r>
           </a:p>
           <a:p>
-            <a:endParaRPr lang="en-US"/>
+            <a:endParaRPr lang="en-US" dirty="0"/>
           </a:p>
         </p:txBody>
       </p:sp>
@@ -1319,9 +1321,9 @@
             <a:fld id="{3EBA5BD7-F043-4D1B-AA17-CD412FC534DE}" type="slidenum">
               <a:rPr lang="en-US" smtClean="0"/>
               <a:pPr/>
-              <a:t>32</a:t>
+              <a:t>33</a:t>
             </a:fld>
-            <a:endParaRPr lang="en-US"/>
+            <a:endParaRPr lang="en-US" dirty="0"/>
           </a:p>
         </p:txBody>
       </p:sp>
@@ -1359,17 +1361,17 @@
           </a:lstStyle>
           <a:p>
             <a:r>
-              <a:rPr lang="en-US"/>
+              <a:rPr lang="en-US" dirty="0"/>
               <a:t>© SoftUni – </a:t>
             </a:r>
             <a:r>
-              <a:rPr lang="en-US" u="sng">
+              <a:rPr lang="en-US" u="sng" dirty="0">
                 <a:hlinkClick r:id="rId3"/>
               </a:rPr>
               <a:t>https://softuni.org</a:t>
             </a:r>
             <a:r>
-              <a:rPr lang="en-US"/>
+              <a:rPr lang="en-US" dirty="0"/>
               <a:t>. Copyrighted document. Unauthorized copy or reproduction is not permitted.</a:t>
             </a:r>
           </a:p>
@@ -1450,15 +1452,15 @@
               <a:defRPr/>
             </a:pPr>
             <a:r>
-              <a:rPr lang="en-GB"/>
+              <a:rPr lang="en-GB" dirty="0"/>
               <a:t>You can try also:</a:t>
             </a:r>
             <a:r>
-              <a:rPr lang="en-GB" baseline="0"/>
+              <a:rPr lang="en-GB" baseline="0" dirty="0"/>
               <a:t> </a:t>
             </a:r>
             <a:r>
-              <a:rPr lang="en-US" sz="1600" b="1">
+              <a:rPr lang="en-US" sz="1600" b="1" dirty="0">
                 <a:solidFill>
                   <a:schemeClr val="tx2"/>
                 </a:solidFill>
@@ -1475,7 +1477,7 @@
             </a:r>
           </a:p>
           <a:p>
-            <a:endParaRPr lang="en-US"/>
+            <a:endParaRPr lang="en-US" dirty="0"/>
           </a:p>
         </p:txBody>
       </p:sp>
@@ -1497,9 +1499,9 @@
             <a:fld id="{3EBA5BD7-F043-4D1B-AA17-CD412FC534DE}" type="slidenum">
               <a:rPr lang="en-US" smtClean="0"/>
               <a:pPr/>
-              <a:t>34</a:t>
+              <a:t>35</a:t>
             </a:fld>
-            <a:endParaRPr lang="en-US"/>
+            <a:endParaRPr lang="en-US" dirty="0"/>
           </a:p>
         </p:txBody>
       </p:sp>
@@ -1537,17 +1539,17 @@
           </a:lstStyle>
           <a:p>
             <a:r>
-              <a:rPr lang="en-US"/>
+              <a:rPr lang="en-US" dirty="0"/>
               <a:t>© SoftUni – </a:t>
             </a:r>
             <a:r>
-              <a:rPr lang="en-US" u="sng">
+              <a:rPr lang="en-US" u="sng" dirty="0">
                 <a:hlinkClick r:id="rId3"/>
               </a:rPr>
               <a:t>https://softuni.org</a:t>
             </a:r>
             <a:r>
-              <a:rPr lang="en-US"/>
+              <a:rPr lang="en-US" dirty="0"/>
               <a:t>. Copyrighted document. Unauthorized copy or reproduction is not permitted.</a:t>
             </a:r>
           </a:p>
@@ -1610,7 +1612,7 @@
           <a:bodyPr/>
           <a:lstStyle/>
           <a:p>
-            <a:endParaRPr lang="en-US"/>
+            <a:endParaRPr lang="en-US" dirty="0"/>
           </a:p>
         </p:txBody>
       </p:sp>
@@ -1632,9 +1634,9 @@
             <a:fld id="{3EBA5BD7-F043-4D1B-AA17-CD412FC534DE}" type="slidenum">
               <a:rPr lang="en-US" smtClean="0"/>
               <a:pPr/>
-              <a:t>35</a:t>
+              <a:t>36</a:t>
             </a:fld>
-            <a:endParaRPr lang="en-US"/>
+            <a:endParaRPr lang="en-US" dirty="0"/>
           </a:p>
         </p:txBody>
       </p:sp>
@@ -1672,17 +1674,17 @@
           </a:lstStyle>
           <a:p>
             <a:r>
-              <a:rPr lang="en-US"/>
+              <a:rPr lang="en-US" dirty="0"/>
               <a:t>© SoftUni – </a:t>
             </a:r>
             <a:r>
-              <a:rPr lang="en-US" u="sng">
+              <a:rPr lang="en-US" u="sng" dirty="0">
                 <a:hlinkClick r:id="rId3"/>
               </a:rPr>
               <a:t>https://softuni.org</a:t>
             </a:r>
             <a:r>
-              <a:rPr lang="en-US"/>
+              <a:rPr lang="en-US" dirty="0"/>
               <a:t>. Copyrighted document. Unauthorized copy or reproduction is not permitted.</a:t>
             </a:r>
           </a:p>
@@ -1745,7 +1747,7 @@
           <a:bodyPr/>
           <a:lstStyle/>
           <a:p>
-            <a:endParaRPr lang="en-US"/>
+            <a:endParaRPr lang="en-US" dirty="0"/>
           </a:p>
         </p:txBody>
       </p:sp>
@@ -1873,9 +1875,9 @@
             <a:fld id="{3EBA5BD7-F043-4D1B-AA17-CD412FC534DE}" type="slidenum">
               <a:rPr lang="en-US" smtClean="0"/>
               <a:pPr/>
-              <a:t>36</a:t>
+              <a:t>37</a:t>
             </a:fld>
-            <a:endParaRPr lang="en-US"/>
+            <a:endParaRPr lang="en-US" dirty="0"/>
           </a:p>
         </p:txBody>
       </p:sp>
@@ -1913,17 +1915,17 @@
           </a:lstStyle>
           <a:p>
             <a:r>
-              <a:rPr lang="en-US"/>
+              <a:rPr lang="en-US" dirty="0"/>
               <a:t>© SoftUni – </a:t>
             </a:r>
             <a:r>
-              <a:rPr lang="en-US" u="sng">
+              <a:rPr lang="en-US" u="sng" dirty="0">
                 <a:hlinkClick r:id="rId3"/>
               </a:rPr>
               <a:t>https://softuni.org</a:t>
             </a:r>
             <a:r>
-              <a:rPr lang="en-US"/>
+              <a:rPr lang="en-US" dirty="0"/>
               <a:t>. Copyrighted document. Unauthorized copy or reproduction is not permitted.</a:t>
             </a:r>
           </a:p>
@@ -1986,7 +1988,7 @@
           <a:bodyPr/>
           <a:lstStyle/>
           <a:p>
-            <a:endParaRPr lang="en-US"/>
+            <a:endParaRPr lang="en-US" dirty="0"/>
           </a:p>
         </p:txBody>
       </p:sp>
@@ -2114,9 +2116,9 @@
             <a:fld id="{3EBA5BD7-F043-4D1B-AA17-CD412FC534DE}" type="slidenum">
               <a:rPr lang="en-US" smtClean="0"/>
               <a:pPr/>
-              <a:t>37</a:t>
+              <a:t>38</a:t>
             </a:fld>
-            <a:endParaRPr lang="en-US"/>
+            <a:endParaRPr lang="en-US" dirty="0"/>
           </a:p>
         </p:txBody>
       </p:sp>
@@ -2154,17 +2156,17 @@
           </a:lstStyle>
           <a:p>
             <a:r>
-              <a:rPr lang="en-US"/>
+              <a:rPr lang="en-US" dirty="0"/>
               <a:t>© SoftUni – </a:t>
             </a:r>
             <a:r>
-              <a:rPr lang="en-US" u="sng">
+              <a:rPr lang="en-US" u="sng" dirty="0">
                 <a:hlinkClick r:id="rId3"/>
               </a:rPr>
               <a:t>https://softuni.org</a:t>
             </a:r>
             <a:r>
-              <a:rPr lang="en-US"/>
+              <a:rPr lang="en-US" dirty="0"/>
               <a:t>. Copyrighted document. Unauthorized copy or reproduction is not permitted.</a:t>
             </a:r>
           </a:p>
@@ -2264,7 +2266,7 @@
               <a:tabLst/>
               <a:defRPr/>
             </a:pPr>
-            <a:endParaRPr kumimoji="0" lang="en-US" altLang="ko-KR" sz="2398" b="0" i="0" u="none" strike="noStrike" kern="1200" cap="none" spc="0" normalizeH="0" baseline="0" noProof="0">
+            <a:endParaRPr kumimoji="0" lang="en-US" altLang="ko-KR" sz="2398" b="0" i="0" u="none" strike="noStrike" kern="1200" cap="none" spc="0" normalizeH="0" baseline="0" noProof="0" dirty="0">
               <a:ln>
                 <a:noFill/>
               </a:ln>
@@ -2689,7 +2691,7 @@
           </a:lstStyle>
           <a:p>
             <a:r>
-              <a:rPr lang="en-US" noProof="0"/>
+              <a:rPr lang="en-US" noProof="0" dirty="0"/>
               <a:t>Click icon to add picture</a:t>
             </a:r>
           </a:p>
@@ -2893,7 +2895,7 @@
               <a:tabLst/>
               <a:defRPr/>
             </a:pPr>
-            <a:endParaRPr kumimoji="0" lang="en-US" altLang="ko-KR" sz="2398" b="0" i="0" u="none" strike="noStrike" kern="1200" cap="none" spc="0" normalizeH="0" baseline="0" noProof="0">
+            <a:endParaRPr kumimoji="0" lang="en-US" altLang="ko-KR" sz="2398" b="0" i="0" u="none" strike="noStrike" kern="1200" cap="none" spc="0" normalizeH="0" baseline="0" noProof="0" dirty="0">
               <a:ln>
                 <a:noFill/>
               </a:ln>
@@ -2952,7 +2954,7 @@
               <a:pPr/>
               <a:t>‹#›</a:t>
             </a:fld>
-            <a:endParaRPr lang="en-US"/>
+            <a:endParaRPr lang="en-US" dirty="0"/>
           </a:p>
         </p:txBody>
       </p:sp>
@@ -3016,7 +3018,7 @@
               <a:tabLst/>
               <a:defRPr/>
             </a:pPr>
-            <a:endParaRPr kumimoji="0" lang="en-US" altLang="ko-KR" sz="2398" b="0" i="0" u="none" strike="noStrike" kern="1200" cap="none" spc="0" normalizeH="0" baseline="0" noProof="0">
+            <a:endParaRPr kumimoji="0" lang="en-US" altLang="ko-KR" sz="2398" b="0" i="0" u="none" strike="noStrike" kern="1200" cap="none" spc="0" normalizeH="0" baseline="0" noProof="0" dirty="0">
               <a:ln>
                 <a:noFill/>
               </a:ln>
@@ -3289,7 +3291,7 @@
               <a:tabLst/>
               <a:defRPr/>
             </a:pPr>
-            <a:endParaRPr kumimoji="0" lang="en-US" altLang="ko-KR" sz="2398" b="0" i="0" u="none" strike="noStrike" kern="1200" cap="none" spc="0" normalizeH="0" baseline="0" noProof="0">
+            <a:endParaRPr kumimoji="0" lang="en-US" altLang="ko-KR" sz="2398" b="0" i="0" u="none" strike="noStrike" kern="1200" cap="none" spc="0" normalizeH="0" baseline="0" noProof="0" dirty="0">
               <a:ln>
                 <a:noFill/>
               </a:ln>
@@ -3475,7 +3477,7 @@
               <a:pPr/>
               <a:t>‹#›</a:t>
             </a:fld>
-            <a:endParaRPr lang="en-US" noProof="0"/>
+            <a:endParaRPr lang="en-US" noProof="0" dirty="0"/>
           </a:p>
         </p:txBody>
       </p:sp>
@@ -3629,7 +3631,7 @@
           </a:lstStyle>
           <a:p>
             <a:r>
-              <a:rPr lang="en-US" altLang="ko-KR" noProof="0"/>
+              <a:rPr lang="en-US" altLang="ko-KR" noProof="0" dirty="0"/>
               <a:t>Your Picture Here</a:t>
             </a:r>
           </a:p>
@@ -3693,7 +3695,7 @@
               <a:tabLst/>
               <a:defRPr/>
             </a:pPr>
-            <a:endParaRPr kumimoji="0" lang="en-US" altLang="ko-KR" sz="2398" b="0" i="0" u="none" strike="noStrike" kern="1200" cap="none" spc="0" normalizeH="0" baseline="0" noProof="0">
+            <a:endParaRPr kumimoji="0" lang="en-US" altLang="ko-KR" sz="2398" b="0" i="0" u="none" strike="noStrike" kern="1200" cap="none" spc="0" normalizeH="0" baseline="0" noProof="0" dirty="0">
               <a:ln>
                 <a:noFill/>
               </a:ln>
@@ -3768,7 +3770,7 @@
               <a:tabLst/>
               <a:defRPr/>
             </a:pPr>
-            <a:endParaRPr kumimoji="0" lang="en-US" altLang="ko-KR" sz="2398" b="0" i="0" u="none" strike="noStrike" kern="1200" cap="none" spc="0" normalizeH="0" baseline="0" noProof="0">
+            <a:endParaRPr kumimoji="0" lang="en-US" altLang="ko-KR" sz="2398" b="0" i="0" u="none" strike="noStrike" kern="1200" cap="none" spc="0" normalizeH="0" baseline="0" noProof="0" dirty="0">
               <a:ln>
                 <a:noFill/>
               </a:ln>
@@ -3849,7 +3851,7 @@
               <a:tabLst/>
               <a:defRPr/>
             </a:pPr>
-            <a:endParaRPr kumimoji="0" lang="en-US" altLang="ko-KR" sz="2398" b="0" i="0" u="none" strike="noStrike" kern="1200" cap="none" spc="0" normalizeH="0" baseline="0" noProof="0">
+            <a:endParaRPr kumimoji="0" lang="en-US" altLang="ko-KR" sz="2398" b="0" i="0" u="none" strike="noStrike" kern="1200" cap="none" spc="0" normalizeH="0" baseline="0" noProof="0" dirty="0">
               <a:ln>
                 <a:noFill/>
               </a:ln>
@@ -3930,7 +3932,7 @@
               <a:tabLst/>
               <a:defRPr/>
             </a:pPr>
-            <a:endParaRPr kumimoji="0" lang="en-US" altLang="ko-KR" sz="2398" b="0" i="0" u="none" strike="noStrike" kern="1200" cap="none" spc="0" normalizeH="0" baseline="0" noProof="0">
+            <a:endParaRPr kumimoji="0" lang="en-US" altLang="ko-KR" sz="2398" b="0" i="0" u="none" strike="noStrike" kern="1200" cap="none" spc="0" normalizeH="0" baseline="0" noProof="0" dirty="0">
               <a:ln>
                 <a:noFill/>
               </a:ln>
@@ -4134,7 +4136,7 @@
               <a:tabLst/>
               <a:defRPr/>
             </a:pPr>
-            <a:endParaRPr kumimoji="0" lang="en-US" altLang="ko-KR" sz="2398" b="0" i="0" u="none" strike="noStrike" kern="1200" cap="none" spc="0" normalizeH="0" baseline="0" noProof="0">
+            <a:endParaRPr kumimoji="0" lang="en-US" altLang="ko-KR" sz="2398" b="0" i="0" u="none" strike="noStrike" kern="1200" cap="none" spc="0" normalizeH="0" baseline="0" noProof="0" dirty="0">
               <a:ln>
                 <a:noFill/>
               </a:ln>
@@ -4190,7 +4192,7 @@
               </a:spcAft>
             </a:pPr>
             <a:r>
-              <a:rPr lang="en-US" sz="1600" noProof="0">
+              <a:rPr lang="en-US" sz="1600" noProof="0" dirty="0">
                 <a:solidFill>
                   <a:schemeClr val="bg2"/>
                 </a:solidFill>
@@ -4202,7 +4204,7 @@
               <a:t>© SoftUni – </a:t>
             </a:r>
             <a:r>
-              <a:rPr lang="en-US" sz="1600" u="sng" noProof="0">
+              <a:rPr lang="en-US" sz="1600" u="sng" noProof="0" dirty="0">
                 <a:solidFill>
                   <a:schemeClr val="bg2"/>
                 </a:solidFill>
@@ -4221,7 +4223,7 @@
               <a:t>https://softuni.org</a:t>
             </a:r>
             <a:r>
-              <a:rPr lang="en-US" sz="1600" noProof="0">
+              <a:rPr lang="en-US" sz="1600" noProof="0" dirty="0">
                 <a:solidFill>
                   <a:schemeClr val="bg2"/>
                 </a:solidFill>
@@ -4232,7 +4234,7 @@
               </a:rPr>
               <a:t>. Copyrighted document. Unauthorized copy, reproduction or use is not permitted.</a:t>
             </a:r>
-            <a:endParaRPr lang="en-US" sz="2400" noProof="0">
+            <a:endParaRPr lang="en-US" sz="2400" noProof="0" dirty="0">
               <a:solidFill>
                 <a:schemeClr val="bg2"/>
               </a:solidFill>
@@ -5096,7 +5098,7 @@
               <a:pPr/>
               <a:t>‹#›</a:t>
             </a:fld>
-            <a:endParaRPr lang="en-US" noProof="0"/>
+            <a:endParaRPr lang="en-US" noProof="0" dirty="0"/>
           </a:p>
         </p:txBody>
       </p:sp>
@@ -5448,7 +5450,7 @@
               <a:tabLst/>
               <a:defRPr/>
             </a:pPr>
-            <a:endParaRPr kumimoji="0" lang="en-US" altLang="ko-KR" sz="2398" b="0" i="0" u="none" strike="noStrike" kern="1200" cap="none" spc="0" normalizeH="0" baseline="0" noProof="0">
+            <a:endParaRPr kumimoji="0" lang="en-US" altLang="ko-KR" sz="2398" b="0" i="0" u="none" strike="noStrike" kern="1200" cap="none" spc="0" normalizeH="0" baseline="0" noProof="0" dirty="0">
               <a:ln>
                 <a:noFill/>
               </a:ln>
@@ -5640,7 +5642,7 @@
               <a:tabLst/>
               <a:defRPr/>
             </a:pPr>
-            <a:endParaRPr kumimoji="0" lang="en-US" altLang="ko-KR" sz="2398" b="0" i="0" u="none" strike="noStrike" kern="1200" cap="none" spc="0" normalizeH="0" baseline="0" noProof="0">
+            <a:endParaRPr kumimoji="0" lang="en-US" altLang="ko-KR" sz="2398" b="0" i="0" u="none" strike="noStrike" kern="1200" cap="none" spc="0" normalizeH="0" baseline="0" noProof="0" dirty="0">
               <a:ln>
                 <a:noFill/>
               </a:ln>
@@ -5822,7 +5824,7 @@
               <a:pPr/>
               <a:t>‹#›</a:t>
             </a:fld>
-            <a:endParaRPr lang="en-US" noProof="0"/>
+            <a:endParaRPr lang="en-US" noProof="0" dirty="0"/>
           </a:p>
         </p:txBody>
       </p:sp>
@@ -5968,7 +5970,7 @@
               <a:tabLst/>
               <a:defRPr/>
             </a:pPr>
-            <a:endParaRPr kumimoji="0" lang="en-US" altLang="ko-KR" sz="2398" b="0" i="0" u="none" strike="noStrike" kern="1200" cap="none" spc="0" normalizeH="0" baseline="0" noProof="0">
+            <a:endParaRPr kumimoji="0" lang="en-US" altLang="ko-KR" sz="2398" b="0" i="0" u="none" strike="noStrike" kern="1200" cap="none" spc="0" normalizeH="0" baseline="0" noProof="0" dirty="0">
               <a:ln>
                 <a:noFill/>
               </a:ln>
@@ -6138,7 +6140,7 @@
               <a:pPr/>
               <a:t>‹#›</a:t>
             </a:fld>
-            <a:endParaRPr lang="en-US" noProof="0"/>
+            <a:endParaRPr lang="en-US" noProof="0" dirty="0"/>
           </a:p>
         </p:txBody>
       </p:sp>
@@ -6333,7 +6335,7 @@
               <a:tabLst/>
               <a:defRPr/>
             </a:pPr>
-            <a:endParaRPr kumimoji="0" lang="en-US" altLang="ko-KR" sz="2398" b="0" i="0" u="none" strike="noStrike" kern="1200" cap="none" spc="0" normalizeH="0" baseline="0" noProof="0">
+            <a:endParaRPr kumimoji="0" lang="en-US" altLang="ko-KR" sz="2398" b="0" i="0" u="none" strike="noStrike" kern="1200" cap="none" spc="0" normalizeH="0" baseline="0" noProof="0" dirty="0">
               <a:ln>
                 <a:noFill/>
               </a:ln>
@@ -6503,7 +6505,7 @@
               <a:pPr/>
               <a:t>‹#›</a:t>
             </a:fld>
-            <a:endParaRPr lang="en-US" noProof="0"/>
+            <a:endParaRPr lang="en-US" noProof="0" dirty="0"/>
           </a:p>
         </p:txBody>
       </p:sp>
@@ -6565,7 +6567,7 @@
               <a:tabLst/>
               <a:defRPr/>
             </a:pPr>
-            <a:endParaRPr kumimoji="0" lang="en-US" altLang="ko-KR" sz="2398" b="0" i="0" u="none" strike="noStrike" kern="1200" cap="none" spc="0" normalizeH="0" baseline="0" noProof="0">
+            <a:endParaRPr kumimoji="0" lang="en-US" altLang="ko-KR" sz="2398" b="0" i="0" u="none" strike="noStrike" kern="1200" cap="none" spc="0" normalizeH="0" baseline="0" noProof="0" dirty="0">
               <a:ln>
                 <a:noFill/>
               </a:ln>
@@ -6878,7 +6880,7 @@
               <a:pPr/>
               <a:t>‹#›</a:t>
             </a:fld>
-            <a:endParaRPr lang="en-US" noProof="0"/>
+            <a:endParaRPr lang="en-US" noProof="0" dirty="0"/>
           </a:p>
         </p:txBody>
       </p:sp>
@@ -6946,7 +6948,7 @@
               <a:tabLst/>
               <a:defRPr/>
             </a:pPr>
-            <a:endParaRPr kumimoji="0" lang="en-US" altLang="ko-KR" sz="2398" b="0" i="0" u="none" strike="noStrike" kern="1200" cap="none" spc="0" normalizeH="0" baseline="0" noProof="0">
+            <a:endParaRPr kumimoji="0" lang="en-US" altLang="ko-KR" sz="2398" b="0" i="0" u="none" strike="noStrike" kern="1200" cap="none" spc="0" normalizeH="0" baseline="0" noProof="0" dirty="0">
               <a:ln>
                 <a:noFill/>
               </a:ln>
@@ -7259,7 +7261,7 @@
               <a:pPr/>
               <a:t>‹#›</a:t>
             </a:fld>
-            <a:endParaRPr lang="en-US" noProof="0"/>
+            <a:endParaRPr lang="en-US" noProof="0" dirty="0"/>
           </a:p>
         </p:txBody>
       </p:sp>
@@ -7327,7 +7329,7 @@
               <a:tabLst/>
               <a:defRPr/>
             </a:pPr>
-            <a:endParaRPr kumimoji="0" lang="en-US" altLang="ko-KR" sz="2398" b="0" i="0" u="none" strike="noStrike" kern="1200" cap="none" spc="0" normalizeH="0" baseline="0" noProof="0">
+            <a:endParaRPr kumimoji="0" lang="en-US" altLang="ko-KR" sz="2398" b="0" i="0" u="none" strike="noStrike" kern="1200" cap="none" spc="0" normalizeH="0" baseline="0" noProof="0" dirty="0">
               <a:ln>
                 <a:noFill/>
               </a:ln>
@@ -7594,7 +7596,7 @@
               <a:pPr/>
               <a:t>‹#›</a:t>
             </a:fld>
-            <a:endParaRPr lang="en-US" noProof="0"/>
+            <a:endParaRPr lang="en-US" noProof="0" dirty="0"/>
           </a:p>
         </p:txBody>
       </p:sp>
@@ -7662,7 +7664,7 @@
               <a:tabLst/>
               <a:defRPr/>
             </a:pPr>
-            <a:endParaRPr kumimoji="0" lang="en-US" altLang="ko-KR" sz="2398" b="0" i="0" u="none" strike="noStrike" kern="1200" cap="none" spc="0" normalizeH="0" baseline="0" noProof="0">
+            <a:endParaRPr kumimoji="0" lang="en-US" altLang="ko-KR" sz="2398" b="0" i="0" u="none" strike="noStrike" kern="1200" cap="none" spc="0" normalizeH="0" baseline="0" noProof="0" dirty="0">
               <a:ln>
                 <a:noFill/>
               </a:ln>
@@ -8030,7 +8032,7 @@
               <a:tabLst/>
               <a:defRPr/>
             </a:pPr>
-            <a:endParaRPr kumimoji="0" lang="en-US" altLang="ko-KR" sz="2398" b="0" i="0" u="none" strike="noStrike" kern="1200" cap="none" spc="0" normalizeH="0" baseline="0" noProof="0">
+            <a:endParaRPr kumimoji="0" lang="en-US" altLang="ko-KR" sz="2398" b="0" i="0" u="none" strike="noStrike" kern="1200" cap="none" spc="0" normalizeH="0" baseline="0" noProof="0" dirty="0">
               <a:ln>
                 <a:noFill/>
               </a:ln>
@@ -8692,40 +8694,16 @@
               </a:spcAft>
             </a:pPr>
             <a:r>
-              <a:rPr lang="en-US" sz="3550" dirty="0" err="1"/>
-              <a:t>Синтаксис</a:t>
-            </a:r>
-            <a:r>
               <a:rPr lang="en-US" sz="3550" dirty="0"/>
-              <a:t> </a:t>
-            </a:r>
-            <a:r>
-              <a:rPr lang="en-US" sz="3550" dirty="0" err="1"/>
-              <a:t>на</a:t>
+              <a:t>Синтаксис на ре</a:t>
+            </a:r>
+            <a:r>
+              <a:rPr lang="bg-BG" sz="3550" dirty="0"/>
+              <a:t>гу</a:t>
             </a:r>
             <a:r>
               <a:rPr lang="en-US" sz="3550" dirty="0"/>
-              <a:t> </a:t>
-            </a:r>
-            <a:r>
-              <a:rPr lang="en-US" sz="3550" dirty="0" err="1"/>
-              <a:t>ре</a:t>
-            </a:r>
-            <a:r>
-              <a:rPr lang="bg-BG" sz="3550" dirty="0" err="1"/>
-              <a:t>гу</a:t>
-            </a:r>
-            <a:r>
-              <a:rPr lang="en-US" sz="3550" dirty="0" err="1"/>
-              <a:t>лярния</a:t>
-            </a:r>
-            <a:r>
-              <a:rPr lang="en-US" sz="3550" dirty="0"/>
-              <a:t> </a:t>
-            </a:r>
-            <a:r>
-              <a:rPr lang="en-US" sz="3550" dirty="0" err="1"/>
-              <a:t>израз</a:t>
+              <a:t>лярния израз</a:t>
             </a:r>
             <a:endParaRPr lang="bg-BG" dirty="0"/>
           </a:p>
@@ -8754,17 +8732,17 @@
           <a:lstStyle/>
           <a:p>
             <a:r>
-              <a:rPr lang="en-US" sz="4750">
+              <a:rPr lang="en-US" sz="4750" dirty="0">
                 <a:ea typeface="+mj-lt"/>
                 <a:cs typeface="+mj-lt"/>
               </a:rPr>
               <a:t>Регулярен израз</a:t>
             </a:r>
             <a:r>
-              <a:rPr lang="en-US" sz="4750"/>
+              <a:rPr lang="en-US" sz="4750" dirty="0"/>
               <a:t> (RegEx)</a:t>
             </a:r>
-            <a:endParaRPr lang="bg-BG" sz="4750">
+            <a:endParaRPr lang="bg-BG" sz="4750" dirty="0">
               <a:cs typeface="Calibri"/>
             </a:endParaRPr>
           </a:p>
@@ -8787,11 +8765,7 @@
           <a:p>
             <a:r>
               <a:rPr lang="en-US" sz="1950" dirty="0"/>
-              <a:t>Софтуерен </a:t>
-            </a:r>
-            <a:r>
-              <a:rPr lang="en-US" sz="1950" dirty="0" err="1"/>
-              <a:t>университет</a:t>
+              <a:t>Софтуерен университет</a:t>
             </a:r>
             <a:endParaRPr lang="en-US" sz="1950" b="0" dirty="0">
               <a:ea typeface="+mn-lt"/>
@@ -8816,12 +8790,12 @@
           <a:lstStyle/>
           <a:p>
             <a:r>
-              <a:rPr lang="en-US">
+              <a:rPr lang="en-US" dirty="0">
                 <a:hlinkClick r:id="rId3"/>
               </a:rPr>
               <a:t>https://softuni.bg</a:t>
             </a:r>
-            <a:endParaRPr lang="en-US"/>
+            <a:endParaRPr lang="en-US" dirty="0"/>
           </a:p>
         </p:txBody>
       </p:sp>
@@ -8841,7 +8815,7 @@
           <a:lstStyle/>
           <a:p>
             <a:r>
-              <a:rPr lang="en-US" sz="2750" dirty="0" err="1">
+              <a:rPr lang="en-US" sz="2750" dirty="0">
                 <a:ea typeface="+mn-lt"/>
                 <a:cs typeface="+mn-lt"/>
               </a:rPr>
@@ -8873,11 +8847,7 @@
           <a:p>
             <a:r>
               <a:rPr lang="en-US" sz="2350" dirty="0"/>
-              <a:t>Преподавателски </a:t>
-            </a:r>
-            <a:r>
-              <a:rPr lang="en-US" sz="2350" dirty="0" err="1"/>
-              <a:t>екип</a:t>
+              <a:t>Преподавателски екип</a:t>
             </a:r>
             <a:endParaRPr lang="en-US" sz="2350" b="0" dirty="0">
               <a:ea typeface="+mn-lt"/>
@@ -9044,19 +9014,7 @@
             </a:r>
             <a:r>
               <a:rPr lang="en-GB" sz="3350" dirty="0"/>
-              <a:t> – </a:t>
-            </a:r>
-            <a:r>
-              <a:rPr lang="en-GB" sz="3350" dirty="0" err="1"/>
-              <a:t>търси</a:t>
-            </a:r>
-            <a:r>
-              <a:rPr lang="en-GB" sz="3350" dirty="0"/>
-              <a:t> </a:t>
-            </a:r>
-            <a:r>
-              <a:rPr lang="en-GB" sz="3350" dirty="0" err="1"/>
-              <a:t>всеки</a:t>
+              <a:t> – търси всеки</a:t>
             </a:r>
             <a:r>
               <a:rPr lang="en-GB" sz="3350" dirty="0">
@@ -9067,20 +9025,12 @@
               <a:t> </a:t>
             </a:r>
             <a:r>
-              <a:rPr lang="en-GB" sz="3350" b="1" dirty="0" err="1">
+              <a:rPr lang="en-GB" sz="3350" b="1" dirty="0">
                 <a:solidFill>
                   <a:schemeClr val="bg1"/>
                 </a:solidFill>
               </a:rPr>
-              <a:t>символ</a:t>
-            </a:r>
-            <a:r>
-              <a:rPr lang="en-GB" sz="3350" b="1" dirty="0">
-                <a:solidFill>
-                  <a:schemeClr val="bg1"/>
-                </a:solidFill>
-              </a:rPr>
-              <a:t> </a:t>
+              <a:t>символ </a:t>
             </a:r>
             <a:r>
               <a:rPr lang="en-GB" sz="3350" dirty="0"/>
@@ -9108,82 +9058,14 @@
             </a:r>
             <a:r>
               <a:rPr lang="en-GB" sz="3350" dirty="0"/>
-              <a:t> – </a:t>
-            </a:r>
-            <a:r>
-              <a:rPr lang="en-GB" sz="3350" dirty="0" err="1"/>
-              <a:t>търси</a:t>
-            </a:r>
-            <a:r>
-              <a:rPr lang="en-GB" sz="3350" dirty="0"/>
-              <a:t> </a:t>
-            </a:r>
-            <a:r>
-              <a:rPr lang="en-GB" sz="3350" dirty="0" err="1"/>
-              <a:t>всеки</a:t>
-            </a:r>
-            <a:r>
-              <a:rPr lang="en-GB" sz="3350" dirty="0"/>
-              <a:t> </a:t>
-            </a:r>
-            <a:r>
-              <a:rPr lang="en-GB" sz="3350" dirty="0" err="1"/>
-              <a:t>символ</a:t>
-            </a:r>
-            <a:r>
-              <a:rPr lang="en-GB" sz="3350" dirty="0"/>
-              <a:t> </a:t>
-            </a:r>
-            <a:r>
-              <a:rPr lang="en-GB" sz="3350" dirty="0" err="1"/>
-              <a:t>различен</a:t>
-            </a:r>
-            <a:r>
-              <a:rPr lang="en-GB" sz="3350" dirty="0"/>
-              <a:t> </a:t>
-            </a:r>
-            <a:r>
-              <a:rPr lang="en-GB" sz="3350" dirty="0" err="1"/>
-              <a:t>от</a:t>
-            </a:r>
-            <a:r>
-              <a:rPr lang="en-GB" sz="3350" dirty="0"/>
-              <a:t> </a:t>
-            </a:r>
-            <a:r>
-              <a:rPr lang="en-GB" sz="3350" dirty="0" err="1"/>
-              <a:t>английската</a:t>
-            </a:r>
-            <a:r>
-              <a:rPr lang="en-GB" sz="3350" dirty="0"/>
-              <a:t> </a:t>
+              <a:t> – търси всеки символ различен от английската </a:t>
             </a:r>
             <a:br>
               <a:rPr lang="en-GB" sz="3350" dirty="0"/>
             </a:br>
             <a:r>
-              <a:rPr lang="en-GB" sz="3350" dirty="0" err="1"/>
-              <a:t>азбука</a:t>
-            </a:r>
-            <a:r>
               <a:rPr lang="en-GB" sz="3350" dirty="0"/>
-              <a:t>(</a:t>
-            </a:r>
-            <a:r>
-              <a:rPr lang="en-GB" sz="3350" dirty="0" err="1"/>
-              <a:t>обратното</a:t>
-            </a:r>
-            <a:r>
-              <a:rPr lang="en-GB" sz="3350" dirty="0"/>
-              <a:t> </a:t>
-            </a:r>
-            <a:r>
-              <a:rPr lang="en-GB" sz="3350" dirty="0" err="1"/>
-              <a:t>на</a:t>
-            </a:r>
-            <a:r>
-              <a:rPr lang="en-GB" sz="3350" dirty="0"/>
-              <a:t> </a:t>
+              <a:t>азбука(обратното на </a:t>
             </a:r>
             <a:r>
               <a:rPr lang="en-GB" sz="3350" b="1" dirty="0">
@@ -9222,82 +9104,18 @@
             </a:r>
             <a:r>
               <a:rPr lang="en-GB" sz="3350" dirty="0"/>
-              <a:t> – </a:t>
-            </a:r>
-            <a:r>
-              <a:rPr lang="en-GB" sz="3350" dirty="0" err="1"/>
-              <a:t>търси</a:t>
-            </a:r>
-            <a:r>
-              <a:rPr lang="en-GB" sz="3350" dirty="0"/>
-              <a:t> </a:t>
-            </a:r>
-            <a:r>
-              <a:rPr lang="en-GB" sz="3350" dirty="0" err="1">
+              <a:t> – търси </a:t>
+            </a:r>
+            <a:r>
+              <a:rPr lang="en-GB" sz="3350" dirty="0">
                 <a:solidFill>
                   <a:srgbClr val="234465"/>
                 </a:solidFill>
               </a:rPr>
-              <a:t>всички</a:t>
-            </a:r>
-            <a:r>
-              <a:rPr lang="en-GB" sz="3350" dirty="0">
-                <a:solidFill>
-                  <a:srgbClr val="234465"/>
-                </a:solidFill>
-              </a:rPr>
-              <a:t> </a:t>
-            </a:r>
-            <a:r>
-              <a:rPr lang="en-GB" sz="3350" dirty="0" err="1">
-                <a:solidFill>
-                  <a:srgbClr val="234465"/>
-                </a:solidFill>
-              </a:rPr>
-              <a:t>символи</a:t>
-            </a:r>
-            <a:r>
-              <a:rPr lang="en-GB" sz="3350" dirty="0">
-                <a:solidFill>
-                  <a:srgbClr val="234465"/>
-                </a:solidFill>
-              </a:rPr>
-              <a:t>, </a:t>
-            </a:r>
-            <a:r>
-              <a:rPr lang="en-GB" sz="3350" dirty="0" err="1">
-                <a:solidFill>
-                  <a:srgbClr val="234465"/>
-                </a:solidFill>
-              </a:rPr>
-              <a:t>които</a:t>
-            </a:r>
-            <a:r>
-              <a:rPr lang="en-GB" sz="3350" dirty="0">
-                <a:solidFill>
-                  <a:srgbClr val="234465"/>
-                </a:solidFill>
-              </a:rPr>
-              <a:t> </a:t>
-            </a:r>
-            <a:r>
-              <a:rPr lang="en-GB" sz="3350" dirty="0" err="1">
-                <a:solidFill>
-                  <a:srgbClr val="234465"/>
-                </a:solidFill>
-              </a:rPr>
-              <a:t>са</a:t>
-            </a:r>
-            <a:r>
-              <a:rPr lang="en-GB" sz="3350" dirty="0">
-                <a:solidFill>
-                  <a:srgbClr val="234465"/>
-                </a:solidFill>
-              </a:rPr>
-              <a:t> </a:t>
-            </a:r>
-            <a:r>
-              <a:rPr lang="en-GB" sz="3350" b="1" dirty="0" err="1">
+              <a:t>всички символи, които са </a:t>
+            </a:r>
+            <a:r>
+              <a:rPr lang="en-GB" sz="3350" b="1" dirty="0">
                 <a:solidFill>
                   <a:schemeClr val="bg1"/>
                 </a:solidFill>
@@ -9334,151 +9152,54 @@
               <a:t> – </a:t>
             </a:r>
             <a:r>
-              <a:rPr lang="en-GB" sz="3350" dirty="0" err="1">
-                <a:ea typeface="+mn-lt"/>
-                <a:cs typeface="+mn-lt"/>
-              </a:rPr>
-              <a:t>търси</a:t>
-            </a:r>
-            <a:r>
               <a:rPr lang="en-GB" sz="3350" dirty="0">
                 <a:ea typeface="+mn-lt"/>
                 <a:cs typeface="+mn-lt"/>
               </a:rPr>
-              <a:t> </a:t>
-            </a:r>
-            <a:r>
-              <a:rPr lang="en-GB" sz="3350" dirty="0" err="1">
+              <a:t>търси всички </a:t>
+            </a:r>
+            <a:r>
+              <a:rPr lang="en-GB" sz="3350" dirty="0">
+                <a:solidFill>
+                  <a:srgbClr val="234465"/>
+                </a:solidFill>
                 <a:ea typeface="+mn-lt"/>
                 <a:cs typeface="+mn-lt"/>
               </a:rPr>
-              <a:t>всички</a:t>
-            </a:r>
-            <a:r>
+              <a:t>символи, </a:t>
+            </a:r>
+            <a:br>
               <a:rPr lang="en-GB" sz="3350" dirty="0">
+                <a:solidFill>
+                  <a:srgbClr val="234465"/>
+                </a:solidFill>
                 <a:ea typeface="+mn-lt"/>
                 <a:cs typeface="+mn-lt"/>
               </a:rPr>
-              <a:t> </a:t>
-            </a:r>
-            <a:r>
-              <a:rPr lang="en-GB" sz="3350" dirty="0" err="1">
+            </a:br>
+            <a:r>
+              <a:rPr lang="en-GB" sz="3350" dirty="0">
                 <a:solidFill>
                   <a:srgbClr val="234465"/>
                 </a:solidFill>
                 <a:ea typeface="+mn-lt"/>
                 <a:cs typeface="+mn-lt"/>
               </a:rPr>
-              <a:t>символи</a:t>
-            </a:r>
-            <a:r>
-              <a:rPr lang="en-GB" sz="3350" dirty="0">
-                <a:solidFill>
-                  <a:srgbClr val="234465"/>
+              <a:t>които не са </a:t>
+            </a:r>
+            <a:r>
+              <a:rPr lang="en-GB" sz="3350" b="1" dirty="0">
+                <a:solidFill>
+                  <a:schemeClr val="bg1"/>
                 </a:solidFill>
                 <a:ea typeface="+mn-lt"/>
                 <a:cs typeface="+mn-lt"/>
               </a:rPr>
-              <a:t>, </a:t>
-            </a:r>
-            <a:br>
-              <a:rPr lang="en-GB" sz="3350" dirty="0">
-                <a:solidFill>
-                  <a:srgbClr val="234465"/>
-                </a:solidFill>
-                <a:ea typeface="+mn-lt"/>
-                <a:cs typeface="+mn-lt"/>
-              </a:rPr>
-            </a:br>
-            <a:r>
-              <a:rPr lang="en-GB" sz="3350" dirty="0" err="1">
-                <a:solidFill>
-                  <a:srgbClr val="234465"/>
-                </a:solidFill>
-                <a:ea typeface="+mn-lt"/>
-                <a:cs typeface="+mn-lt"/>
-              </a:rPr>
-              <a:t>които</a:t>
-            </a:r>
-            <a:r>
-              <a:rPr lang="en-GB" sz="3350" dirty="0">
-                <a:solidFill>
-                  <a:srgbClr val="234465"/>
-                </a:solidFill>
-                <a:ea typeface="+mn-lt"/>
-                <a:cs typeface="+mn-lt"/>
-              </a:rPr>
-              <a:t> </a:t>
-            </a:r>
-            <a:r>
-              <a:rPr lang="en-GB" sz="3350" dirty="0" err="1">
-                <a:solidFill>
-                  <a:srgbClr val="234465"/>
-                </a:solidFill>
-                <a:ea typeface="+mn-lt"/>
-                <a:cs typeface="+mn-lt"/>
-              </a:rPr>
-              <a:t>не</a:t>
-            </a:r>
-            <a:r>
-              <a:rPr lang="en-GB" sz="3350" dirty="0">
-                <a:solidFill>
-                  <a:srgbClr val="234465"/>
-                </a:solidFill>
-                <a:ea typeface="+mn-lt"/>
-                <a:cs typeface="+mn-lt"/>
-              </a:rPr>
-              <a:t> </a:t>
-            </a:r>
-            <a:r>
-              <a:rPr lang="en-GB" sz="3350" dirty="0" err="1">
-                <a:solidFill>
-                  <a:srgbClr val="234465"/>
-                </a:solidFill>
-                <a:ea typeface="+mn-lt"/>
-                <a:cs typeface="+mn-lt"/>
-              </a:rPr>
-              <a:t>са</a:t>
-            </a:r>
-            <a:r>
-              <a:rPr lang="en-GB" sz="3350" dirty="0">
-                <a:solidFill>
-                  <a:srgbClr val="234465"/>
-                </a:solidFill>
-                <a:ea typeface="+mn-lt"/>
-                <a:cs typeface="+mn-lt"/>
-              </a:rPr>
-              <a:t> </a:t>
-            </a:r>
-            <a:r>
-              <a:rPr lang="en-GB" sz="3350" b="1" dirty="0" err="1">
-                <a:solidFill>
-                  <a:schemeClr val="bg1"/>
-                </a:solidFill>
-                <a:ea typeface="+mn-lt"/>
-                <a:cs typeface="+mn-lt"/>
-              </a:rPr>
               <a:t>интервали</a:t>
             </a:r>
             <a:r>
               <a:rPr lang="en-GB" sz="3350" dirty="0"/>
-              <a:t> (</a:t>
-            </a:r>
-            <a:r>
-              <a:rPr lang="en-GB" sz="3350" dirty="0" err="1"/>
-              <a:t>обратно</a:t>
-            </a:r>
-            <a:r>
-              <a:rPr lang="en-GB" sz="3350" dirty="0"/>
-              <a:t> </a:t>
-            </a:r>
-            <a:r>
-              <a:rPr lang="en-GB" sz="3350" dirty="0" err="1"/>
-              <a:t>на</a:t>
-            </a:r>
-            <a:r>
-              <a:rPr lang="en-GB" sz="3350" dirty="0"/>
-              <a:t> </a:t>
+              <a:t> (обратно на </a:t>
             </a:r>
             <a:r>
               <a:rPr lang="en-GB" sz="3350" b="1" dirty="0">
@@ -9517,51 +9238,19 @@
             </a:r>
             <a:r>
               <a:rPr lang="en-GB" sz="3350" dirty="0"/>
-              <a:t> – </a:t>
-            </a:r>
-            <a:r>
-              <a:rPr lang="en-GB" sz="3350" dirty="0" err="1"/>
-              <a:t>търси</a:t>
+              <a:t> – търси интервала </a:t>
+            </a:r>
+            <a:r>
+              <a:rPr lang="en-GB" sz="3350" b="1" dirty="0">
+                <a:solidFill>
+                  <a:schemeClr val="bg1"/>
+                </a:solidFill>
+              </a:rPr>
+              <a:t>между </a:t>
             </a:r>
             <a:r>
               <a:rPr lang="en-GB" sz="3350" dirty="0"/>
-              <a:t> </a:t>
-            </a:r>
-            <a:r>
-              <a:rPr lang="en-GB" sz="3350" dirty="0" err="1"/>
-              <a:t>интервала</a:t>
-            </a:r>
-            <a:r>
-              <a:rPr lang="en-GB" sz="3350" dirty="0"/>
-              <a:t> </a:t>
-            </a:r>
-            <a:r>
-              <a:rPr lang="en-GB" sz="3350" b="1" dirty="0" err="1">
-                <a:solidFill>
-                  <a:schemeClr val="bg1"/>
-                </a:solidFill>
-              </a:rPr>
-              <a:t>между</a:t>
-            </a:r>
-            <a:r>
-              <a:rPr lang="en-GB" sz="3350" b="1" dirty="0">
-                <a:solidFill>
-                  <a:schemeClr val="bg1"/>
-                </a:solidFill>
-              </a:rPr>
-              <a:t> </a:t>
-            </a:r>
-            <a:r>
-              <a:rPr lang="en-GB" sz="3350" dirty="0" err="1"/>
-              <a:t>две</a:t>
-            </a:r>
-            <a:r>
-              <a:rPr lang="en-GB" sz="3350" dirty="0"/>
-              <a:t> </a:t>
-            </a:r>
-            <a:r>
-              <a:rPr lang="en-GB" sz="3350" dirty="0" err="1"/>
-              <a:t>букви</a:t>
+              <a:t>две букви</a:t>
             </a:r>
             <a:endParaRPr lang="en-GB" sz="3350" dirty="0">
               <a:cs typeface="Calibri"/>
@@ -9590,39 +9279,15 @@
               <a:t> – </a:t>
             </a:r>
             <a:r>
-              <a:rPr lang="en-GB" sz="3350" dirty="0" err="1">
+              <a:rPr lang="en-GB" sz="3350" dirty="0">
                 <a:solidFill>
                   <a:srgbClr val="234465"/>
                 </a:solidFill>
               </a:rPr>
-              <a:t>търси</a:t>
+              <a:t>търси всички </a:t>
             </a:r>
             <a:r>
               <a:rPr lang="en-GB" sz="3350" dirty="0">
-                <a:solidFill>
-                  <a:srgbClr val="234465"/>
-                </a:solidFill>
-              </a:rPr>
-              <a:t> </a:t>
-            </a:r>
-            <a:r>
-              <a:rPr lang="en-GB" sz="3350" dirty="0" err="1">
-                <a:solidFill>
-                  <a:srgbClr val="234465"/>
-                </a:solidFill>
-              </a:rPr>
-              <a:t>всички</a:t>
-            </a:r>
-            <a:r>
-              <a:rPr lang="en-GB" sz="3350" dirty="0">
-                <a:solidFill>
-                  <a:srgbClr val="234465"/>
-                </a:solidFill>
-              </a:rPr>
-              <a:t> </a:t>
-            </a:r>
-            <a:r>
-              <a:rPr lang="en-GB" sz="3350" dirty="0" err="1">
                 <a:solidFill>
                   <a:srgbClr val="234465"/>
                 </a:solidFill>
@@ -9637,55 +9302,15 @@
                   <a:srgbClr val="234465"/>
                 </a:solidFill>
               </a:rPr>
-              <a:t>, </a:t>
-            </a:r>
-            <a:r>
-              <a:rPr lang="en-GB" sz="3350" dirty="0" err="1">
-                <a:solidFill>
-                  <a:srgbClr val="234465"/>
-                </a:solidFill>
-              </a:rPr>
-              <a:t>които</a:t>
-            </a:r>
-            <a:r>
-              <a:rPr lang="en-GB" sz="3350" dirty="0">
-                <a:solidFill>
-                  <a:srgbClr val="234465"/>
-                </a:solidFill>
-              </a:rPr>
-              <a:t> </a:t>
-            </a:r>
-            <a:r>
-              <a:rPr lang="en-GB" sz="3350" b="1" dirty="0" err="1">
+              <a:t>, които </a:t>
+            </a:r>
+            <a:r>
+              <a:rPr lang="en-GB" sz="3350" b="1" dirty="0">
                 <a:solidFill>
                   <a:schemeClr val="bg1"/>
                 </a:solidFill>
               </a:rPr>
-              <a:t>цели</a:t>
-            </a:r>
-            <a:r>
-              <a:rPr lang="en-GB" sz="3350" b="1" dirty="0">
-                <a:solidFill>
-                  <a:schemeClr val="bg1"/>
-                </a:solidFill>
-              </a:rPr>
-              <a:t> </a:t>
-            </a:r>
-            <a:r>
-              <a:rPr lang="en-GB" sz="3350" b="1" dirty="0" err="1">
-                <a:solidFill>
-                  <a:schemeClr val="bg1"/>
-                </a:solidFill>
-              </a:rPr>
-              <a:t>числа</a:t>
-            </a:r>
-            <a:r>
-              <a:rPr lang="en-GB" sz="3350" b="1" dirty="0">
-                <a:solidFill>
-                  <a:schemeClr val="bg1"/>
-                </a:solidFill>
-              </a:rPr>
-              <a:t> </a:t>
+              <a:t>цели числа </a:t>
             </a:r>
             <a:r>
               <a:rPr lang="en-GB" sz="3350" dirty="0"/>
@@ -9718,112 +9343,27 @@
               <a:t> – </a:t>
             </a:r>
             <a:r>
-              <a:rPr lang="en-GB" sz="3350" dirty="0" err="1">
-                <a:ea typeface="+mn-lt"/>
-                <a:cs typeface="+mn-lt"/>
-              </a:rPr>
-              <a:t>търси</a:t>
-            </a:r>
-            <a:r>
               <a:rPr lang="en-GB" sz="3350" dirty="0">
                 <a:ea typeface="+mn-lt"/>
                 <a:cs typeface="+mn-lt"/>
               </a:rPr>
-              <a:t> </a:t>
-            </a:r>
-            <a:r>
-              <a:rPr lang="en-GB" sz="3350" dirty="0" err="1">
-                <a:ea typeface="+mn-lt"/>
-                <a:cs typeface="+mn-lt"/>
-              </a:rPr>
-              <a:t>всички</a:t>
-            </a:r>
-            <a:r>
-              <a:rPr lang="en-GB" sz="3350" dirty="0">
-                <a:ea typeface="+mn-lt"/>
-                <a:cs typeface="+mn-lt"/>
-              </a:rPr>
-              <a:t> </a:t>
-            </a:r>
-            <a:r>
-              <a:rPr lang="en-GB" sz="3350" dirty="0" err="1"/>
-              <a:t>символи</a:t>
+              <a:t>търси всички </a:t>
             </a:r>
             <a:r>
               <a:rPr lang="en-GB" sz="3350" dirty="0"/>
-              <a:t>, </a:t>
-            </a:r>
-            <a:r>
-              <a:rPr lang="en-GB" sz="3350" dirty="0" err="1"/>
-              <a:t>които</a:t>
+              <a:t>символи, които </a:t>
+            </a:r>
+            <a:r>
+              <a:rPr lang="en-GB" sz="3350" b="1" dirty="0">
+                <a:solidFill>
+                  <a:schemeClr val="bg1"/>
+                </a:solidFill>
+              </a:rPr>
+              <a:t>не са числа </a:t>
             </a:r>
             <a:r>
               <a:rPr lang="en-GB" sz="3350" dirty="0"/>
-              <a:t> </a:t>
-            </a:r>
-            <a:r>
-              <a:rPr lang="en-GB" sz="3350" b="1" dirty="0" err="1">
-                <a:solidFill>
-                  <a:schemeClr val="bg1"/>
-                </a:solidFill>
-              </a:rPr>
-              <a:t>не</a:t>
-            </a:r>
-            <a:r>
-              <a:rPr lang="en-GB" sz="3350" b="1" dirty="0">
-                <a:solidFill>
-                  <a:schemeClr val="bg1"/>
-                </a:solidFill>
-              </a:rPr>
-              <a:t> </a:t>
-            </a:r>
-            <a:r>
-              <a:rPr lang="en-GB" sz="3350" b="1" dirty="0" err="1">
-                <a:solidFill>
-                  <a:schemeClr val="bg1"/>
-                </a:solidFill>
-              </a:rPr>
-              <a:t>са</a:t>
-            </a:r>
-            <a:r>
-              <a:rPr lang="en-GB" sz="3350" b="1" dirty="0">
-                <a:solidFill>
-                  <a:schemeClr val="bg1"/>
-                </a:solidFill>
-              </a:rPr>
-              <a:t> </a:t>
-            </a:r>
-            <a:r>
-              <a:rPr lang="en-GB" sz="3350" b="1" dirty="0" err="1">
-                <a:solidFill>
-                  <a:schemeClr val="bg1"/>
-                </a:solidFill>
-              </a:rPr>
-              <a:t>числа</a:t>
-            </a:r>
-            <a:r>
-              <a:rPr lang="en-GB" sz="3350" b="1" dirty="0">
-                <a:solidFill>
-                  <a:schemeClr val="bg1"/>
-                </a:solidFill>
-              </a:rPr>
-              <a:t> </a:t>
-            </a:r>
-            <a:r>
-              <a:rPr lang="en-GB" sz="3350" dirty="0"/>
-              <a:t>(</a:t>
-            </a:r>
-            <a:r>
-              <a:rPr lang="en-GB" sz="3350" dirty="0" err="1"/>
-              <a:t>обратното</a:t>
-            </a:r>
-            <a:r>
-              <a:rPr lang="en-GB" sz="3350" dirty="0"/>
-              <a:t> </a:t>
-            </a:r>
-            <a:r>
-              <a:rPr lang="en-GB" sz="3350" dirty="0" err="1"/>
-              <a:t>на</a:t>
+              <a:t>(обратното на</a:t>
             </a:r>
             <a:r>
               <a:rPr lang="en-GB" sz="3350" dirty="0">
@@ -9888,38 +9428,11 @@
           <a:lstStyle/>
           <a:p>
             <a:r>
-              <a:rPr lang="en-GB" sz="3950" dirty="0" err="1">
-                <a:cs typeface="Calibri"/>
-              </a:rPr>
-              <a:t>Предефинирани</a:t>
-            </a:r>
-            <a:r>
               <a:rPr lang="en-GB" sz="3950" dirty="0">
                 <a:cs typeface="Calibri"/>
               </a:rPr>
-              <a:t> </a:t>
-            </a:r>
-            <a:r>
-              <a:rPr lang="en-GB" sz="3950" dirty="0" err="1">
-                <a:cs typeface="Calibri"/>
-              </a:rPr>
-              <a:t>класове</a:t>
-            </a:r>
-            <a:r>
-              <a:rPr lang="en-GB" sz="3950" dirty="0">
-                <a:cs typeface="Calibri"/>
-              </a:rPr>
-              <a:t> - </a:t>
-            </a:r>
-            <a:r>
-              <a:rPr lang="en-GB" sz="3950" dirty="0" err="1">
-                <a:cs typeface="Calibri"/>
-              </a:rPr>
-              <a:t>примери</a:t>
-            </a:r>
-            <a:endParaRPr lang="en-GB" sz="3950" dirty="0">
-              <a:cs typeface="Calibri"/>
-            </a:endParaRPr>
+              <a:t>Предефинирани класове - примери</a:t>
+            </a:r>
           </a:p>
         </p:txBody>
       </p:sp>
@@ -9961,7 +9474,7 @@
               <a:pPr/>
               <a:t>10</a:t>
             </a:fld>
-            <a:endParaRPr lang="en-US" noProof="0"/>
+            <a:endParaRPr lang="en-US" noProof="0" dirty="0"/>
           </a:p>
         </p:txBody>
       </p:sp>
@@ -10329,6 +9842,94 @@
       </p:grpSpPr>
       <p:sp>
         <p:nvSpPr>
+          <p:cNvPr id="2" name="Подзаглавие 1">
+            <a:extLst>
+              <a:ext uri="{FF2B5EF4-FFF2-40B4-BE49-F238E27FC236}">
+                <a16:creationId xmlns:a16="http://schemas.microsoft.com/office/drawing/2014/main" id="{E77C71C9-07A9-48DE-9A7F-00808CD1071F}"/>
+              </a:ext>
+            </a:extLst>
+          </p:cNvPr>
+          <p:cNvSpPr>
+            <a:spLocks noGrp="1"/>
+          </p:cNvSpPr>
+          <p:nvPr>
+            <p:ph type="subTitle" sz="quarter" idx="11"/>
+          </p:nvPr>
+        </p:nvSpPr>
+        <p:spPr/>
+        <p:txBody>
+          <a:bodyPr/>
+          <a:lstStyle/>
+          <a:p>
+            <a:endParaRPr lang="bg-BG"/>
+          </a:p>
+        </p:txBody>
+      </p:sp>
+      <p:sp>
+        <p:nvSpPr>
+          <p:cNvPr id="3" name="Заглавие 2">
+            <a:extLst>
+              <a:ext uri="{FF2B5EF4-FFF2-40B4-BE49-F238E27FC236}">
+                <a16:creationId xmlns:a16="http://schemas.microsoft.com/office/drawing/2014/main" id="{4216ECAD-B2FF-4D62-819B-F186092252C3}"/>
+              </a:ext>
+            </a:extLst>
+          </p:cNvPr>
+          <p:cNvSpPr>
+            <a:spLocks noGrp="1"/>
+          </p:cNvSpPr>
+          <p:nvPr>
+            <p:ph type="title" sz="quarter" idx="10"/>
+          </p:nvPr>
+        </p:nvSpPr>
+        <p:spPr/>
+        <p:txBody>
+          <a:bodyPr/>
+          <a:lstStyle/>
+          <a:p>
+            <a:endParaRPr lang="bg-BG"/>
+          </a:p>
+        </p:txBody>
+      </p:sp>
+    </p:spTree>
+    <p:extLst>
+      <p:ext uri="{BB962C8B-B14F-4D97-AF65-F5344CB8AC3E}">
+        <p14:creationId xmlns:p14="http://schemas.microsoft.com/office/powerpoint/2010/main" val="1271836365"/>
+      </p:ext>
+    </p:extLst>
+  </p:cSld>
+  <p:clrMapOvr>
+    <a:masterClrMapping/>
+  </p:clrMapOvr>
+  <mc:AlternateContent xmlns:mc="http://schemas.openxmlformats.org/markup-compatibility/2006" xmlns:p14="http://schemas.microsoft.com/office/powerpoint/2010/main">
+    <mc:Choice Requires="p14">
+      <p:transition spd="slow" p14:dur="2000" advClick="0" advTm="5000"/>
+    </mc:Choice>
+    <mc:Fallback xmlns="">
+      <p:transition spd="slow" advClick="0" advTm="5000"/>
+    </mc:Fallback>
+  </mc:AlternateContent>
+</p:sld>
+</file>
+
+<file path=ppt/slides/slide12.xml><?xml version="1.0" encoding="utf-8"?>
+<p:sld xmlns:a="http://schemas.openxmlformats.org/drawingml/2006/main" xmlns:r="http://schemas.openxmlformats.org/officeDocument/2006/relationships" xmlns:p="http://schemas.openxmlformats.org/presentationml/2006/main">
+  <p:cSld>
+    <p:spTree>
+      <p:nvGrpSpPr>
+        <p:cNvPr id="1" name=""/>
+        <p:cNvGrpSpPr/>
+        <p:nvPr/>
+      </p:nvGrpSpPr>
+      <p:grpSpPr>
+        <a:xfrm>
+          <a:off x="0" y="0"/>
+          <a:ext cx="0" cy="0"/>
+          <a:chOff x="0" y="0"/>
+          <a:chExt cx="0" cy="0"/>
+        </a:xfrm>
+      </p:grpSpPr>
+      <p:sp>
+        <p:nvSpPr>
           <p:cNvPr id="4" name="Подзаглавие 3">
             <a:extLst>
               <a:ext uri="{FF2B5EF4-FFF2-40B4-BE49-F238E27FC236}">
@@ -10377,12 +9978,12 @@
           <a:lstStyle/>
           <a:p>
             <a:r>
-              <a:rPr lang="en-GB" sz="5350">
+              <a:rPr lang="en-GB" sz="5350" dirty="0">
                 <a:cs typeface="Arial"/>
               </a:rPr>
               <a:t>Quantifier-и</a:t>
             </a:r>
-            <a:endParaRPr lang="bg-BG"/>
+            <a:endParaRPr lang="bg-BG" dirty="0"/>
           </a:p>
         </p:txBody>
       </p:sp>
@@ -10582,7 +10183,7 @@
           </a:lstStyle>
           <a:p>
             <a:r>
-              <a:rPr lang="en-US" sz="6598">
+              <a:rPr lang="en-US" sz="6598" dirty="0">
                 <a:solidFill>
                   <a:schemeClr val="bg2"/>
                 </a:solidFill>
@@ -10614,7 +10215,7 @@
 </p:sld>
 </file>
 
-<file path=ppt/slides/slide12.xml><?xml version="1.0" encoding="utf-8"?>
+<file path=ppt/slides/slide13.xml><?xml version="1.0" encoding="utf-8"?>
 <p:sld xmlns:a="http://schemas.openxmlformats.org/drawingml/2006/main" xmlns:r="http://schemas.openxmlformats.org/officeDocument/2006/relationships" xmlns:p="http://schemas.openxmlformats.org/presentationml/2006/main">
   <p:cSld>
     <p:spTree>
@@ -10655,9 +10256,9 @@
             <a:fld id="{2BF067CD-8E6B-4360-9AA8-C5DF2A48A6D1}" type="slidenum">
               <a:rPr lang="en-US" noProof="0" smtClean="0"/>
               <a:pPr/>
-              <a:t>12</a:t>
+              <a:t>13</a:t>
             </a:fld>
-            <a:endParaRPr lang="en-US" noProof="0"/>
+            <a:endParaRPr lang="en-US" noProof="0" dirty="0"/>
           </a:p>
         </p:txBody>
       </p:sp>
@@ -10686,18 +10287,11 @@
           <a:p>
             <a:pPr marL="360045" indent="-360045"/>
             <a:r>
-              <a:rPr lang="bg-BG" sz="3350" dirty="0" err="1">
-                <a:ea typeface="+mn-lt"/>
-                <a:cs typeface="+mn-lt"/>
-              </a:rPr>
-              <a:t>Quantifier</a:t>
-            </a:r>
-            <a:r>
               <a:rPr lang="bg-BG" sz="3350" dirty="0">
                 <a:ea typeface="+mn-lt"/>
                 <a:cs typeface="+mn-lt"/>
               </a:rPr>
-              <a:t> </a:t>
+              <a:t>Quantifier </a:t>
             </a:r>
           </a:p>
           <a:p>
@@ -11189,7 +10783,7 @@
 </p:sld>
 </file>
 
-<file path=ppt/slides/slide13.xml><?xml version="1.0" encoding="utf-8"?>
+<file path=ppt/slides/slide14.xml><?xml version="1.0" encoding="utf-8"?>
 <p:sld xmlns:a="http://schemas.openxmlformats.org/drawingml/2006/main" xmlns:r="http://schemas.openxmlformats.org/officeDocument/2006/relationships" xmlns:p="http://schemas.openxmlformats.org/presentationml/2006/main">
   <p:cSld>
     <p:spTree>
@@ -11812,7 +11406,7 @@
           <a:lstStyle/>
           <a:p>
             <a:pPr algn="ctr"/>
-            <a:endParaRPr lang="en-US" sz="2799" b="1">
+            <a:endParaRPr lang="en-US" sz="2799" b="1" dirty="0">
               <a:solidFill>
                 <a:srgbClr val="FFFFFF"/>
               </a:solidFill>
@@ -12057,7 +11651,7 @@
           <a:lstStyle/>
           <a:p>
             <a:pPr algn="ctr"/>
-            <a:endParaRPr lang="en-US" sz="2799" b="1">
+            <a:endParaRPr lang="en-US" sz="2799" b="1" dirty="0">
               <a:solidFill>
                 <a:srgbClr val="FFFFFF"/>
               </a:solidFill>
@@ -12302,7 +11896,7 @@
           <a:lstStyle/>
           <a:p>
             <a:pPr algn="ctr"/>
-            <a:endParaRPr lang="en-US" sz="2799" b="1">
+            <a:endParaRPr lang="en-US" sz="2799" b="1" dirty="0">
               <a:solidFill>
                 <a:srgbClr val="FFFFFF"/>
               </a:solidFill>
@@ -12547,7 +12141,7 @@
           <a:lstStyle/>
           <a:p>
             <a:pPr algn="ctr"/>
-            <a:endParaRPr lang="en-US" sz="2799" b="1">
+            <a:endParaRPr lang="en-US" sz="2799" b="1" dirty="0">
               <a:solidFill>
                 <a:srgbClr val="FFFFFF"/>
               </a:solidFill>
@@ -12598,9 +12192,9 @@
             <a:fld id="{2BF067CD-8E6B-4360-9AA8-C5DF2A48A6D1}" type="slidenum">
               <a:rPr lang="en-US" noProof="0" smtClean="0"/>
               <a:pPr/>
-              <a:t>13</a:t>
+              <a:t>14</a:t>
             </a:fld>
-            <a:endParaRPr lang="en-US" noProof="0"/>
+            <a:endParaRPr lang="en-US" noProof="0" dirty="0"/>
           </a:p>
         </p:txBody>
       </p:sp>
@@ -13056,7 +12650,7 @@
 </p:sld>
 </file>
 
-<file path=ppt/slides/slide14.xml><?xml version="1.0" encoding="utf-8"?>
+<file path=ppt/slides/slide15.xml><?xml version="1.0" encoding="utf-8"?>
 <p:sld xmlns:a="http://schemas.openxmlformats.org/drawingml/2006/main" xmlns:r="http://schemas.openxmlformats.org/officeDocument/2006/relationships" xmlns:p="http://schemas.openxmlformats.org/presentationml/2006/main">
   <p:cSld>
     <p:spTree>
@@ -13097,9 +12691,9 @@
             <a:fld id="{2BF067CD-8E6B-4360-9AA8-C5DF2A48A6D1}" type="slidenum">
               <a:rPr lang="en-US" noProof="0" smtClean="0"/>
               <a:pPr/>
-              <a:t>14</a:t>
+              <a:t>15</a:t>
             </a:fld>
-            <a:endParaRPr lang="en-US" noProof="0"/>
+            <a:endParaRPr lang="en-US" noProof="0" dirty="0"/>
           </a:p>
         </p:txBody>
       </p:sp>
@@ -13288,18 +12882,11 @@
           <a:lstStyle/>
           <a:p>
             <a:r>
-              <a:rPr lang="en-US" sz="3950" dirty="0" err="1">
-                <a:ea typeface="+mj-lt"/>
-                <a:cs typeface="+mj-lt"/>
-              </a:rPr>
-              <a:t>Какво</a:t>
-            </a:r>
-            <a:r>
               <a:rPr lang="en-US" sz="3950" dirty="0">
                 <a:ea typeface="+mj-lt"/>
                 <a:cs typeface="+mj-lt"/>
               </a:rPr>
-              <a:t> </a:t>
+              <a:t>Какво </a:t>
             </a:r>
             <a:r>
               <a:rPr lang="bg-BG" sz="3950" dirty="0">
@@ -13313,35 +12900,7 @@
                 <a:ea typeface="+mj-lt"/>
                 <a:cs typeface="+mj-lt"/>
               </a:rPr>
-              <a:t> </a:t>
-            </a:r>
-            <a:r>
-              <a:rPr lang="en-US" sz="3950" dirty="0" err="1">
-                <a:ea typeface="+mj-lt"/>
-                <a:cs typeface="+mj-lt"/>
-              </a:rPr>
-              <a:t>групиращи</a:t>
-            </a:r>
-            <a:r>
-              <a:rPr lang="en-US" sz="3950" dirty="0">
-                <a:ea typeface="+mj-lt"/>
-                <a:cs typeface="+mj-lt"/>
-              </a:rPr>
-              <a:t> </a:t>
-            </a:r>
-            <a:r>
-              <a:rPr lang="en-US" sz="3950" dirty="0" err="1">
-                <a:ea typeface="+mj-lt"/>
-                <a:cs typeface="+mj-lt"/>
-              </a:rPr>
-              <a:t>класове</a:t>
-            </a:r>
-            <a:r>
-              <a:rPr lang="en-US" sz="3950" dirty="0">
-                <a:ea typeface="+mj-lt"/>
-                <a:cs typeface="+mj-lt"/>
-              </a:rPr>
-              <a:t>?</a:t>
+              <a:t> групиращи класове?</a:t>
             </a:r>
             <a:endParaRPr lang="bg-BG" sz="3950" b="0" dirty="0">
               <a:ea typeface="+mj-lt"/>
@@ -14101,7 +13660,7 @@
 </p:sld>
 </file>
 
-<file path=ppt/slides/slide15.xml><?xml version="1.0" encoding="utf-8"?>
+<file path=ppt/slides/slide16.xml><?xml version="1.0" encoding="utf-8"?>
 <p:sld xmlns:a="http://schemas.openxmlformats.org/drawingml/2006/main" xmlns:r="http://schemas.openxmlformats.org/officeDocument/2006/relationships" xmlns:p="http://schemas.openxmlformats.org/presentationml/2006/main">
   <p:cSld>
     <p:spTree>
@@ -14327,10 +13886,10 @@
           <a:lstStyle/>
           <a:p>
             <a:r>
-              <a:rPr lang="en-US" sz="3950"/>
+              <a:rPr lang="en-US" sz="3950" dirty="0"/>
               <a:t>Групиращи класове</a:t>
             </a:r>
-            <a:endParaRPr lang="en-US" sz="3950">
+            <a:endParaRPr lang="en-US" sz="3950" dirty="0">
               <a:cs typeface="Calibri"/>
             </a:endParaRPr>
           </a:p>
@@ -14913,7 +14472,7 @@
           <a:lstStyle/>
           <a:p>
             <a:pPr algn="ctr"/>
-            <a:endParaRPr lang="en-US" sz="2799" b="1">
+            <a:endParaRPr lang="en-US" sz="2799" b="1" dirty="0">
               <a:solidFill>
                 <a:srgbClr val="FFFFFF"/>
               </a:solidFill>
@@ -14989,7 +14548,7 @@
           <a:lstStyle/>
           <a:p>
             <a:pPr algn="ctr"/>
-            <a:endParaRPr lang="en-US" sz="2799" b="1">
+            <a:endParaRPr lang="en-US" sz="2799" b="1" dirty="0">
               <a:solidFill>
                 <a:srgbClr val="FFFFFF"/>
               </a:solidFill>
@@ -15065,7 +14624,7 @@
           <a:lstStyle/>
           <a:p>
             <a:pPr algn="ctr"/>
-            <a:endParaRPr lang="en-US" sz="2799" b="1">
+            <a:endParaRPr lang="en-US" sz="2799" b="1" dirty="0">
               <a:solidFill>
                 <a:srgbClr val="FFFFFF"/>
               </a:solidFill>
@@ -15116,9 +14675,9 @@
             <a:fld id="{2BF067CD-8E6B-4360-9AA8-C5DF2A48A6D1}" type="slidenum">
               <a:rPr lang="en-US" noProof="0" smtClean="0"/>
               <a:pPr/>
-              <a:t>15</a:t>
+              <a:t>16</a:t>
             </a:fld>
-            <a:endParaRPr lang="en-US" noProof="0"/>
+            <a:endParaRPr lang="en-US" noProof="0" dirty="0"/>
           </a:p>
         </p:txBody>
       </p:sp>
@@ -15441,7 +15000,7 @@
 </p:sld>
 </file>
 
-<file path=ppt/slides/slide16.xml><?xml version="1.0" encoding="utf-8"?>
+<file path=ppt/slides/slide17.xml><?xml version="1.0" encoding="utf-8"?>
 <p:sld xmlns:a="http://schemas.openxmlformats.org/drawingml/2006/main" xmlns:r="http://schemas.openxmlformats.org/officeDocument/2006/relationships" xmlns:p="http://schemas.openxmlformats.org/presentationml/2006/main">
   <p:cSld>
     <p:spTree>
@@ -15647,52 +15206,10 @@
           <a:p>
             <a:pPr marL="571500" indent="-571500"/>
             <a:r>
-              <a:rPr lang="en-US" sz="3600" dirty="0" err="1">
-                <a:cs typeface="Calibri"/>
-              </a:rPr>
-              <a:t>Напишете</a:t>
-            </a:r>
-            <a:r>
               <a:rPr lang="en-US" sz="3600" dirty="0">
                 <a:cs typeface="Calibri"/>
               </a:rPr>
-              <a:t> </a:t>
-            </a:r>
-            <a:r>
-              <a:rPr lang="en-US" sz="3600" dirty="0" err="1">
-                <a:cs typeface="Calibri"/>
-              </a:rPr>
-              <a:t>регулярен</a:t>
-            </a:r>
-            <a:r>
-              <a:rPr lang="en-US" sz="3600" dirty="0">
-                <a:cs typeface="Calibri"/>
-              </a:rPr>
-              <a:t> </a:t>
-            </a:r>
-            <a:r>
-              <a:rPr lang="en-US" sz="3600" dirty="0" err="1">
-                <a:cs typeface="Calibri"/>
-              </a:rPr>
-              <a:t>израз</a:t>
-            </a:r>
-            <a:r>
-              <a:rPr lang="en-US" sz="3600" dirty="0">
-                <a:cs typeface="Calibri"/>
-              </a:rPr>
-              <a:t> </a:t>
-            </a:r>
-            <a:r>
-              <a:rPr lang="en-US" sz="3600" dirty="0" err="1">
-                <a:cs typeface="Calibri"/>
-              </a:rPr>
-              <a:t>в</a:t>
-            </a:r>
-            <a:r>
-              <a:rPr lang="en-US" sz="3600" dirty="0">
-                <a:cs typeface="Calibri"/>
-              </a:rPr>
-              <a:t> </a:t>
+              <a:t>Напишете регулярен израз в </a:t>
             </a:r>
             <a:r>
               <a:rPr lang="en-US" sz="3600" dirty="0">
@@ -15729,7 +15246,7 @@
               <a:t> </a:t>
             </a:r>
             <a:r>
-              <a:rPr lang="en-US" sz="3600" dirty="0" err="1">
+              <a:rPr lang="en-US" sz="3600" dirty="0">
                 <a:ea typeface="+mn-lt"/>
                 <a:cs typeface="+mn-lt"/>
               </a:rPr>
@@ -15742,116 +15259,11 @@
               </a:rPr>
             </a:br>
             <a:r>
-              <a:rPr lang="en-US" sz="3600" dirty="0" err="1">
-                <a:ea typeface="+mn-lt"/>
-                <a:cs typeface="+mn-lt"/>
-              </a:rPr>
-              <a:t>търси</a:t>
-            </a:r>
-            <a:r>
               <a:rPr lang="en-US" sz="3600" dirty="0">
                 <a:ea typeface="+mn-lt"/>
                 <a:cs typeface="+mn-lt"/>
               </a:rPr>
-              <a:t> </a:t>
-            </a:r>
-            <a:r>
-              <a:rPr lang="en-US" sz="3600" dirty="0" err="1">
-                <a:ea typeface="+mn-lt"/>
-                <a:cs typeface="+mn-lt"/>
-              </a:rPr>
-              <a:t>всички</a:t>
-            </a:r>
-            <a:r>
-              <a:rPr lang="en-US" sz="3600" dirty="0">
-                <a:ea typeface="+mn-lt"/>
-                <a:cs typeface="+mn-lt"/>
-              </a:rPr>
-              <a:t> </a:t>
-            </a:r>
-            <a:r>
-              <a:rPr lang="en-US" sz="3600" dirty="0" err="1">
-                <a:ea typeface="+mn-lt"/>
-                <a:cs typeface="+mn-lt"/>
-              </a:rPr>
-              <a:t>редици</a:t>
-            </a:r>
-            <a:r>
-              <a:rPr lang="en-US" sz="3600" dirty="0">
-                <a:ea typeface="+mn-lt"/>
-                <a:cs typeface="+mn-lt"/>
-              </a:rPr>
-              <a:t> </a:t>
-            </a:r>
-            <a:r>
-              <a:rPr lang="en-US" sz="3600" dirty="0" err="1">
-                <a:ea typeface="+mn-lt"/>
-                <a:cs typeface="+mn-lt"/>
-              </a:rPr>
-              <a:t>от</a:t>
-            </a:r>
-            <a:r>
-              <a:rPr lang="en-US" sz="3600" dirty="0">
-                <a:ea typeface="+mn-lt"/>
-                <a:cs typeface="+mn-lt"/>
-              </a:rPr>
-              <a:t> </a:t>
-            </a:r>
-            <a:r>
-              <a:rPr lang="en-US" sz="3600" dirty="0" err="1">
-                <a:ea typeface="+mn-lt"/>
-                <a:cs typeface="+mn-lt"/>
-              </a:rPr>
-              <a:t>букви</a:t>
-            </a:r>
-            <a:r>
-              <a:rPr lang="en-US" sz="3600" dirty="0">
-                <a:ea typeface="+mn-lt"/>
-                <a:cs typeface="+mn-lt"/>
-              </a:rPr>
-              <a:t> </a:t>
-            </a:r>
-            <a:r>
-              <a:rPr lang="en-US" sz="3600" dirty="0" err="1">
-                <a:ea typeface="+mn-lt"/>
-                <a:cs typeface="+mn-lt"/>
-              </a:rPr>
-              <a:t>в</a:t>
-            </a:r>
-            <a:r>
-              <a:rPr lang="en-US" sz="3600" dirty="0">
-                <a:ea typeface="+mn-lt"/>
-                <a:cs typeface="+mn-lt"/>
-              </a:rPr>
-              <a:t> </a:t>
-            </a:r>
-            <a:r>
-              <a:rPr lang="en-US" sz="3600" dirty="0" err="1">
-                <a:ea typeface="+mn-lt"/>
-                <a:cs typeface="+mn-lt"/>
-              </a:rPr>
-              <a:t>даден</a:t>
-            </a:r>
-            <a:r>
-              <a:rPr lang="en-US" sz="3600" dirty="0">
-                <a:ea typeface="+mn-lt"/>
-                <a:cs typeface="+mn-lt"/>
-              </a:rPr>
-              <a:t> </a:t>
-            </a:r>
-            <a:r>
-              <a:rPr lang="en-US" sz="3600" dirty="0" err="1">
-                <a:ea typeface="+mn-lt"/>
-                <a:cs typeface="+mn-lt"/>
-              </a:rPr>
-              <a:t>текст</a:t>
-            </a:r>
-            <a:r>
-              <a:rPr lang="en-US" sz="3600" dirty="0">
-                <a:ea typeface="+mn-lt"/>
-                <a:cs typeface="+mn-lt"/>
-              </a:rPr>
-              <a:t> </a:t>
+              <a:t>търси всички редици от букви в даден текст </a:t>
             </a:r>
             <a:endParaRPr lang="en-US" sz="3600" dirty="0">
               <a:solidFill>
@@ -15878,10 +15290,10 @@
           <a:lstStyle/>
           <a:p>
             <a:r>
-              <a:rPr lang="en-US" sz="3950"/>
+              <a:rPr lang="en-US" sz="3950" dirty="0"/>
               <a:t>Задача: Търсене на думи</a:t>
             </a:r>
-            <a:endParaRPr lang="en-US" sz="3950">
+            <a:endParaRPr lang="en-US" sz="3950" dirty="0">
               <a:cs typeface="Calibri"/>
             </a:endParaRPr>
           </a:p>
@@ -16066,7 +15478,7 @@
           <a:lstStyle/>
           <a:p>
             <a:pPr algn="ctr"/>
-            <a:endParaRPr lang="bg-BG" sz="2799" b="1">
+            <a:endParaRPr lang="bg-BG" sz="2799" b="1" dirty="0">
               <a:solidFill>
                 <a:srgbClr val="FFFFFF"/>
               </a:solidFill>
@@ -16117,9 +15529,9 @@
             <a:fld id="{2BF067CD-8E6B-4360-9AA8-C5DF2A48A6D1}" type="slidenum">
               <a:rPr lang="en-US" noProof="0" smtClean="0"/>
               <a:pPr/>
-              <a:t>16</a:t>
+              <a:t>17</a:t>
             </a:fld>
-            <a:endParaRPr lang="en-US" noProof="0"/>
+            <a:endParaRPr lang="en-US" noProof="0" dirty="0"/>
           </a:p>
         </p:txBody>
       </p:sp>
@@ -16288,121 +15700,13 @@
               <a:t>\w+ </a:t>
             </a:r>
             <a:r>
-              <a:rPr lang="en-US" sz="3150" b="1" dirty="0" err="1">
+              <a:rPr lang="en-US" sz="3150" b="1" dirty="0">
                 <a:solidFill>
                   <a:schemeClr val="bg2"/>
                 </a:solidFill>
                 <a:cs typeface="Calibri"/>
               </a:rPr>
-              <a:t>търси</a:t>
-            </a:r>
-            <a:r>
-              <a:rPr lang="en-US" sz="3150" b="1" dirty="0">
-                <a:solidFill>
-                  <a:schemeClr val="bg2"/>
-                </a:solidFill>
-                <a:cs typeface="Calibri"/>
-              </a:rPr>
-              <a:t> </a:t>
-            </a:r>
-            <a:r>
-              <a:rPr lang="en-US" sz="3150" b="1" dirty="0" err="1">
-                <a:solidFill>
-                  <a:schemeClr val="bg2"/>
-                </a:solidFill>
-                <a:cs typeface="Calibri"/>
-              </a:rPr>
-              <a:t>всички</a:t>
-            </a:r>
-            <a:r>
-              <a:rPr lang="en-US" sz="3150" b="1" dirty="0">
-                <a:solidFill>
-                  <a:schemeClr val="bg2"/>
-                </a:solidFill>
-                <a:cs typeface="Calibri"/>
-              </a:rPr>
-              <a:t> </a:t>
-            </a:r>
-            <a:r>
-              <a:rPr lang="en-US" sz="3150" b="1" dirty="0" err="1">
-                <a:solidFill>
-                  <a:schemeClr val="bg2"/>
-                </a:solidFill>
-                <a:cs typeface="Calibri"/>
-              </a:rPr>
-              <a:t>букви</a:t>
-            </a:r>
-            <a:r>
-              <a:rPr lang="en-US" sz="3150" b="1" dirty="0">
-                <a:solidFill>
-                  <a:schemeClr val="bg2"/>
-                </a:solidFill>
-                <a:cs typeface="Calibri"/>
-              </a:rPr>
-              <a:t> </a:t>
-            </a:r>
-            <a:r>
-              <a:rPr lang="en-US" sz="3150" b="1" dirty="0" err="1">
-                <a:solidFill>
-                  <a:schemeClr val="bg2"/>
-                </a:solidFill>
-                <a:cs typeface="Calibri"/>
-              </a:rPr>
-              <a:t>един</a:t>
-            </a:r>
-            <a:r>
-              <a:rPr lang="en-US" sz="3150" b="1" dirty="0">
-                <a:solidFill>
-                  <a:schemeClr val="bg2"/>
-                </a:solidFill>
-                <a:cs typeface="Calibri"/>
-              </a:rPr>
-              <a:t> </a:t>
-            </a:r>
-            <a:r>
-              <a:rPr lang="en-US" sz="3150" b="1" dirty="0" err="1">
-                <a:solidFill>
-                  <a:schemeClr val="bg2"/>
-                </a:solidFill>
-                <a:cs typeface="Calibri"/>
-              </a:rPr>
-              <a:t>или</a:t>
-            </a:r>
-            <a:r>
-              <a:rPr lang="en-US" sz="3150" b="1" dirty="0">
-                <a:solidFill>
-                  <a:schemeClr val="bg2"/>
-                </a:solidFill>
-                <a:cs typeface="Calibri"/>
-              </a:rPr>
-              <a:t> </a:t>
-            </a:r>
-            <a:r>
-              <a:rPr lang="en-US" sz="3150" b="1" dirty="0" err="1">
-                <a:solidFill>
-                  <a:schemeClr val="bg2"/>
-                </a:solidFill>
-                <a:cs typeface="Calibri"/>
-              </a:rPr>
-              <a:t>повече</a:t>
-            </a:r>
-            <a:r>
-              <a:rPr lang="en-US" sz="3150" b="1" dirty="0">
-                <a:solidFill>
-                  <a:schemeClr val="bg2"/>
-                </a:solidFill>
-                <a:cs typeface="Calibri"/>
-              </a:rPr>
-              <a:t> </a:t>
-            </a:r>
-            <a:r>
-              <a:rPr lang="en-US" sz="3150" b="1" dirty="0" err="1">
-                <a:solidFill>
-                  <a:schemeClr val="bg2"/>
-                </a:solidFill>
-                <a:cs typeface="Calibri"/>
-              </a:rPr>
-              <a:t>пъти</a:t>
+              <a:t>търси всички букви един или повече пъти</a:t>
             </a:r>
             <a:endParaRPr lang="bg-BG" dirty="0">
               <a:solidFill>
@@ -16659,7 +15963,7 @@
 </p:sld>
 </file>
 
-<file path=ppt/slides/slide17.xml><?xml version="1.0" encoding="utf-8"?>
+<file path=ppt/slides/slide18.xml><?xml version="1.0" encoding="utf-8"?>
 <p:sld xmlns:a="http://schemas.openxmlformats.org/drawingml/2006/main" xmlns:r="http://schemas.openxmlformats.org/officeDocument/2006/relationships" xmlns:p="http://schemas.openxmlformats.org/presentationml/2006/main">
   <p:cSld>
     <p:spTree>
@@ -16700,11 +16004,11 @@
           <a:p>
             <a:pPr marL="360045" indent="-360045"/>
             <a:r>
-              <a:rPr lang="en-US" sz="3600"/>
+              <a:rPr lang="en-US" sz="3600" dirty="0"/>
               <a:t>Напишете регулярен израз, който търси всички </a:t>
             </a:r>
             <a:r>
-              <a:rPr lang="en-US" sz="3600" b="1">
+              <a:rPr lang="en-US" sz="3600" b="1" dirty="0">
                 <a:solidFill>
                   <a:schemeClr val="bg1"/>
                 </a:solidFill>
@@ -16712,15 +16016,15 @@
               <a:t>дати</a:t>
             </a:r>
             <a:r>
-              <a:rPr lang="en-US" sz="3600"/>
+              <a:rPr lang="en-US" sz="3600" dirty="0"/>
               <a:t> от текст</a:t>
             </a:r>
-            <a:endParaRPr lang="bg-BG"/>
+            <a:endParaRPr lang="bg-BG" dirty="0"/>
           </a:p>
           <a:p>
             <a:pPr lvl="1" indent="-360045"/>
             <a:r>
-              <a:rPr lang="en-US" sz="3400"/>
+              <a:rPr lang="en-US" sz="3400" dirty="0"/>
               <a:t>Валиден форамат: </a:t>
             </a:r>
             <a:r>
@@ -16736,11 +16040,11 @@
           <a:p>
             <a:pPr lvl="1" indent="-360045"/>
             <a:r>
-              <a:rPr lang="en-US" sz="3400"/>
+              <a:rPr lang="en-US" sz="3400" dirty="0"/>
               <a:t>Примери: </a:t>
             </a:r>
             <a:r>
-              <a:rPr lang="en-US" sz="3400" b="1">
+              <a:rPr lang="en-US" sz="3400" b="1" dirty="0">
                 <a:solidFill>
                   <a:schemeClr val="bg1"/>
                 </a:solidFill>
@@ -16748,11 +16052,11 @@
               <a:t>12-Jun-1999</a:t>
             </a:r>
             <a:r>
-              <a:rPr lang="en-US" sz="3400"/>
+              <a:rPr lang="en-US" sz="3400" dirty="0"/>
               <a:t>,</a:t>
             </a:r>
             <a:r>
-              <a:rPr lang="en-US" sz="3400">
+              <a:rPr lang="en-US" sz="3400" dirty="0">
                 <a:solidFill>
                   <a:schemeClr val="tx2">
                     <a:lumMod val="75000"/>
@@ -16762,14 +16066,14 @@
               <a:t> </a:t>
             </a:r>
             <a:r>
-              <a:rPr lang="en-US" sz="3400" b="1">
+              <a:rPr lang="en-US" sz="3400" b="1" dirty="0">
                 <a:solidFill>
                   <a:schemeClr val="bg1"/>
                 </a:solidFill>
               </a:rPr>
               <a:t>3-Nov-1999</a:t>
             </a:r>
-            <a:endParaRPr lang="en-US" sz="3400" b="1">
+            <a:endParaRPr lang="en-US" sz="3400" b="1" dirty="0">
               <a:solidFill>
                 <a:schemeClr val="bg1"/>
               </a:solidFill>
@@ -16794,12 +16098,8 @@
           <a:lstStyle/>
           <a:p>
             <a:r>
-              <a:rPr lang="en-US" sz="3950" dirty="0" err="1"/>
-              <a:t>Задача</a:t>
-            </a:r>
-            <a:r>
               <a:rPr lang="en-US" sz="3950" dirty="0"/>
-              <a:t>: </a:t>
+              <a:t>Задача: </a:t>
             </a:r>
             <a:r>
               <a:rPr lang="bg-BG" sz="3950" dirty="0"/>
@@ -17124,9 +16424,9 @@
             <a:fld id="{2BF067CD-8E6B-4360-9AA8-C5DF2A48A6D1}" type="slidenum">
               <a:rPr lang="en-US" noProof="0" smtClean="0"/>
               <a:pPr/>
-              <a:t>17</a:t>
+              <a:t>18</a:t>
             </a:fld>
-            <a:endParaRPr lang="en-US" noProof="0"/>
+            <a:endParaRPr lang="en-US" noProof="0" dirty="0"/>
           </a:p>
         </p:txBody>
       </p:sp>
@@ -17327,7 +16627,7 @@
 </p:sld>
 </file>
 
-<file path=ppt/slides/slide18.xml><?xml version="1.0" encoding="utf-8"?>
+<file path=ppt/slides/slide19.xml><?xml version="1.0" encoding="utf-8"?>
 <p:sld xmlns:a="http://schemas.openxmlformats.org/drawingml/2006/main" xmlns:r="http://schemas.openxmlformats.org/officeDocument/2006/relationships" xmlns:p="http://schemas.openxmlformats.org/presentationml/2006/main">
   <p:cSld>
     <p:spTree>
@@ -17366,19 +16666,15 @@
           <a:lstStyle/>
           <a:p>
             <a:r>
-              <a:rPr lang="en-US" sz="3950" dirty="0" err="1"/>
-              <a:t>Решение</a:t>
-            </a:r>
-            <a:r>
               <a:rPr lang="en-US" sz="3950" dirty="0"/>
-              <a:t>: </a:t>
-            </a:r>
-            <a:r>
-              <a:rPr lang="bg-BG" sz="3950" dirty="0" err="1"/>
+              <a:t>Решение: </a:t>
+            </a:r>
+            <a:r>
+              <a:rPr lang="bg-BG" sz="3950" dirty="0"/>
               <a:t>Д</a:t>
             </a:r>
             <a:r>
-              <a:rPr lang="en-US" sz="3950" dirty="0" err="1">
+              <a:rPr lang="en-US" sz="3950" dirty="0">
                 <a:ea typeface="+mj-lt"/>
                 <a:cs typeface="+mj-lt"/>
               </a:rPr>
@@ -17604,14 +16900,14 @@
               <a:t>[A-Z] </a:t>
             </a:r>
             <a:r>
-              <a:rPr lang="en-US" sz="3150" b="1">
+              <a:rPr lang="en-US" sz="3150" b="1" dirty="0">
                 <a:solidFill>
                   <a:schemeClr val="bg2"/>
                 </a:solidFill>
               </a:rPr>
               <a:t>търси всички главни букви</a:t>
             </a:r>
-            <a:endParaRPr lang="bg-BG" sz="3199" b="1">
+            <a:endParaRPr lang="bg-BG" sz="3199" b="1" dirty="0">
               <a:solidFill>
                 <a:schemeClr val="bg2"/>
               </a:solidFill>
@@ -17706,14 +17002,14 @@
               <a:t> </a:t>
             </a:r>
             <a:r>
-              <a:rPr lang="en-US" sz="3150" b="1">
+              <a:rPr lang="en-US" sz="3150" b="1" dirty="0">
                 <a:solidFill>
                   <a:schemeClr val="bg2"/>
                 </a:solidFill>
               </a:rPr>
               <a:t>търси числа</a:t>
             </a:r>
-            <a:endParaRPr lang="bg-BG" sz="3199" b="1">
+            <a:endParaRPr lang="bg-BG" sz="3199" b="1" dirty="0">
               <a:solidFill>
                 <a:schemeClr val="bg2"/>
               </a:solidFill>
@@ -17808,110 +17104,14 @@
               <a:t> </a:t>
             </a:r>
             <a:r>
-              <a:rPr lang="en-US" sz="3150" b="1" dirty="0" err="1">
+              <a:rPr lang="en-US" sz="3150" b="1" dirty="0">
                 <a:solidFill>
                   <a:schemeClr val="bg2"/>
                 </a:solidFill>
                 <a:cs typeface="Calibri"/>
               </a:rPr>
-              <a:t>търси</a:t>
-            </a:r>
-            <a:r>
-              <a:rPr lang="en-US" sz="3150" b="1" dirty="0">
-                <a:solidFill>
-                  <a:schemeClr val="bg2"/>
-                </a:solidFill>
-                <a:cs typeface="Calibri"/>
-              </a:rPr>
-              <a:t> </a:t>
-            </a:r>
-            <a:r>
-              <a:rPr lang="en-US" sz="3150" b="1" dirty="0" err="1">
-                <a:solidFill>
-                  <a:schemeClr val="bg2"/>
-                </a:solidFill>
-                <a:cs typeface="Calibri"/>
-              </a:rPr>
-              <a:t>цифра</a:t>
-            </a:r>
-            <a:r>
-              <a:rPr lang="en-US" sz="3150" b="1" dirty="0">
-                <a:solidFill>
-                  <a:schemeClr val="bg2"/>
-                </a:solidFill>
-                <a:cs typeface="Calibri"/>
-              </a:rPr>
-              <a:t> </a:t>
-            </a:r>
-            <a:r>
-              <a:rPr lang="en-US" sz="3150" b="1" dirty="0" err="1">
-                <a:solidFill>
-                  <a:schemeClr val="bg2"/>
-                </a:solidFill>
-                <a:cs typeface="Calibri"/>
-              </a:rPr>
-              <a:t>един</a:t>
-            </a:r>
-            <a:r>
-              <a:rPr lang="en-US" sz="3150" b="1" dirty="0">
-                <a:solidFill>
-                  <a:schemeClr val="bg2"/>
-                </a:solidFill>
-                <a:cs typeface="Calibri"/>
-              </a:rPr>
-              <a:t> </a:t>
-            </a:r>
-            <a:r>
-              <a:rPr lang="en-US" sz="3150" b="1" dirty="0" err="1">
-                <a:solidFill>
-                  <a:schemeClr val="bg2"/>
-                </a:solidFill>
-                <a:cs typeface="Calibri"/>
-              </a:rPr>
-              <a:t>или</a:t>
-            </a:r>
-            <a:r>
-              <a:rPr lang="en-US" sz="3150" b="1" dirty="0">
-                <a:solidFill>
-                  <a:schemeClr val="bg2"/>
-                </a:solidFill>
-                <a:cs typeface="Calibri"/>
-              </a:rPr>
-              <a:t> </a:t>
-            </a:r>
-            <a:r>
-              <a:rPr lang="en-US" sz="3150" b="1" dirty="0" err="1">
-                <a:solidFill>
-                  <a:schemeClr val="bg2"/>
-                </a:solidFill>
-                <a:cs typeface="Calibri"/>
-              </a:rPr>
-              <a:t>повече</a:t>
-            </a:r>
-            <a:r>
-              <a:rPr lang="en-US" sz="3150" b="1" dirty="0">
-                <a:solidFill>
-                  <a:schemeClr val="bg2"/>
-                </a:solidFill>
-                <a:cs typeface="Calibri"/>
-              </a:rPr>
-              <a:t> </a:t>
-            </a:r>
-            <a:r>
-              <a:rPr lang="en-US" sz="3150" b="1" dirty="0" err="1">
-                <a:solidFill>
-                  <a:schemeClr val="bg2"/>
-                </a:solidFill>
-                <a:cs typeface="Calibri"/>
-              </a:rPr>
-              <a:t>пъти</a:t>
-            </a:r>
-            <a:endParaRPr lang="en-US" sz="3150" b="1" dirty="0">
-              <a:solidFill>
-                <a:schemeClr val="bg2"/>
-              </a:solidFill>
-              <a:cs typeface="Calibri"/>
-            </a:endParaRPr>
+              <a:t>търси цифра един или повече пъти</a:t>
+            </a:r>
           </a:p>
         </p:txBody>
       </p:sp>
@@ -18389,14 +17589,14 @@
               <a:t>[a-z]{2} </a:t>
             </a:r>
             <a:r>
-              <a:rPr lang="en-US" sz="3150" b="1">
+              <a:rPr lang="en-US" sz="3150" b="1" dirty="0">
                 <a:solidFill>
                   <a:schemeClr val="bg2"/>
                 </a:solidFill>
               </a:rPr>
               <a:t>търси точно две малки букви</a:t>
             </a:r>
-            <a:endParaRPr lang="en-US" sz="3150" b="1">
+            <a:endParaRPr lang="en-US" sz="3150" b="1" dirty="0">
               <a:solidFill>
                 <a:schemeClr val="bg2"/>
               </a:solidFill>
@@ -18441,9 +17641,9 @@
             <a:fld id="{2BF067CD-8E6B-4360-9AA8-C5DF2A48A6D1}" type="slidenum">
               <a:rPr lang="en-US" noProof="0" smtClean="0"/>
               <a:pPr/>
-              <a:t>18</a:t>
+              <a:t>19</a:t>
             </a:fld>
-            <a:endParaRPr lang="en-US" noProof="0"/>
+            <a:endParaRPr lang="en-US" noProof="0" dirty="0"/>
           </a:p>
         </p:txBody>
       </p:sp>
@@ -18776,7 +17976,621 @@
 </p:sld>
 </file>
 
-<file path=ppt/slides/slide19.xml><?xml version="1.0" encoding="utf-8"?>
+<file path=ppt/slides/slide2.xml><?xml version="1.0" encoding="utf-8"?>
+<p:sld xmlns:a="http://schemas.openxmlformats.org/drawingml/2006/main" xmlns:r="http://schemas.openxmlformats.org/officeDocument/2006/relationships" xmlns:p="http://schemas.openxmlformats.org/presentationml/2006/main">
+  <p:cSld>
+    <p:spTree>
+      <p:nvGrpSpPr>
+        <p:cNvPr id="1" name=""/>
+        <p:cNvGrpSpPr/>
+        <p:nvPr/>
+      </p:nvGrpSpPr>
+      <p:grpSpPr>
+        <a:xfrm>
+          <a:off x="0" y="0"/>
+          <a:ext cx="0" cy="0"/>
+          <a:chOff x="0" y="0"/>
+          <a:chExt cx="0" cy="0"/>
+        </a:xfrm>
+      </p:grpSpPr>
+      <p:sp>
+        <p:nvSpPr>
+          <p:cNvPr id="3" name="Content Placeholder 2">
+            <a:extLst>
+              <a:ext uri="{FF2B5EF4-FFF2-40B4-BE49-F238E27FC236}">
+                <a16:creationId xmlns:a16="http://schemas.microsoft.com/office/drawing/2014/main" id="{ACAA566F-0E0E-4BF9-A3B0-6F01080380A3}"/>
+              </a:ext>
+            </a:extLst>
+          </p:cNvPr>
+          <p:cNvSpPr>
+            <a:spLocks noGrp="1"/>
+          </p:cNvSpPr>
+          <p:nvPr>
+            <p:ph type="body" sz="quarter" idx="13"/>
+          </p:nvPr>
+        </p:nvSpPr>
+        <p:spPr/>
+        <p:txBody>
+          <a:bodyPr vert="horz" lIns="108000" tIns="36000" rIns="108000" bIns="36000" rtlCol="0" anchor="t">
+            <a:normAutofit/>
+          </a:bodyPr>
+          <a:lstStyle/>
+          <a:p>
+            <a:pPr marL="513715" indent="-513715">
+              <a:buClr>
+                <a:schemeClr val="tx1"/>
+              </a:buClr>
+            </a:pPr>
+            <a:r>
+              <a:rPr lang="en-GB" sz="3550" b="1" dirty="0">
+                <a:solidFill>
+                  <a:schemeClr val="bg1"/>
+                </a:solidFill>
+              </a:rPr>
+              <a:t>Синтаксис на регулярен израз</a:t>
+            </a:r>
+            <a:endParaRPr lang="en-GB" sz="3550" b="1" dirty="0">
+              <a:solidFill>
+                <a:schemeClr val="bg1"/>
+              </a:solidFill>
+              <a:cs typeface="Calibri"/>
+            </a:endParaRPr>
+          </a:p>
+          <a:p>
+            <a:pPr lvl="1" indent="-360045"/>
+            <a:r>
+              <a:rPr lang="en-GB" sz="3350" dirty="0">
+                <a:cs typeface="Calibri"/>
+              </a:rPr>
+              <a:t>Определение и образец</a:t>
+            </a:r>
+          </a:p>
+          <a:p>
+            <a:pPr lvl="1" indent="-360045"/>
+            <a:r>
+              <a:rPr lang="en-GB" sz="3350" dirty="0"/>
+              <a:t>Предефинирани класове</a:t>
+            </a:r>
+            <a:endParaRPr lang="bg-BG" sz="3399" dirty="0">
+              <a:cs typeface="Calibri"/>
+            </a:endParaRPr>
+          </a:p>
+          <a:p>
+            <a:pPr marL="513715" indent="-513715">
+              <a:buClr>
+                <a:schemeClr val="tx1"/>
+              </a:buClr>
+            </a:pPr>
+            <a:r>
+              <a:rPr lang="en-US" sz="3350" b="1" dirty="0">
+                <a:solidFill>
+                  <a:schemeClr val="bg1"/>
+                </a:solidFill>
+              </a:rPr>
+              <a:t>Quantifier-и</a:t>
+            </a:r>
+            <a:r>
+              <a:rPr lang="en-US" sz="3350" dirty="0"/>
+              <a:t> и </a:t>
+            </a:r>
+            <a:r>
+              <a:rPr lang="en-US" sz="3350" b="1" dirty="0">
+                <a:solidFill>
+                  <a:schemeClr val="bg1"/>
+                </a:solidFill>
+              </a:rPr>
+              <a:t>групиране</a:t>
+            </a:r>
+            <a:endParaRPr lang="en-GB" sz="3399" b="1" dirty="0">
+              <a:solidFill>
+                <a:schemeClr val="bg1"/>
+              </a:solidFill>
+              <a:cs typeface="Calibri"/>
+            </a:endParaRPr>
+          </a:p>
+          <a:p>
+            <a:pPr marL="513715" indent="-513715">
+              <a:buClr>
+                <a:schemeClr val="tx1"/>
+              </a:buClr>
+            </a:pPr>
+            <a:r>
+              <a:rPr lang="en-US" b="1" noProof="1">
+                <a:solidFill>
+                  <a:schemeClr val="bg1"/>
+                </a:solidFill>
+              </a:rPr>
+              <a:t>Обратни препратки</a:t>
+            </a:r>
+            <a:endParaRPr lang="en-US" b="1" noProof="1">
+              <a:solidFill>
+                <a:schemeClr val="bg1"/>
+              </a:solidFill>
+              <a:cs typeface="Calibri"/>
+            </a:endParaRPr>
+          </a:p>
+          <a:p>
+            <a:pPr marL="513715" indent="-513715">
+              <a:buClr>
+                <a:schemeClr val="tx1"/>
+              </a:buClr>
+            </a:pPr>
+            <a:r>
+              <a:rPr lang="en-US" dirty="0">
+                <a:ea typeface="+mn-lt"/>
+                <a:cs typeface="+mn-lt"/>
+              </a:rPr>
+              <a:t>Регулярен израз</a:t>
+            </a:r>
+            <a:r>
+              <a:rPr lang="en-US" dirty="0"/>
+              <a:t> в C#</a:t>
+            </a:r>
+            <a:endParaRPr lang="en-GB" dirty="0">
+              <a:cs typeface="Calibri"/>
+            </a:endParaRPr>
+          </a:p>
+        </p:txBody>
+      </p:sp>
+      <p:sp>
+        <p:nvSpPr>
+          <p:cNvPr id="4" name="Title 3">
+            <a:extLst>
+              <a:ext uri="{FF2B5EF4-FFF2-40B4-BE49-F238E27FC236}">
+                <a16:creationId xmlns:a16="http://schemas.microsoft.com/office/drawing/2014/main" id="{DC603285-689A-4E41-8F77-BD9FEA5C433A}"/>
+              </a:ext>
+            </a:extLst>
+          </p:cNvPr>
+          <p:cNvSpPr>
+            <a:spLocks noGrp="1"/>
+          </p:cNvSpPr>
+          <p:nvPr>
+            <p:ph type="title"/>
+          </p:nvPr>
+        </p:nvSpPr>
+        <p:spPr/>
+        <p:txBody>
+          <a:bodyPr/>
+          <a:lstStyle/>
+          <a:p>
+            <a:r>
+              <a:rPr lang="en-GB" sz="3950" dirty="0">
+                <a:ea typeface="+mj-lt"/>
+                <a:cs typeface="+mj-lt"/>
+              </a:rPr>
+              <a:t>Съдържание</a:t>
+            </a:r>
+            <a:endParaRPr lang="bg-BG" dirty="0"/>
+          </a:p>
+        </p:txBody>
+      </p:sp>
+      <p:sp>
+        <p:nvSpPr>
+          <p:cNvPr id="6" name="Slide Number">
+            <a:extLst>
+              <a:ext uri="{FF2B5EF4-FFF2-40B4-BE49-F238E27FC236}">
+                <a16:creationId xmlns:a16="http://schemas.microsoft.com/office/drawing/2014/main" id="{AB932B05-AE07-4BAD-9242-236940948F38}"/>
+              </a:ext>
+            </a:extLst>
+          </p:cNvPr>
+          <p:cNvSpPr txBox="1">
+            <a:spLocks/>
+          </p:cNvSpPr>
+          <p:nvPr/>
+        </p:nvSpPr>
+        <p:spPr>
+          <a:xfrm>
+            <a:off x="11753030" y="6507000"/>
+            <a:ext cx="367414" cy="297000"/>
+          </a:xfrm>
+          <a:prstGeom prst="rect">
+            <a:avLst/>
+          </a:prstGeom>
+        </p:spPr>
+        <p:txBody>
+          <a:bodyPr vert="horz" lIns="91440" tIns="45720" rIns="91440" bIns="45720" rtlCol="0" anchor="b"/>
+          <a:lstStyle>
+            <a:defPPr>
+              <a:defRPr lang="en-US"/>
+            </a:defPPr>
+            <a:lvl1pPr marL="0" algn="r" defTabSz="914400" rtl="0" eaLnBrk="1" latinLnBrk="0" hangingPunct="1">
+              <a:defRPr sz="1000" kern="1200">
+                <a:solidFill>
+                  <a:schemeClr val="tx1"/>
+                </a:solidFill>
+                <a:latin typeface="+mn-lt"/>
+                <a:ea typeface="+mn-ea"/>
+                <a:cs typeface="+mn-cs"/>
+              </a:defRPr>
+            </a:lvl1pPr>
+            <a:lvl2pPr marL="457200" algn="l" defTabSz="914400" rtl="0" eaLnBrk="1" latinLnBrk="0" hangingPunct="1">
+              <a:defRPr sz="1800" kern="1200">
+                <a:solidFill>
+                  <a:schemeClr val="tx1"/>
+                </a:solidFill>
+                <a:latin typeface="+mn-lt"/>
+                <a:ea typeface="+mn-ea"/>
+                <a:cs typeface="+mn-cs"/>
+              </a:defRPr>
+            </a:lvl2pPr>
+            <a:lvl3pPr marL="914400" algn="l" defTabSz="914400" rtl="0" eaLnBrk="1" latinLnBrk="0" hangingPunct="1">
+              <a:defRPr sz="1800" kern="1200">
+                <a:solidFill>
+                  <a:schemeClr val="tx1"/>
+                </a:solidFill>
+                <a:latin typeface="+mn-lt"/>
+                <a:ea typeface="+mn-ea"/>
+                <a:cs typeface="+mn-cs"/>
+              </a:defRPr>
+            </a:lvl3pPr>
+            <a:lvl4pPr marL="1371600" algn="l" defTabSz="914400" rtl="0" eaLnBrk="1" latinLnBrk="0" hangingPunct="1">
+              <a:defRPr sz="1800" kern="1200">
+                <a:solidFill>
+                  <a:schemeClr val="tx1"/>
+                </a:solidFill>
+                <a:latin typeface="+mn-lt"/>
+                <a:ea typeface="+mn-ea"/>
+                <a:cs typeface="+mn-cs"/>
+              </a:defRPr>
+            </a:lvl4pPr>
+            <a:lvl5pPr marL="1828800" algn="l" defTabSz="914400" rtl="0" eaLnBrk="1" latinLnBrk="0" hangingPunct="1">
+              <a:defRPr sz="1800" kern="1200">
+                <a:solidFill>
+                  <a:schemeClr val="tx1"/>
+                </a:solidFill>
+                <a:latin typeface="+mn-lt"/>
+                <a:ea typeface="+mn-ea"/>
+                <a:cs typeface="+mn-cs"/>
+              </a:defRPr>
+            </a:lvl5pPr>
+            <a:lvl6pPr marL="2286000" algn="l" defTabSz="914400" rtl="0" eaLnBrk="1" latinLnBrk="0" hangingPunct="1">
+              <a:defRPr sz="1800" kern="1200">
+                <a:solidFill>
+                  <a:schemeClr val="tx1"/>
+                </a:solidFill>
+                <a:latin typeface="+mn-lt"/>
+                <a:ea typeface="+mn-ea"/>
+                <a:cs typeface="+mn-cs"/>
+              </a:defRPr>
+            </a:lvl6pPr>
+            <a:lvl7pPr marL="2743200" algn="l" defTabSz="914400" rtl="0" eaLnBrk="1" latinLnBrk="0" hangingPunct="1">
+              <a:defRPr sz="1800" kern="1200">
+                <a:solidFill>
+                  <a:schemeClr val="tx1"/>
+                </a:solidFill>
+                <a:latin typeface="+mn-lt"/>
+                <a:ea typeface="+mn-ea"/>
+                <a:cs typeface="+mn-cs"/>
+              </a:defRPr>
+            </a:lvl7pPr>
+            <a:lvl8pPr marL="3200400" algn="l" defTabSz="914400" rtl="0" eaLnBrk="1" latinLnBrk="0" hangingPunct="1">
+              <a:defRPr sz="1800" kern="1200">
+                <a:solidFill>
+                  <a:schemeClr val="tx1"/>
+                </a:solidFill>
+                <a:latin typeface="+mn-lt"/>
+                <a:ea typeface="+mn-ea"/>
+                <a:cs typeface="+mn-cs"/>
+              </a:defRPr>
+            </a:lvl8pPr>
+            <a:lvl9pPr marL="3657600" algn="l" defTabSz="914400" rtl="0" eaLnBrk="1" latinLnBrk="0" hangingPunct="1">
+              <a:defRPr sz="1800" kern="1200">
+                <a:solidFill>
+                  <a:schemeClr val="tx1"/>
+                </a:solidFill>
+                <a:latin typeface="+mn-lt"/>
+                <a:ea typeface="+mn-ea"/>
+                <a:cs typeface="+mn-cs"/>
+              </a:defRPr>
+            </a:lvl9pPr>
+          </a:lstStyle>
+          <a:p>
+            <a:fld id="{2BF067CD-8E6B-4360-9AA8-C5DF2A48A6D1}" type="slidenum">
+              <a:rPr lang="en-US" smtClean="0"/>
+              <a:pPr/>
+              <a:t>2</a:t>
+            </a:fld>
+            <a:endParaRPr lang="en-US" dirty="0"/>
+          </a:p>
+        </p:txBody>
+      </p:sp>
+    </p:spTree>
+    <p:extLst>
+      <p:ext uri="{BB962C8B-B14F-4D97-AF65-F5344CB8AC3E}">
+        <p14:creationId xmlns:p14="http://schemas.microsoft.com/office/powerpoint/2010/main" val="1760688199"/>
+      </p:ext>
+    </p:extLst>
+  </p:cSld>
+  <p:clrMapOvr>
+    <a:masterClrMapping/>
+  </p:clrMapOvr>
+  <mc:AlternateContent xmlns:mc="http://schemas.openxmlformats.org/markup-compatibility/2006" xmlns:p14="http://schemas.microsoft.com/office/powerpoint/2010/main">
+    <mc:Choice Requires="p14">
+      <p:transition spd="slow" p14:dur="2000" advClick="0" advTm="5000"/>
+    </mc:Choice>
+    <mc:Fallback xmlns="">
+      <p:transition spd="slow" advClick="0" advTm="5000"/>
+    </mc:Fallback>
+  </mc:AlternateContent>
+  <p:timing>
+    <p:tnLst>
+      <p:par>
+        <p:cTn id="1" dur="indefinite" restart="never" nodeType="tmRoot">
+          <p:childTnLst>
+            <p:seq concurrent="1" nextAc="seek">
+              <p:cTn id="2" dur="indefinite" nodeType="mainSeq">
+                <p:childTnLst>
+                  <p:par>
+                    <p:cTn id="3" fill="hold">
+                      <p:stCondLst>
+                        <p:cond delay="indefinite"/>
+                      </p:stCondLst>
+                      <p:childTnLst>
+                        <p:par>
+                          <p:cTn id="4" fill="hold">
+                            <p:stCondLst>
+                              <p:cond delay="0"/>
+                            </p:stCondLst>
+                            <p:childTnLst>
+                              <p:par>
+                                <p:cTn id="5" presetID="1" presetClass="entr" presetSubtype="0" fill="hold" nodeType="clickEffect">
+                                  <p:stCondLst>
+                                    <p:cond delay="0"/>
+                                  </p:stCondLst>
+                                  <p:childTnLst>
+                                    <p:set>
+                                      <p:cBhvr>
+                                        <p:cTn id="6" dur="1" fill="hold">
+                                          <p:stCondLst>
+                                            <p:cond delay="0"/>
+                                          </p:stCondLst>
+                                        </p:cTn>
+                                        <p:tgtEl>
+                                          <p:spTgt spid="3">
+                                            <p:txEl>
+                                              <p:pRg st="1" end="1"/>
+                                            </p:txEl>
+                                          </p:spTgt>
+                                        </p:tgtEl>
+                                        <p:attrNameLst>
+                                          <p:attrName>style.visibility</p:attrName>
+                                        </p:attrNameLst>
+                                      </p:cBhvr>
+                                      <p:to>
+                                        <p:strVal val="visible"/>
+                                      </p:to>
+                                    </p:set>
+                                  </p:childTnLst>
+                                </p:cTn>
+                              </p:par>
+                            </p:childTnLst>
+                          </p:cTn>
+                        </p:par>
+                      </p:childTnLst>
+                    </p:cTn>
+                  </p:par>
+                  <p:par>
+                    <p:cTn id="7" fill="hold">
+                      <p:stCondLst>
+                        <p:cond delay="indefinite"/>
+                      </p:stCondLst>
+                      <p:childTnLst>
+                        <p:par>
+                          <p:cTn id="8" fill="hold">
+                            <p:stCondLst>
+                              <p:cond delay="0"/>
+                            </p:stCondLst>
+                            <p:childTnLst>
+                              <p:par>
+                                <p:cTn id="9" presetID="1" presetClass="entr" presetSubtype="0" fill="hold" nodeType="clickEffect">
+                                  <p:stCondLst>
+                                    <p:cond delay="0"/>
+                                  </p:stCondLst>
+                                  <p:childTnLst>
+                                    <p:set>
+                                      <p:cBhvr>
+                                        <p:cTn id="10" dur="1" fill="hold">
+                                          <p:stCondLst>
+                                            <p:cond delay="0"/>
+                                          </p:stCondLst>
+                                        </p:cTn>
+                                        <p:tgtEl>
+                                          <p:spTgt spid="3">
+                                            <p:txEl>
+                                              <p:pRg st="2" end="2"/>
+                                            </p:txEl>
+                                          </p:spTgt>
+                                        </p:tgtEl>
+                                        <p:attrNameLst>
+                                          <p:attrName>style.visibility</p:attrName>
+                                        </p:attrNameLst>
+                                      </p:cBhvr>
+                                      <p:to>
+                                        <p:strVal val="visible"/>
+                                      </p:to>
+                                    </p:set>
+                                  </p:childTnLst>
+                                </p:cTn>
+                              </p:par>
+                            </p:childTnLst>
+                          </p:cTn>
+                        </p:par>
+                      </p:childTnLst>
+                    </p:cTn>
+                  </p:par>
+                  <p:par>
+                    <p:cTn id="11" fill="hold">
+                      <p:stCondLst>
+                        <p:cond delay="indefinite"/>
+                      </p:stCondLst>
+                      <p:childTnLst>
+                        <p:par>
+                          <p:cTn id="12" fill="hold">
+                            <p:stCondLst>
+                              <p:cond delay="0"/>
+                            </p:stCondLst>
+                            <p:childTnLst>
+                              <p:par>
+                                <p:cTn id="13" presetID="1" presetClass="entr" presetSubtype="0" fill="hold" nodeType="clickEffect">
+                                  <p:stCondLst>
+                                    <p:cond delay="0"/>
+                                  </p:stCondLst>
+                                  <p:childTnLst>
+                                    <p:set>
+                                      <p:cBhvr>
+                                        <p:cTn id="14" dur="1" fill="hold">
+                                          <p:stCondLst>
+                                            <p:cond delay="0"/>
+                                          </p:stCondLst>
+                                        </p:cTn>
+                                        <p:tgtEl>
+                                          <p:spTgt spid="3">
+                                            <p:txEl>
+                                              <p:pRg st="3" end="3"/>
+                                            </p:txEl>
+                                          </p:spTgt>
+                                        </p:tgtEl>
+                                        <p:attrNameLst>
+                                          <p:attrName>style.visibility</p:attrName>
+                                        </p:attrNameLst>
+                                      </p:cBhvr>
+                                      <p:to>
+                                        <p:strVal val="visible"/>
+                                      </p:to>
+                                    </p:set>
+                                  </p:childTnLst>
+                                </p:cTn>
+                              </p:par>
+                            </p:childTnLst>
+                          </p:cTn>
+                        </p:par>
+                      </p:childTnLst>
+                    </p:cTn>
+                  </p:par>
+                  <p:par>
+                    <p:cTn id="15" fill="hold">
+                      <p:stCondLst>
+                        <p:cond delay="indefinite"/>
+                      </p:stCondLst>
+                      <p:childTnLst>
+                        <p:par>
+                          <p:cTn id="16" fill="hold">
+                            <p:stCondLst>
+                              <p:cond delay="0"/>
+                            </p:stCondLst>
+                            <p:childTnLst>
+                              <p:par>
+                                <p:cTn id="17" presetID="1" presetClass="entr" presetSubtype="0" fill="hold" nodeType="clickEffect">
+                                  <p:stCondLst>
+                                    <p:cond delay="0"/>
+                                  </p:stCondLst>
+                                  <p:childTnLst>
+                                    <p:set>
+                                      <p:cBhvr>
+                                        <p:cTn id="18" dur="1" fill="hold">
+                                          <p:stCondLst>
+                                            <p:cond delay="0"/>
+                                          </p:stCondLst>
+                                        </p:cTn>
+                                        <p:tgtEl>
+                                          <p:spTgt spid="3">
+                                            <p:txEl>
+                                              <p:pRg st="4" end="4"/>
+                                            </p:txEl>
+                                          </p:spTgt>
+                                        </p:tgtEl>
+                                        <p:attrNameLst>
+                                          <p:attrName>style.visibility</p:attrName>
+                                        </p:attrNameLst>
+                                      </p:cBhvr>
+                                      <p:to>
+                                        <p:strVal val="visible"/>
+                                      </p:to>
+                                    </p:set>
+                                  </p:childTnLst>
+                                </p:cTn>
+                              </p:par>
+                            </p:childTnLst>
+                          </p:cTn>
+                        </p:par>
+                      </p:childTnLst>
+                    </p:cTn>
+                  </p:par>
+                  <p:par>
+                    <p:cTn id="19" fill="hold">
+                      <p:stCondLst>
+                        <p:cond delay="indefinite"/>
+                      </p:stCondLst>
+                      <p:childTnLst>
+                        <p:par>
+                          <p:cTn id="20" fill="hold">
+                            <p:stCondLst>
+                              <p:cond delay="0"/>
+                            </p:stCondLst>
+                            <p:childTnLst>
+                              <p:par>
+                                <p:cTn id="21" presetID="1" presetClass="entr" presetSubtype="0" fill="hold" nodeType="clickEffect">
+                                  <p:stCondLst>
+                                    <p:cond delay="0"/>
+                                  </p:stCondLst>
+                                  <p:childTnLst>
+                                    <p:set>
+                                      <p:cBhvr>
+                                        <p:cTn id="22" dur="1" fill="hold">
+                                          <p:stCondLst>
+                                            <p:cond delay="0"/>
+                                          </p:stCondLst>
+                                        </p:cTn>
+                                        <p:tgtEl>
+                                          <p:spTgt spid="3">
+                                            <p:txEl>
+                                              <p:pRg st="5" end="5"/>
+                                            </p:txEl>
+                                          </p:spTgt>
+                                        </p:tgtEl>
+                                        <p:attrNameLst>
+                                          <p:attrName>style.visibility</p:attrName>
+                                        </p:attrNameLst>
+                                      </p:cBhvr>
+                                      <p:to>
+                                        <p:strVal val="visible"/>
+                                      </p:to>
+                                    </p:set>
+                                  </p:childTnLst>
+                                </p:cTn>
+                              </p:par>
+                            </p:childTnLst>
+                          </p:cTn>
+                        </p:par>
+                      </p:childTnLst>
+                    </p:cTn>
+                  </p:par>
+                </p:childTnLst>
+              </p:cTn>
+              <p:prevCondLst>
+                <p:cond evt="onPrev" delay="0">
+                  <p:tgtEl>
+                    <p:sldTgt/>
+                  </p:tgtEl>
+                </p:cond>
+              </p:prevCondLst>
+              <p:nextCondLst>
+                <p:cond evt="onNext" delay="0">
+                  <p:tgtEl>
+                    <p:sldTgt/>
+                  </p:tgtEl>
+                </p:cond>
+              </p:nextCondLst>
+            </p:seq>
+          </p:childTnLst>
+        </p:cTn>
+      </p:par>
+    </p:tnLst>
+  </p:timing>
+</p:sld>
+</file>
+
+<file path=ppt/slides/slide20.xml><?xml version="1.0" encoding="utf-8"?>
 <p:sld xmlns:a="http://schemas.openxmlformats.org/drawingml/2006/main" xmlns:r="http://schemas.openxmlformats.org/officeDocument/2006/relationships" xmlns:p="http://schemas.openxmlformats.org/presentationml/2006/main">
   <p:cSld>
     <p:spTree>
@@ -18821,24 +18635,8 @@
               </a:buClr>
             </a:pPr>
             <a:r>
-              <a:rPr lang="en-US" sz="3350" dirty="0" err="1"/>
-              <a:t>Напишете</a:t>
-            </a:r>
-            <a:r>
               <a:rPr lang="en-US" sz="3350" dirty="0"/>
-              <a:t> </a:t>
-            </a:r>
-            <a:r>
-              <a:rPr lang="en-US" sz="3350" dirty="0" err="1"/>
-              <a:t>регулярен</a:t>
-            </a:r>
-            <a:r>
-              <a:rPr lang="en-US" sz="3350" dirty="0"/>
-              <a:t> </a:t>
-            </a:r>
-            <a:r>
-              <a:rPr lang="en-US" sz="3350" dirty="0" err="1"/>
-              <a:t>израз</a:t>
+              <a:t>Напишете регулярен израз</a:t>
             </a:r>
             <a:r>
               <a:rPr lang="en-US" sz="3350" dirty="0">
@@ -18846,79 +18644,15 @@
                   <a:srgbClr val="234465"/>
                 </a:solidFill>
               </a:rPr>
-              <a:t>, </a:t>
-            </a:r>
-            <a:r>
-              <a:rPr lang="en-US" sz="3350" dirty="0" err="1">
-                <a:solidFill>
-                  <a:srgbClr val="234465"/>
-                </a:solidFill>
-              </a:rPr>
-              <a:t>който</a:t>
-            </a:r>
-            <a:r>
-              <a:rPr lang="en-US" sz="3350" dirty="0">
-                <a:solidFill>
-                  <a:srgbClr val="234465"/>
-                </a:solidFill>
-              </a:rPr>
-              <a:t> </a:t>
-            </a:r>
-            <a:r>
-              <a:rPr lang="en-US" sz="3350" dirty="0" err="1">
-                <a:solidFill>
-                  <a:srgbClr val="234465"/>
-                </a:solidFill>
-              </a:rPr>
-              <a:t>прави</a:t>
-            </a:r>
-            <a:r>
-              <a:rPr lang="en-US" sz="3350" dirty="0">
-                <a:solidFill>
-                  <a:srgbClr val="234465"/>
-                </a:solidFill>
-              </a:rPr>
-              <a:t> </a:t>
-            </a:r>
-            <a:r>
-              <a:rPr lang="en-US" sz="3350" b="1" dirty="0" err="1">
+              <a:t>, който прави </a:t>
+            </a:r>
+            <a:r>
+              <a:rPr lang="en-US" sz="3350" b="1" dirty="0">
                 <a:solidFill>
                   <a:schemeClr val="bg1"/>
                 </a:solidFill>
               </a:rPr>
-              <a:t>валидация</a:t>
-            </a:r>
-            <a:r>
-              <a:rPr lang="en-US" sz="3350" b="1" dirty="0">
-                <a:solidFill>
-                  <a:schemeClr val="bg1"/>
-                </a:solidFill>
-              </a:rPr>
-              <a:t> </a:t>
-            </a:r>
-            <a:r>
-              <a:rPr lang="en-US" sz="3350" b="1" dirty="0" err="1">
-                <a:solidFill>
-                  <a:schemeClr val="bg1"/>
-                </a:solidFill>
-              </a:rPr>
-              <a:t>на</a:t>
-            </a:r>
-            <a:r>
-              <a:rPr lang="en-US" sz="3350" b="1" dirty="0">
-                <a:solidFill>
-                  <a:schemeClr val="bg1"/>
-                </a:solidFill>
-              </a:rPr>
-              <a:t> </a:t>
-            </a:r>
-            <a:r>
-              <a:rPr lang="en-US" sz="3350" b="1" dirty="0" err="1">
-                <a:solidFill>
-                  <a:schemeClr val="bg1"/>
-                </a:solidFill>
-              </a:rPr>
-              <a:t>имейл</a:t>
+              <a:t>валидация на имейл</a:t>
             </a:r>
             <a:endParaRPr lang="bg-BG" sz="3350" dirty="0">
               <a:solidFill>
@@ -18933,44 +18667,16 @@
               </a:buClr>
             </a:pPr>
             <a:r>
-              <a:rPr lang="en-US" sz="3150" dirty="0" err="1"/>
-              <a:t>Имейлът</a:t>
-            </a:r>
-            <a:r>
               <a:rPr lang="en-US" sz="3150" dirty="0"/>
-              <a:t> </a:t>
-            </a:r>
-            <a:r>
-              <a:rPr lang="en-US" sz="3150" dirty="0" err="1"/>
-              <a:t>съдържа</a:t>
-            </a:r>
-            <a:r>
-              <a:rPr lang="en-US" sz="3150" dirty="0"/>
-              <a:t>: {</a:t>
-            </a:r>
-            <a:r>
-              <a:rPr lang="en-US" sz="3150" b="1" dirty="0" err="1">
+              <a:t>Имейлът съдържа: {</a:t>
+            </a:r>
+            <a:r>
+              <a:rPr lang="en-US" sz="3150" b="1" dirty="0">
                 <a:solidFill>
                   <a:schemeClr val="bg1"/>
                 </a:solidFill>
               </a:rPr>
-              <a:t>потребителско</a:t>
-            </a:r>
-            <a:r>
-              <a:rPr lang="en-US" sz="3150" b="1" dirty="0">
-                <a:solidFill>
-                  <a:schemeClr val="bg1"/>
-                </a:solidFill>
-              </a:rPr>
-              <a:t> </a:t>
-            </a:r>
-            <a:r>
-              <a:rPr lang="en-US" sz="3150" b="1" dirty="0" err="1">
-                <a:solidFill>
-                  <a:schemeClr val="bg1"/>
-                </a:solidFill>
-              </a:rPr>
-              <a:t>име</a:t>
+              <a:t>потребителско име</a:t>
             </a:r>
             <a:r>
               <a:rPr lang="en-US" sz="3150" dirty="0"/>
@@ -18989,7 +18695,7 @@
               <a:t>{</a:t>
             </a:r>
             <a:r>
-              <a:rPr lang="en-US" sz="3150" b="1" dirty="0" err="1">
+              <a:rPr lang="en-US" sz="3150" b="1" dirty="0">
                 <a:solidFill>
                   <a:schemeClr val="bg1"/>
                 </a:solidFill>
@@ -19014,12 +18720,16 @@
               </a:buClr>
             </a:pPr>
             <a:r>
-              <a:rPr lang="en-US" sz="3150" b="1" dirty="0" err="1">
+              <a:rPr lang="en-US" sz="3150" b="1" dirty="0">
                 <a:solidFill>
                   <a:schemeClr val="bg1"/>
                 </a:solidFill>
               </a:rPr>
-              <a:t>Потребителското</a:t>
+              <a:t>Потребителското име </a:t>
+            </a:r>
+            <a:r>
+              <a:rPr lang="en-US" sz="3150" dirty="0"/>
+              <a:t>съдържа </a:t>
             </a:r>
             <a:r>
               <a:rPr lang="en-US" sz="3150" b="1" dirty="0">
@@ -19027,71 +18737,7 @@
                   <a:schemeClr val="bg1"/>
                 </a:solidFill>
               </a:rPr>
-              <a:t> </a:t>
-            </a:r>
-            <a:r>
-              <a:rPr lang="en-US" sz="3150" b="1" dirty="0" err="1">
-                <a:solidFill>
-                  <a:schemeClr val="bg1"/>
-                </a:solidFill>
-              </a:rPr>
-              <a:t>име</a:t>
-            </a:r>
-            <a:r>
-              <a:rPr lang="en-US" sz="3150" b="1" dirty="0">
-                <a:solidFill>
-                  <a:schemeClr val="bg1"/>
-                </a:solidFill>
-              </a:rPr>
-              <a:t> </a:t>
-            </a:r>
-            <a:r>
-              <a:rPr lang="en-US" sz="3150" dirty="0" err="1"/>
-              <a:t>съдържа</a:t>
-            </a:r>
-            <a:r>
-              <a:rPr lang="en-US" sz="3150" dirty="0"/>
-              <a:t> </a:t>
-            </a:r>
-            <a:r>
-              <a:rPr lang="en-US" sz="3150" b="1" dirty="0" err="1">
-                <a:solidFill>
-                  <a:schemeClr val="bg1"/>
-                </a:solidFill>
-              </a:rPr>
-              <a:t>букви</a:t>
-            </a:r>
-            <a:r>
-              <a:rPr lang="en-US" sz="3150" b="1" dirty="0">
-                <a:solidFill>
-                  <a:schemeClr val="bg1"/>
-                </a:solidFill>
-              </a:rPr>
-              <a:t> </a:t>
-            </a:r>
-            <a:r>
-              <a:rPr lang="en-US" sz="3150" b="1" dirty="0" err="1">
-                <a:solidFill>
-                  <a:schemeClr val="bg1"/>
-                </a:solidFill>
-              </a:rPr>
-              <a:t>и</a:t>
-            </a:r>
-            <a:r>
-              <a:rPr lang="en-US" sz="3150" b="1" dirty="0">
-                <a:solidFill>
-                  <a:schemeClr val="bg1"/>
-                </a:solidFill>
-              </a:rPr>
-              <a:t> </a:t>
-            </a:r>
-            <a:r>
-              <a:rPr lang="en-US" sz="3150" b="1" dirty="0" err="1">
-                <a:solidFill>
-                  <a:schemeClr val="bg1"/>
-                </a:solidFill>
-              </a:rPr>
-              <a:t>цифри</a:t>
+              <a:t>букви и цифри</a:t>
             </a:r>
             <a:endParaRPr lang="en-US" sz="3150" b="1" dirty="0">
               <a:solidFill>
@@ -19107,7 +18753,7 @@
               </a:buClr>
             </a:pPr>
             <a:r>
-              <a:rPr lang="en-US" sz="3150" b="1" dirty="0" err="1">
+              <a:rPr lang="en-US" sz="3150" b="1" dirty="0">
                 <a:solidFill>
                   <a:schemeClr val="bg1"/>
                 </a:solidFill>
@@ -19115,7 +18761,7 @@
               <a:t>Домейн</a:t>
             </a:r>
             <a:r>
-              <a:rPr lang="bg-BG" sz="3150" b="1" dirty="0" err="1">
+              <a:rPr lang="bg-BG" sz="3150" b="1" dirty="0">
                 <a:solidFill>
                   <a:schemeClr val="bg1"/>
                 </a:solidFill>
@@ -19131,16 +18777,8 @@
               <a:t> </a:t>
             </a:r>
             <a:r>
-              <a:rPr lang="en-US" sz="3150" dirty="0" err="1"/>
-              <a:t>се</a:t>
-            </a:r>
-            <a:r>
               <a:rPr lang="en-US" sz="3150" dirty="0"/>
-              <a:t> </a:t>
-            </a:r>
-            <a:r>
-              <a:rPr lang="en-US" sz="3150" dirty="0" err="1"/>
-              <a:t>състо</a:t>
+              <a:t>се състо</a:t>
             </a:r>
             <a:r>
               <a:rPr lang="bg-BG" sz="3150" dirty="0"/>
@@ -19148,51 +18786,19 @@
             </a:r>
             <a:r>
               <a:rPr lang="en-US" sz="3150" dirty="0"/>
-              <a:t> </a:t>
-            </a:r>
-            <a:r>
-              <a:rPr lang="en-US" sz="3150" dirty="0" err="1"/>
-              <a:t>от</a:t>
+              <a:t> от </a:t>
+            </a:r>
+            <a:r>
+              <a:rPr lang="en-US" sz="3150" b="1" dirty="0">
+                <a:solidFill>
+                  <a:schemeClr val="bg1"/>
+                </a:solidFill>
+              </a:rPr>
+              <a:t>два низа</a:t>
             </a:r>
             <a:r>
               <a:rPr lang="en-US" sz="3150" dirty="0"/>
-              <a:t> </a:t>
-            </a:r>
-            <a:r>
-              <a:rPr lang="en-US" sz="3150" b="1" dirty="0" err="1">
-                <a:solidFill>
-                  <a:schemeClr val="bg1"/>
-                </a:solidFill>
-              </a:rPr>
-              <a:t>два</a:t>
-            </a:r>
-            <a:r>
-              <a:rPr lang="en-US" sz="3150" b="1" dirty="0">
-                <a:solidFill>
-                  <a:schemeClr val="bg1"/>
-                </a:solidFill>
-              </a:rPr>
-              <a:t> </a:t>
-            </a:r>
-            <a:r>
-              <a:rPr lang="en-US" sz="3150" b="1" dirty="0" err="1">
-                <a:solidFill>
-                  <a:schemeClr val="bg1"/>
-                </a:solidFill>
-              </a:rPr>
-              <a:t>низа</a:t>
-            </a:r>
-            <a:r>
-              <a:rPr lang="en-US" sz="3150" dirty="0"/>
-              <a:t>, </a:t>
-            </a:r>
-            <a:r>
-              <a:rPr lang="en-US" sz="3150" dirty="0" err="1"/>
-              <a:t>разделени</a:t>
-            </a:r>
-            <a:r>
-              <a:rPr lang="en-US" sz="3150" dirty="0"/>
-              <a:t> </a:t>
+              <a:t>, разделени </a:t>
             </a:r>
             <a:r>
               <a:rPr lang="bg-BG" sz="3150" dirty="0"/>
@@ -19203,7 +18809,7 @@
               <a:t> </a:t>
             </a:r>
             <a:r>
-              <a:rPr lang="en-US" sz="3150" b="1" dirty="0" err="1">
+              <a:rPr lang="en-US" sz="3150" b="1" dirty="0">
                 <a:solidFill>
                   <a:schemeClr val="bg1"/>
                 </a:solidFill>
@@ -19224,7 +18830,7 @@
               </a:buClr>
             </a:pPr>
             <a:r>
-              <a:rPr lang="en-US" sz="3150" b="1" dirty="0" err="1">
+              <a:rPr lang="en-US" sz="3150" b="1" dirty="0">
                 <a:solidFill>
                   <a:schemeClr val="bg1"/>
                 </a:solidFill>
@@ -19232,7 +18838,7 @@
               <a:t>Домейн</a:t>
             </a:r>
             <a:r>
-              <a:rPr lang="bg-BG" sz="3150" b="1" dirty="0" err="1">
+              <a:rPr lang="bg-BG" sz="3150" b="1" dirty="0">
                 <a:solidFill>
                   <a:schemeClr val="bg1"/>
                 </a:solidFill>
@@ -19248,16 +18854,8 @@
               <a:t> </a:t>
             </a:r>
             <a:r>
-              <a:rPr lang="en-US" sz="3150" dirty="0" err="1"/>
-              <a:t>може</a:t>
-            </a:r>
-            <a:r>
               <a:rPr lang="en-US" sz="3150" dirty="0"/>
-              <a:t> </a:t>
-            </a:r>
-            <a:r>
-              <a:rPr lang="en-US" sz="3150" dirty="0" err="1"/>
-              <a:t>да</a:t>
+              <a:t>може да</a:t>
             </a:r>
             <a:r>
               <a:rPr lang="en-US" sz="3150" dirty="0">
@@ -19265,63 +18863,15 @@
                   <a:srgbClr val="234465"/>
                 </a:solidFill>
               </a:rPr>
-              <a:t> </a:t>
-            </a:r>
-            <a:r>
-              <a:rPr lang="en-US" sz="3150" dirty="0" err="1">
-                <a:solidFill>
-                  <a:srgbClr val="234465"/>
-                </a:solidFill>
-              </a:rPr>
-              <a:t>има</a:t>
-            </a:r>
-            <a:r>
-              <a:rPr lang="en-US" sz="3150" dirty="0">
-                <a:solidFill>
-                  <a:srgbClr val="234465"/>
-                </a:solidFill>
-              </a:rPr>
-              <a:t> </a:t>
-            </a:r>
-            <a:r>
-              <a:rPr lang="en-US" sz="3150" dirty="0" err="1">
-                <a:solidFill>
-                  <a:srgbClr val="234465"/>
-                </a:solidFill>
-              </a:rPr>
-              <a:t>само</a:t>
-            </a:r>
-            <a:r>
-              <a:rPr lang="en-US" sz="3150" dirty="0">
-                <a:solidFill>
-                  <a:srgbClr val="234465"/>
-                </a:solidFill>
-              </a:rPr>
-              <a:t> </a:t>
-            </a:r>
-            <a:r>
-              <a:rPr lang="en-US" sz="3150" b="1" dirty="0" err="1">
+              <a:t> има само </a:t>
+            </a:r>
+            <a:r>
+              <a:rPr lang="en-US" sz="3150" b="1" dirty="0">
                 <a:solidFill>
                   <a:schemeClr val="bg1"/>
                 </a:solidFill>
               </a:rPr>
-              <a:t>английски</a:t>
-            </a:r>
-            <a:r>
-              <a:rPr lang="en-US" sz="3150" b="1" dirty="0">
-                <a:solidFill>
-                  <a:schemeClr val="bg1"/>
-                </a:solidFill>
-              </a:rPr>
-              <a:t> </a:t>
-            </a:r>
-            <a:r>
-              <a:rPr lang="en-US" sz="3150" b="1" dirty="0" err="1">
-                <a:solidFill>
-                  <a:schemeClr val="bg1"/>
-                </a:solidFill>
-              </a:rPr>
-              <a:t>букви</a:t>
+              <a:t>английски букви</a:t>
             </a:r>
             <a:endParaRPr lang="en-US" sz="3150" b="1" dirty="0">
               <a:solidFill>
@@ -19353,10 +18903,10 @@
           <a:lstStyle/>
           <a:p>
             <a:r>
-              <a:rPr lang="en-US" sz="3950"/>
+              <a:rPr lang="en-US" sz="3950" dirty="0"/>
               <a:t>Задача: Валидация на имейл</a:t>
             </a:r>
-            <a:endParaRPr lang="en-US"/>
+            <a:endParaRPr lang="en-US" dirty="0"/>
           </a:p>
         </p:txBody>
       </p:sp>
@@ -19853,7 +19403,7 @@
               </a:buClr>
             </a:pPr>
             <a:r>
-              <a:rPr lang="en-US" sz="3199"/>
+              <a:rPr lang="en-US" sz="3199" dirty="0"/>
               <a:t>Valid:</a:t>
             </a:r>
           </a:p>
@@ -19896,7 +19446,7 @@
               </a:buClr>
             </a:pPr>
             <a:r>
-              <a:rPr lang="en-US" sz="3199"/>
+              <a:rPr lang="en-US" sz="3199" dirty="0"/>
               <a:t>Invalid:</a:t>
             </a:r>
           </a:p>
@@ -20173,7 +19723,7 @@
               </a:buClr>
             </a:pPr>
             <a:r>
-              <a:rPr lang="en-US" sz="3199"/>
+              <a:rPr lang="en-US" sz="3199" dirty="0"/>
               <a:t>Valid:</a:t>
             </a:r>
           </a:p>
@@ -20450,7 +20000,7 @@
               </a:buClr>
             </a:pPr>
             <a:r>
-              <a:rPr lang="en-US" sz="3199"/>
+              <a:rPr lang="en-US" sz="3199" dirty="0"/>
               <a:t>Invalid:</a:t>
             </a:r>
           </a:p>
@@ -20492,9 +20042,9 @@
             <a:fld id="{2BF067CD-8E6B-4360-9AA8-C5DF2A48A6D1}" type="slidenum">
               <a:rPr lang="en-US" noProof="0" smtClean="0"/>
               <a:pPr/>
-              <a:t>19</a:t>
+              <a:t>20</a:t>
             </a:fld>
-            <a:endParaRPr lang="en-US" noProof="0"/>
+            <a:endParaRPr lang="en-US" noProof="0" dirty="0"/>
           </a:p>
         </p:txBody>
       </p:sp>
@@ -21043,621 +20593,7 @@
 </p:sld>
 </file>
 
-<file path=ppt/slides/slide2.xml><?xml version="1.0" encoding="utf-8"?>
-<p:sld xmlns:a="http://schemas.openxmlformats.org/drawingml/2006/main" xmlns:r="http://schemas.openxmlformats.org/officeDocument/2006/relationships" xmlns:p="http://schemas.openxmlformats.org/presentationml/2006/main">
-  <p:cSld>
-    <p:spTree>
-      <p:nvGrpSpPr>
-        <p:cNvPr id="1" name=""/>
-        <p:cNvGrpSpPr/>
-        <p:nvPr/>
-      </p:nvGrpSpPr>
-      <p:grpSpPr>
-        <a:xfrm>
-          <a:off x="0" y="0"/>
-          <a:ext cx="0" cy="0"/>
-          <a:chOff x="0" y="0"/>
-          <a:chExt cx="0" cy="0"/>
-        </a:xfrm>
-      </p:grpSpPr>
-      <p:sp>
-        <p:nvSpPr>
-          <p:cNvPr id="3" name="Content Placeholder 2">
-            <a:extLst>
-              <a:ext uri="{FF2B5EF4-FFF2-40B4-BE49-F238E27FC236}">
-                <a16:creationId xmlns:a16="http://schemas.microsoft.com/office/drawing/2014/main" id="{ACAA566F-0E0E-4BF9-A3B0-6F01080380A3}"/>
-              </a:ext>
-            </a:extLst>
-          </p:cNvPr>
-          <p:cNvSpPr>
-            <a:spLocks noGrp="1"/>
-          </p:cNvSpPr>
-          <p:nvPr>
-            <p:ph type="body" sz="quarter" idx="13"/>
-          </p:nvPr>
-        </p:nvSpPr>
-        <p:spPr/>
-        <p:txBody>
-          <a:bodyPr vert="horz" lIns="108000" tIns="36000" rIns="108000" bIns="36000" rtlCol="0" anchor="t">
-            <a:normAutofit/>
-          </a:bodyPr>
-          <a:lstStyle/>
-          <a:p>
-            <a:pPr marL="513715" indent="-513715">
-              <a:buClr>
-                <a:schemeClr val="tx1"/>
-              </a:buClr>
-            </a:pPr>
-            <a:r>
-              <a:rPr lang="en-GB" sz="3550" b="1">
-                <a:solidFill>
-                  <a:schemeClr val="bg1"/>
-                </a:solidFill>
-              </a:rPr>
-              <a:t>Синтаксис на регулярен израз</a:t>
-            </a:r>
-            <a:endParaRPr lang="en-GB" sz="3550" b="1">
-              <a:solidFill>
-                <a:schemeClr val="bg1"/>
-              </a:solidFill>
-              <a:cs typeface="Calibri"/>
-            </a:endParaRPr>
-          </a:p>
-          <a:p>
-            <a:pPr lvl="1" indent="-360045"/>
-            <a:r>
-              <a:rPr lang="en-GB" sz="3350">
-                <a:cs typeface="Calibri"/>
-              </a:rPr>
-              <a:t>Определение и образец</a:t>
-            </a:r>
-          </a:p>
-          <a:p>
-            <a:pPr lvl="1" indent="-360045"/>
-            <a:r>
-              <a:rPr lang="en-GB" sz="3350"/>
-              <a:t>Предефинирани класове</a:t>
-            </a:r>
-            <a:endParaRPr lang="bg-BG" sz="3399">
-              <a:cs typeface="Calibri"/>
-            </a:endParaRPr>
-          </a:p>
-          <a:p>
-            <a:pPr marL="513715" indent="-513715">
-              <a:buClr>
-                <a:schemeClr val="tx1"/>
-              </a:buClr>
-            </a:pPr>
-            <a:r>
-              <a:rPr lang="en-US" sz="3350" b="1">
-                <a:solidFill>
-                  <a:schemeClr val="bg1"/>
-                </a:solidFill>
-              </a:rPr>
-              <a:t>Quantifier-и</a:t>
-            </a:r>
-            <a:r>
-              <a:rPr lang="en-US" sz="3350"/>
-              <a:t> и </a:t>
-            </a:r>
-            <a:r>
-              <a:rPr lang="en-US" sz="3350" b="1" err="1">
-                <a:solidFill>
-                  <a:schemeClr val="bg1"/>
-                </a:solidFill>
-              </a:rPr>
-              <a:t>групиране</a:t>
-            </a:r>
-            <a:endParaRPr lang="en-GB" sz="3399" b="1" err="1">
-              <a:solidFill>
-                <a:schemeClr val="bg1"/>
-              </a:solidFill>
-              <a:cs typeface="Calibri"/>
-            </a:endParaRPr>
-          </a:p>
-          <a:p>
-            <a:pPr marL="513715" indent="-513715">
-              <a:buClr>
-                <a:schemeClr val="tx1"/>
-              </a:buClr>
-            </a:pPr>
-            <a:r>
-              <a:rPr lang="en-US" b="1" noProof="1">
-                <a:solidFill>
-                  <a:schemeClr val="bg1"/>
-                </a:solidFill>
-              </a:rPr>
-              <a:t>Обратни препратки</a:t>
-            </a:r>
-            <a:endParaRPr lang="en-US" b="1" noProof="1">
-              <a:solidFill>
-                <a:schemeClr val="bg1"/>
-              </a:solidFill>
-              <a:cs typeface="Calibri"/>
-            </a:endParaRPr>
-          </a:p>
-          <a:p>
-            <a:pPr marL="513715" indent="-513715">
-              <a:buClr>
-                <a:schemeClr val="tx1"/>
-              </a:buClr>
-            </a:pPr>
-            <a:r>
-              <a:rPr lang="en-US">
-                <a:ea typeface="+mn-lt"/>
-                <a:cs typeface="+mn-lt"/>
-              </a:rPr>
-              <a:t>Регулярен израз</a:t>
-            </a:r>
-            <a:r>
-              <a:rPr lang="en-US"/>
-              <a:t> в C#</a:t>
-            </a:r>
-            <a:endParaRPr lang="en-GB">
-              <a:cs typeface="Calibri"/>
-            </a:endParaRPr>
-          </a:p>
-        </p:txBody>
-      </p:sp>
-      <p:sp>
-        <p:nvSpPr>
-          <p:cNvPr id="4" name="Title 3">
-            <a:extLst>
-              <a:ext uri="{FF2B5EF4-FFF2-40B4-BE49-F238E27FC236}">
-                <a16:creationId xmlns:a16="http://schemas.microsoft.com/office/drawing/2014/main" id="{DC603285-689A-4E41-8F77-BD9FEA5C433A}"/>
-              </a:ext>
-            </a:extLst>
-          </p:cNvPr>
-          <p:cNvSpPr>
-            <a:spLocks noGrp="1"/>
-          </p:cNvSpPr>
-          <p:nvPr>
-            <p:ph type="title"/>
-          </p:nvPr>
-        </p:nvSpPr>
-        <p:spPr/>
-        <p:txBody>
-          <a:bodyPr/>
-          <a:lstStyle/>
-          <a:p>
-            <a:r>
-              <a:rPr lang="en-GB" sz="3950">
-                <a:ea typeface="+mj-lt"/>
-                <a:cs typeface="+mj-lt"/>
-              </a:rPr>
-              <a:t>Съдържание</a:t>
-            </a:r>
-            <a:endParaRPr lang="bg-BG"/>
-          </a:p>
-        </p:txBody>
-      </p:sp>
-      <p:sp>
-        <p:nvSpPr>
-          <p:cNvPr id="6" name="Slide Number">
-            <a:extLst>
-              <a:ext uri="{FF2B5EF4-FFF2-40B4-BE49-F238E27FC236}">
-                <a16:creationId xmlns:a16="http://schemas.microsoft.com/office/drawing/2014/main" id="{AB932B05-AE07-4BAD-9242-236940948F38}"/>
-              </a:ext>
-            </a:extLst>
-          </p:cNvPr>
-          <p:cNvSpPr txBox="1">
-            <a:spLocks/>
-          </p:cNvSpPr>
-          <p:nvPr/>
-        </p:nvSpPr>
-        <p:spPr>
-          <a:xfrm>
-            <a:off x="11753030" y="6507000"/>
-            <a:ext cx="367414" cy="297000"/>
-          </a:xfrm>
-          <a:prstGeom prst="rect">
-            <a:avLst/>
-          </a:prstGeom>
-        </p:spPr>
-        <p:txBody>
-          <a:bodyPr vert="horz" lIns="91440" tIns="45720" rIns="91440" bIns="45720" rtlCol="0" anchor="b"/>
-          <a:lstStyle>
-            <a:defPPr>
-              <a:defRPr lang="en-US"/>
-            </a:defPPr>
-            <a:lvl1pPr marL="0" algn="r" defTabSz="914400" rtl="0" eaLnBrk="1" latinLnBrk="0" hangingPunct="1">
-              <a:defRPr sz="1000" kern="1200">
-                <a:solidFill>
-                  <a:schemeClr val="tx1"/>
-                </a:solidFill>
-                <a:latin typeface="+mn-lt"/>
-                <a:ea typeface="+mn-ea"/>
-                <a:cs typeface="+mn-cs"/>
-              </a:defRPr>
-            </a:lvl1pPr>
-            <a:lvl2pPr marL="457200" algn="l" defTabSz="914400" rtl="0" eaLnBrk="1" latinLnBrk="0" hangingPunct="1">
-              <a:defRPr sz="1800" kern="1200">
-                <a:solidFill>
-                  <a:schemeClr val="tx1"/>
-                </a:solidFill>
-                <a:latin typeface="+mn-lt"/>
-                <a:ea typeface="+mn-ea"/>
-                <a:cs typeface="+mn-cs"/>
-              </a:defRPr>
-            </a:lvl2pPr>
-            <a:lvl3pPr marL="914400" algn="l" defTabSz="914400" rtl="0" eaLnBrk="1" latinLnBrk="0" hangingPunct="1">
-              <a:defRPr sz="1800" kern="1200">
-                <a:solidFill>
-                  <a:schemeClr val="tx1"/>
-                </a:solidFill>
-                <a:latin typeface="+mn-lt"/>
-                <a:ea typeface="+mn-ea"/>
-                <a:cs typeface="+mn-cs"/>
-              </a:defRPr>
-            </a:lvl3pPr>
-            <a:lvl4pPr marL="1371600" algn="l" defTabSz="914400" rtl="0" eaLnBrk="1" latinLnBrk="0" hangingPunct="1">
-              <a:defRPr sz="1800" kern="1200">
-                <a:solidFill>
-                  <a:schemeClr val="tx1"/>
-                </a:solidFill>
-                <a:latin typeface="+mn-lt"/>
-                <a:ea typeface="+mn-ea"/>
-                <a:cs typeface="+mn-cs"/>
-              </a:defRPr>
-            </a:lvl4pPr>
-            <a:lvl5pPr marL="1828800" algn="l" defTabSz="914400" rtl="0" eaLnBrk="1" latinLnBrk="0" hangingPunct="1">
-              <a:defRPr sz="1800" kern="1200">
-                <a:solidFill>
-                  <a:schemeClr val="tx1"/>
-                </a:solidFill>
-                <a:latin typeface="+mn-lt"/>
-                <a:ea typeface="+mn-ea"/>
-                <a:cs typeface="+mn-cs"/>
-              </a:defRPr>
-            </a:lvl5pPr>
-            <a:lvl6pPr marL="2286000" algn="l" defTabSz="914400" rtl="0" eaLnBrk="1" latinLnBrk="0" hangingPunct="1">
-              <a:defRPr sz="1800" kern="1200">
-                <a:solidFill>
-                  <a:schemeClr val="tx1"/>
-                </a:solidFill>
-                <a:latin typeface="+mn-lt"/>
-                <a:ea typeface="+mn-ea"/>
-                <a:cs typeface="+mn-cs"/>
-              </a:defRPr>
-            </a:lvl6pPr>
-            <a:lvl7pPr marL="2743200" algn="l" defTabSz="914400" rtl="0" eaLnBrk="1" latinLnBrk="0" hangingPunct="1">
-              <a:defRPr sz="1800" kern="1200">
-                <a:solidFill>
-                  <a:schemeClr val="tx1"/>
-                </a:solidFill>
-                <a:latin typeface="+mn-lt"/>
-                <a:ea typeface="+mn-ea"/>
-                <a:cs typeface="+mn-cs"/>
-              </a:defRPr>
-            </a:lvl7pPr>
-            <a:lvl8pPr marL="3200400" algn="l" defTabSz="914400" rtl="0" eaLnBrk="1" latinLnBrk="0" hangingPunct="1">
-              <a:defRPr sz="1800" kern="1200">
-                <a:solidFill>
-                  <a:schemeClr val="tx1"/>
-                </a:solidFill>
-                <a:latin typeface="+mn-lt"/>
-                <a:ea typeface="+mn-ea"/>
-                <a:cs typeface="+mn-cs"/>
-              </a:defRPr>
-            </a:lvl8pPr>
-            <a:lvl9pPr marL="3657600" algn="l" defTabSz="914400" rtl="0" eaLnBrk="1" latinLnBrk="0" hangingPunct="1">
-              <a:defRPr sz="1800" kern="1200">
-                <a:solidFill>
-                  <a:schemeClr val="tx1"/>
-                </a:solidFill>
-                <a:latin typeface="+mn-lt"/>
-                <a:ea typeface="+mn-ea"/>
-                <a:cs typeface="+mn-cs"/>
-              </a:defRPr>
-            </a:lvl9pPr>
-          </a:lstStyle>
-          <a:p>
-            <a:fld id="{2BF067CD-8E6B-4360-9AA8-C5DF2A48A6D1}" type="slidenum">
-              <a:rPr lang="en-US" smtClean="0"/>
-              <a:pPr/>
-              <a:t>2</a:t>
-            </a:fld>
-            <a:endParaRPr lang="en-US"/>
-          </a:p>
-        </p:txBody>
-      </p:sp>
-    </p:spTree>
-    <p:extLst>
-      <p:ext uri="{BB962C8B-B14F-4D97-AF65-F5344CB8AC3E}">
-        <p14:creationId xmlns:p14="http://schemas.microsoft.com/office/powerpoint/2010/main" val="1760688199"/>
-      </p:ext>
-    </p:extLst>
-  </p:cSld>
-  <p:clrMapOvr>
-    <a:masterClrMapping/>
-  </p:clrMapOvr>
-  <mc:AlternateContent xmlns:mc="http://schemas.openxmlformats.org/markup-compatibility/2006" xmlns:p14="http://schemas.microsoft.com/office/powerpoint/2010/main">
-    <mc:Choice Requires="p14">
-      <p:transition spd="slow" p14:dur="2000" advClick="0" advTm="5000"/>
-    </mc:Choice>
-    <mc:Fallback xmlns="">
-      <p:transition spd="slow" advClick="0" advTm="5000"/>
-    </mc:Fallback>
-  </mc:AlternateContent>
-  <p:timing>
-    <p:tnLst>
-      <p:par>
-        <p:cTn id="1" dur="indefinite" restart="never" nodeType="tmRoot">
-          <p:childTnLst>
-            <p:seq concurrent="1" nextAc="seek">
-              <p:cTn id="2" dur="indefinite" nodeType="mainSeq">
-                <p:childTnLst>
-                  <p:par>
-                    <p:cTn id="3" fill="hold">
-                      <p:stCondLst>
-                        <p:cond delay="indefinite"/>
-                      </p:stCondLst>
-                      <p:childTnLst>
-                        <p:par>
-                          <p:cTn id="4" fill="hold">
-                            <p:stCondLst>
-                              <p:cond delay="0"/>
-                            </p:stCondLst>
-                            <p:childTnLst>
-                              <p:par>
-                                <p:cTn id="5" presetID="1" presetClass="entr" presetSubtype="0" fill="hold" nodeType="clickEffect">
-                                  <p:stCondLst>
-                                    <p:cond delay="0"/>
-                                  </p:stCondLst>
-                                  <p:childTnLst>
-                                    <p:set>
-                                      <p:cBhvr>
-                                        <p:cTn id="6" dur="1" fill="hold">
-                                          <p:stCondLst>
-                                            <p:cond delay="0"/>
-                                          </p:stCondLst>
-                                        </p:cTn>
-                                        <p:tgtEl>
-                                          <p:spTgt spid="3">
-                                            <p:txEl>
-                                              <p:pRg st="1" end="1"/>
-                                            </p:txEl>
-                                          </p:spTgt>
-                                        </p:tgtEl>
-                                        <p:attrNameLst>
-                                          <p:attrName>style.visibility</p:attrName>
-                                        </p:attrNameLst>
-                                      </p:cBhvr>
-                                      <p:to>
-                                        <p:strVal val="visible"/>
-                                      </p:to>
-                                    </p:set>
-                                  </p:childTnLst>
-                                </p:cTn>
-                              </p:par>
-                            </p:childTnLst>
-                          </p:cTn>
-                        </p:par>
-                      </p:childTnLst>
-                    </p:cTn>
-                  </p:par>
-                  <p:par>
-                    <p:cTn id="7" fill="hold">
-                      <p:stCondLst>
-                        <p:cond delay="indefinite"/>
-                      </p:stCondLst>
-                      <p:childTnLst>
-                        <p:par>
-                          <p:cTn id="8" fill="hold">
-                            <p:stCondLst>
-                              <p:cond delay="0"/>
-                            </p:stCondLst>
-                            <p:childTnLst>
-                              <p:par>
-                                <p:cTn id="9" presetID="1" presetClass="entr" presetSubtype="0" fill="hold" nodeType="clickEffect">
-                                  <p:stCondLst>
-                                    <p:cond delay="0"/>
-                                  </p:stCondLst>
-                                  <p:childTnLst>
-                                    <p:set>
-                                      <p:cBhvr>
-                                        <p:cTn id="10" dur="1" fill="hold">
-                                          <p:stCondLst>
-                                            <p:cond delay="0"/>
-                                          </p:stCondLst>
-                                        </p:cTn>
-                                        <p:tgtEl>
-                                          <p:spTgt spid="3">
-                                            <p:txEl>
-                                              <p:pRg st="2" end="2"/>
-                                            </p:txEl>
-                                          </p:spTgt>
-                                        </p:tgtEl>
-                                        <p:attrNameLst>
-                                          <p:attrName>style.visibility</p:attrName>
-                                        </p:attrNameLst>
-                                      </p:cBhvr>
-                                      <p:to>
-                                        <p:strVal val="visible"/>
-                                      </p:to>
-                                    </p:set>
-                                  </p:childTnLst>
-                                </p:cTn>
-                              </p:par>
-                            </p:childTnLst>
-                          </p:cTn>
-                        </p:par>
-                      </p:childTnLst>
-                    </p:cTn>
-                  </p:par>
-                  <p:par>
-                    <p:cTn id="11" fill="hold">
-                      <p:stCondLst>
-                        <p:cond delay="indefinite"/>
-                      </p:stCondLst>
-                      <p:childTnLst>
-                        <p:par>
-                          <p:cTn id="12" fill="hold">
-                            <p:stCondLst>
-                              <p:cond delay="0"/>
-                            </p:stCondLst>
-                            <p:childTnLst>
-                              <p:par>
-                                <p:cTn id="13" presetID="1" presetClass="entr" presetSubtype="0" fill="hold" nodeType="clickEffect">
-                                  <p:stCondLst>
-                                    <p:cond delay="0"/>
-                                  </p:stCondLst>
-                                  <p:childTnLst>
-                                    <p:set>
-                                      <p:cBhvr>
-                                        <p:cTn id="14" dur="1" fill="hold">
-                                          <p:stCondLst>
-                                            <p:cond delay="0"/>
-                                          </p:stCondLst>
-                                        </p:cTn>
-                                        <p:tgtEl>
-                                          <p:spTgt spid="3">
-                                            <p:txEl>
-                                              <p:pRg st="3" end="3"/>
-                                            </p:txEl>
-                                          </p:spTgt>
-                                        </p:tgtEl>
-                                        <p:attrNameLst>
-                                          <p:attrName>style.visibility</p:attrName>
-                                        </p:attrNameLst>
-                                      </p:cBhvr>
-                                      <p:to>
-                                        <p:strVal val="visible"/>
-                                      </p:to>
-                                    </p:set>
-                                  </p:childTnLst>
-                                </p:cTn>
-                              </p:par>
-                            </p:childTnLst>
-                          </p:cTn>
-                        </p:par>
-                      </p:childTnLst>
-                    </p:cTn>
-                  </p:par>
-                  <p:par>
-                    <p:cTn id="15" fill="hold">
-                      <p:stCondLst>
-                        <p:cond delay="indefinite"/>
-                      </p:stCondLst>
-                      <p:childTnLst>
-                        <p:par>
-                          <p:cTn id="16" fill="hold">
-                            <p:stCondLst>
-                              <p:cond delay="0"/>
-                            </p:stCondLst>
-                            <p:childTnLst>
-                              <p:par>
-                                <p:cTn id="17" presetID="1" presetClass="entr" presetSubtype="0" fill="hold" nodeType="clickEffect">
-                                  <p:stCondLst>
-                                    <p:cond delay="0"/>
-                                  </p:stCondLst>
-                                  <p:childTnLst>
-                                    <p:set>
-                                      <p:cBhvr>
-                                        <p:cTn id="18" dur="1" fill="hold">
-                                          <p:stCondLst>
-                                            <p:cond delay="0"/>
-                                          </p:stCondLst>
-                                        </p:cTn>
-                                        <p:tgtEl>
-                                          <p:spTgt spid="3">
-                                            <p:txEl>
-                                              <p:pRg st="4" end="4"/>
-                                            </p:txEl>
-                                          </p:spTgt>
-                                        </p:tgtEl>
-                                        <p:attrNameLst>
-                                          <p:attrName>style.visibility</p:attrName>
-                                        </p:attrNameLst>
-                                      </p:cBhvr>
-                                      <p:to>
-                                        <p:strVal val="visible"/>
-                                      </p:to>
-                                    </p:set>
-                                  </p:childTnLst>
-                                </p:cTn>
-                              </p:par>
-                            </p:childTnLst>
-                          </p:cTn>
-                        </p:par>
-                      </p:childTnLst>
-                    </p:cTn>
-                  </p:par>
-                  <p:par>
-                    <p:cTn id="19" fill="hold">
-                      <p:stCondLst>
-                        <p:cond delay="indefinite"/>
-                      </p:stCondLst>
-                      <p:childTnLst>
-                        <p:par>
-                          <p:cTn id="20" fill="hold">
-                            <p:stCondLst>
-                              <p:cond delay="0"/>
-                            </p:stCondLst>
-                            <p:childTnLst>
-                              <p:par>
-                                <p:cTn id="21" presetID="1" presetClass="entr" presetSubtype="0" fill="hold" nodeType="clickEffect">
-                                  <p:stCondLst>
-                                    <p:cond delay="0"/>
-                                  </p:stCondLst>
-                                  <p:childTnLst>
-                                    <p:set>
-                                      <p:cBhvr>
-                                        <p:cTn id="22" dur="1" fill="hold">
-                                          <p:stCondLst>
-                                            <p:cond delay="0"/>
-                                          </p:stCondLst>
-                                        </p:cTn>
-                                        <p:tgtEl>
-                                          <p:spTgt spid="3">
-                                            <p:txEl>
-                                              <p:pRg st="5" end="5"/>
-                                            </p:txEl>
-                                          </p:spTgt>
-                                        </p:tgtEl>
-                                        <p:attrNameLst>
-                                          <p:attrName>style.visibility</p:attrName>
-                                        </p:attrNameLst>
-                                      </p:cBhvr>
-                                      <p:to>
-                                        <p:strVal val="visible"/>
-                                      </p:to>
-                                    </p:set>
-                                  </p:childTnLst>
-                                </p:cTn>
-                              </p:par>
-                            </p:childTnLst>
-                          </p:cTn>
-                        </p:par>
-                      </p:childTnLst>
-                    </p:cTn>
-                  </p:par>
-                </p:childTnLst>
-              </p:cTn>
-              <p:prevCondLst>
-                <p:cond evt="onPrev" delay="0">
-                  <p:tgtEl>
-                    <p:sldTgt/>
-                  </p:tgtEl>
-                </p:cond>
-              </p:prevCondLst>
-              <p:nextCondLst>
-                <p:cond evt="onNext" delay="0">
-                  <p:tgtEl>
-                    <p:sldTgt/>
-                  </p:tgtEl>
-                </p:cond>
-              </p:nextCondLst>
-            </p:seq>
-          </p:childTnLst>
-        </p:cTn>
-      </p:par>
-    </p:tnLst>
-  </p:timing>
-</p:sld>
-</file>
-
-<file path=ppt/slides/slide20.xml><?xml version="1.0" encoding="utf-8"?>
+<file path=ppt/slides/slide21.xml><?xml version="1.0" encoding="utf-8"?>
 <p:sld xmlns:a="http://schemas.openxmlformats.org/drawingml/2006/main" xmlns:r="http://schemas.openxmlformats.org/officeDocument/2006/relationships" xmlns:p="http://schemas.openxmlformats.org/presentationml/2006/main">
   <p:cSld>
     <p:spTree>
@@ -21696,18 +20632,18 @@
           <a:lstStyle/>
           <a:p>
             <a:r>
-              <a:rPr lang="bg-BG"/>
+              <a:rPr lang="bg-BG" dirty="0"/>
               <a:t>Решение</a:t>
             </a:r>
             <a:r>
-              <a:rPr lang="en-US"/>
+              <a:rPr lang="en-US" dirty="0"/>
               <a:t>: </a:t>
             </a:r>
             <a:r>
-              <a:rPr lang="en-US" sz="4000"/>
+              <a:rPr lang="en-US" sz="4000" dirty="0"/>
               <a:t>Валидация на имейл</a:t>
             </a:r>
-            <a:endParaRPr lang="en-US"/>
+            <a:endParaRPr lang="en-US" dirty="0"/>
           </a:p>
         </p:txBody>
       </p:sp>
@@ -21966,7 +20902,7 @@
               <a:t> </a:t>
             </a:r>
             <a:r>
-              <a:rPr lang="en-US" sz="3150" b="1">
+              <a:rPr lang="en-US" sz="3150" b="1" dirty="0">
                 <a:solidFill>
                   <a:schemeClr val="bg2"/>
                 </a:solidFill>
@@ -21985,7 +20921,7 @@
               </a:rPr>
               <a:t>"@"</a:t>
             </a:r>
-            <a:endParaRPr lang="bg-BG" sz="3150" b="1">
+            <a:endParaRPr lang="bg-BG" sz="3150" b="1" dirty="0">
               <a:solidFill>
                 <a:schemeClr val="bg1">
                   <a:lumMod val="60000"/>
@@ -22085,36 +21021,12 @@
               <a:t> </a:t>
             </a:r>
             <a:r>
-              <a:rPr lang="en-US" sz="3150" b="1" dirty="0" err="1">
+              <a:rPr lang="en-US" sz="3150" b="1" dirty="0">
                 <a:solidFill>
                   <a:schemeClr val="bg2"/>
                 </a:solidFill>
               </a:rPr>
-              <a:t>търси</a:t>
-            </a:r>
-            <a:r>
-              <a:rPr lang="en-US" sz="3150" b="1" dirty="0">
-                <a:solidFill>
-                  <a:schemeClr val="bg2"/>
-                </a:solidFill>
-              </a:rPr>
-              <a:t> </a:t>
-            </a:r>
-            <a:r>
-              <a:rPr lang="en-US" sz="3150" b="1" dirty="0" err="1">
-                <a:solidFill>
-                  <a:schemeClr val="bg2"/>
-                </a:solidFill>
-              </a:rPr>
-              <a:t>символа</a:t>
-            </a:r>
-            <a:r>
-              <a:rPr lang="en-US" sz="3150" b="1" dirty="0">
-                <a:solidFill>
-                  <a:schemeClr val="bg2"/>
-                </a:solidFill>
-              </a:rPr>
-              <a:t> </a:t>
+              <a:t>търси символа </a:t>
             </a:r>
             <a:r>
               <a:rPr lang="en-US" sz="3150" b="1" noProof="1">
@@ -22227,12 +21139,20 @@
               <a:t> </a:t>
             </a:r>
             <a:r>
-              <a:rPr lang="en-US" sz="3150" b="1" dirty="0" err="1">
+              <a:rPr lang="en-US" sz="3150" b="1" dirty="0">
                 <a:solidFill>
                   <a:schemeClr val="bg2"/>
                 </a:solidFill>
               </a:rPr>
-              <a:t>търси</a:t>
+              <a:t>търси </a:t>
+            </a:r>
+            <a:r>
+              <a:rPr lang="bg-BG" sz="3150" b="1" dirty="0">
+                <a:solidFill>
+                  <a:schemeClr val="bg2"/>
+                </a:solidFill>
+              </a:rPr>
+              <a:t>по</a:t>
             </a:r>
             <a:r>
               <a:rPr lang="en-US" sz="3150" b="1" dirty="0">
@@ -22240,55 +21160,7 @@
                   <a:schemeClr val="bg2"/>
                 </a:solidFill>
               </a:rPr>
-              <a:t> </a:t>
-            </a:r>
-            <a:r>
-              <a:rPr lang="bg-BG" sz="3150" b="1" dirty="0">
-                <a:solidFill>
-                  <a:schemeClr val="bg2"/>
-                </a:solidFill>
-              </a:rPr>
-              <a:t>по</a:t>
-            </a:r>
-            <a:r>
-              <a:rPr lang="en-US" sz="3150" b="1" dirty="0" err="1">
-                <a:solidFill>
-                  <a:schemeClr val="bg2"/>
-                </a:solidFill>
-              </a:rPr>
-              <a:t>редица</a:t>
-            </a:r>
-            <a:r>
-              <a:rPr lang="en-US" sz="3150" b="1" dirty="0">
-                <a:solidFill>
-                  <a:schemeClr val="bg2"/>
-                </a:solidFill>
-              </a:rPr>
-              <a:t> </a:t>
-            </a:r>
-            <a:r>
-              <a:rPr lang="en-US" sz="3150" b="1" dirty="0" err="1">
-                <a:solidFill>
-                  <a:schemeClr val="bg2"/>
-                </a:solidFill>
-              </a:rPr>
-              <a:t>от</a:t>
-            </a:r>
-            <a:r>
-              <a:rPr lang="en-US" sz="3150" b="1" dirty="0">
-                <a:solidFill>
-                  <a:schemeClr val="bg2"/>
-                </a:solidFill>
-              </a:rPr>
-              <a:t> </a:t>
-            </a:r>
-            <a:r>
-              <a:rPr lang="en-US" sz="3150" b="1" dirty="0" err="1">
-                <a:solidFill>
-                  <a:schemeClr val="bg2"/>
-                </a:solidFill>
-              </a:rPr>
-              <a:t>букви</a:t>
+              <a:t>редица от букви</a:t>
             </a:r>
             <a:endParaRPr lang="bg-BG" sz="3199" b="1" dirty="0">
               <a:solidFill>
@@ -22394,92 +21266,14 @@
               <a:t>д</a:t>
             </a:r>
             <a:r>
-              <a:rPr lang="en-US" sz="3150" b="1" dirty="0" err="1">
+              <a:rPr lang="en-US" sz="3150" b="1" dirty="0">
                 <a:solidFill>
                   <a:schemeClr val="bg2"/>
                 </a:solidFill>
                 <a:cs typeface="Calibri"/>
               </a:rPr>
-              <a:t>обавя</a:t>
-            </a:r>
-            <a:r>
-              <a:rPr lang="en-US" sz="3150" b="1" dirty="0">
-                <a:solidFill>
-                  <a:schemeClr val="bg2"/>
-                </a:solidFill>
-                <a:cs typeface="Calibri"/>
-              </a:rPr>
-              <a:t> </a:t>
-            </a:r>
-            <a:r>
-              <a:rPr lang="en-US" sz="3150" b="1" dirty="0" err="1">
-                <a:solidFill>
-                  <a:schemeClr val="bg2"/>
-                </a:solidFill>
-                <a:cs typeface="Calibri"/>
-              </a:rPr>
-              <a:t>начална</a:t>
-            </a:r>
-            <a:r>
-              <a:rPr lang="en-US" sz="3150" b="1" dirty="0">
-                <a:solidFill>
-                  <a:schemeClr val="bg2"/>
-                </a:solidFill>
-                <a:cs typeface="Calibri"/>
-              </a:rPr>
-              <a:t> </a:t>
-            </a:r>
-            <a:r>
-              <a:rPr lang="en-US" sz="3150" b="1" dirty="0" err="1">
-                <a:solidFill>
-                  <a:schemeClr val="bg2"/>
-                </a:solidFill>
-                <a:cs typeface="Calibri"/>
-              </a:rPr>
-              <a:t>позиция</a:t>
-            </a:r>
-            <a:r>
-              <a:rPr lang="en-US" sz="3150" b="1" dirty="0">
-                <a:solidFill>
-                  <a:schemeClr val="bg2"/>
-                </a:solidFill>
-                <a:cs typeface="Calibri"/>
-              </a:rPr>
-              <a:t> </a:t>
-            </a:r>
-            <a:r>
-              <a:rPr lang="en-US" sz="3150" b="1" dirty="0" err="1">
-                <a:solidFill>
-                  <a:schemeClr val="bg2"/>
-                </a:solidFill>
-                <a:cs typeface="Calibri"/>
-              </a:rPr>
-              <a:t>на</a:t>
-            </a:r>
-            <a:r>
-              <a:rPr lang="en-US" sz="3150" b="1" dirty="0">
-                <a:solidFill>
-                  <a:schemeClr val="bg2"/>
-                </a:solidFill>
-                <a:cs typeface="Calibri"/>
-              </a:rPr>
-              <a:t> </a:t>
-            </a:r>
-            <a:r>
-              <a:rPr lang="en-US" sz="3150" b="1" dirty="0" err="1">
-                <a:solidFill>
-                  <a:schemeClr val="bg2"/>
-                </a:solidFill>
-                <a:cs typeface="Calibri"/>
-              </a:rPr>
-              <a:t>израза</a:t>
-            </a:r>
-            <a:endParaRPr lang="en-US" sz="3150" b="1" dirty="0">
-              <a:solidFill>
-                <a:schemeClr val="bg2"/>
-              </a:solidFill>
-              <a:cs typeface="Calibri"/>
-            </a:endParaRPr>
+              <a:t>обавя начална позиция на израза</a:t>
+            </a:r>
           </a:p>
         </p:txBody>
       </p:sp>
@@ -22570,14 +21364,14 @@
               <a:t> </a:t>
             </a:r>
             <a:r>
-              <a:rPr lang="en-US" sz="3150" b="1">
+              <a:rPr lang="en-US" sz="3150" b="1" dirty="0">
                 <a:solidFill>
                   <a:schemeClr val="bg2"/>
                 </a:solidFill>
               </a:rPr>
               <a:t>търси къде е приключил низът</a:t>
             </a:r>
-            <a:endParaRPr lang="en-US" sz="3150" b="1">
+            <a:endParaRPr lang="en-US" sz="3150" b="1" dirty="0">
               <a:solidFill>
                 <a:schemeClr val="bg2"/>
               </a:solidFill>
@@ -22947,36 +21741,12 @@
               <a:t> </a:t>
             </a:r>
             <a:r>
-              <a:rPr lang="en-US" sz="3150" b="1" dirty="0" err="1">
+              <a:rPr lang="en-US" sz="3150" b="1" dirty="0">
                 <a:solidFill>
                   <a:schemeClr val="bg2"/>
                 </a:solidFill>
               </a:rPr>
-              <a:t>търси</a:t>
-            </a:r>
-            <a:r>
-              <a:rPr lang="en-US" sz="3150" b="1" dirty="0">
-                <a:solidFill>
-                  <a:schemeClr val="bg2"/>
-                </a:solidFill>
-              </a:rPr>
-              <a:t> </a:t>
-            </a:r>
-            <a:r>
-              <a:rPr lang="en-US" sz="3150" b="1" dirty="0" err="1">
-                <a:solidFill>
-                  <a:schemeClr val="bg2"/>
-                </a:solidFill>
-              </a:rPr>
-              <a:t>думи</a:t>
-            </a:r>
-            <a:r>
-              <a:rPr lang="en-US" sz="3150" b="1" dirty="0">
-                <a:solidFill>
-                  <a:schemeClr val="bg2"/>
-                </a:solidFill>
-              </a:rPr>
-              <a:t> + "."</a:t>
+              <a:t>търси думи + "."</a:t>
             </a:r>
             <a:endParaRPr lang="bg-BG" sz="3150" b="1" dirty="0">
               <a:solidFill>
@@ -23022,9 +21792,9 @@
             <a:fld id="{2BF067CD-8E6B-4360-9AA8-C5DF2A48A6D1}" type="slidenum">
               <a:rPr lang="en-US" noProof="0" smtClean="0"/>
               <a:pPr/>
-              <a:t>20</a:t>
+              <a:t>21</a:t>
             </a:fld>
-            <a:endParaRPr lang="en-US" noProof="0"/>
+            <a:endParaRPr lang="en-US" noProof="0" dirty="0"/>
           </a:p>
         </p:txBody>
       </p:sp>
@@ -23403,7 +22173,7 @@
 </p:sld>
 </file>
 
-<file path=ppt/slides/slide21.xml><?xml version="1.0" encoding="utf-8"?>
+<file path=ppt/slides/slide22.xml><?xml version="1.0" encoding="utf-8"?>
 <p:sld xmlns:a="http://schemas.openxmlformats.org/drawingml/2006/main" xmlns:r="http://schemas.openxmlformats.org/officeDocument/2006/relationships" xmlns:p="http://schemas.openxmlformats.org/presentationml/2006/main">
   <p:cSld>
     <p:spTree>
@@ -23470,22 +22240,10 @@
           <a:lstStyle/>
           <a:p>
             <a:r>
-              <a:rPr lang="en-GB" sz="5350" dirty="0" err="1">
-                <a:cs typeface="Arial"/>
-              </a:rPr>
-              <a:t>Обратни</a:t>
-            </a:r>
-            <a:r>
               <a:rPr lang="en-GB" sz="5350" dirty="0">
                 <a:cs typeface="Arial"/>
               </a:rPr>
-              <a:t> </a:t>
-            </a:r>
-            <a:r>
-              <a:rPr lang="en-GB" sz="5350" dirty="0" err="1">
-                <a:cs typeface="Arial"/>
-              </a:rPr>
-              <a:t>референции</a:t>
+              <a:t>Обратни референции</a:t>
             </a:r>
             <a:endParaRPr lang="bg-BG" dirty="0"/>
           </a:p>
@@ -23687,7 +22445,7 @@
           </a:lstStyle>
           <a:p>
             <a:r>
-              <a:rPr lang="en-US" sz="19894">
+              <a:rPr lang="en-US" sz="19894" dirty="0">
                 <a:solidFill>
                   <a:schemeClr val="bg2"/>
                 </a:solidFill>
@@ -23719,7 +22477,7 @@
 </p:sld>
 </file>
 
-<file path=ppt/slides/slide22.xml><?xml version="1.0" encoding="utf-8"?>
+<file path=ppt/slides/slide23.xml><?xml version="1.0" encoding="utf-8"?>
 <p:sld xmlns:a="http://schemas.openxmlformats.org/drawingml/2006/main" xmlns:r="http://schemas.openxmlformats.org/officeDocument/2006/relationships" xmlns:p="http://schemas.openxmlformats.org/presentationml/2006/main">
   <p:cSld>
     <p:spTree>
@@ -23760,9 +22518,9 @@
             <a:fld id="{2BF067CD-8E6B-4360-9AA8-C5DF2A48A6D1}" type="slidenum">
               <a:rPr lang="en-US" noProof="0" smtClean="0"/>
               <a:pPr/>
-              <a:t>22</a:t>
+              <a:t>23</a:t>
             </a:fld>
-            <a:endParaRPr lang="en-US" noProof="0"/>
+            <a:endParaRPr lang="en-US" noProof="0" dirty="0"/>
           </a:p>
         </p:txBody>
       </p:sp>
@@ -24027,7 +22785,7 @@
 </p:sld>
 </file>
 
-<file path=ppt/slides/slide23.xml><?xml version="1.0" encoding="utf-8"?>
+<file path=ppt/slides/slide24.xml><?xml version="1.0" encoding="utf-8"?>
 <p:sld xmlns:a="http://schemas.openxmlformats.org/drawingml/2006/main" xmlns:r="http://schemas.openxmlformats.org/officeDocument/2006/relationships" xmlns:p="http://schemas.openxmlformats.org/presentationml/2006/main">
   <p:cSld>
     <p:spTree>
@@ -24518,9 +23276,9 @@
             <a:fld id="{2BF067CD-8E6B-4360-9AA8-C5DF2A48A6D1}" type="slidenum">
               <a:rPr lang="en-US" noProof="0" smtClean="0"/>
               <a:pPr/>
-              <a:t>23</a:t>
+              <a:t>24</a:t>
             </a:fld>
-            <a:endParaRPr lang="en-US" noProof="0"/>
+            <a:endParaRPr lang="en-US" noProof="0" dirty="0"/>
           </a:p>
         </p:txBody>
       </p:sp>
@@ -24896,7 +23654,7 @@
 </p:sld>
 </file>
 
-<file path=ppt/slides/slide24.xml><?xml version="1.0" encoding="utf-8"?>
+<file path=ppt/slides/slide25.xml><?xml version="1.0" encoding="utf-8"?>
 <p:sld xmlns:a="http://schemas.openxmlformats.org/drawingml/2006/main" xmlns:r="http://schemas.openxmlformats.org/officeDocument/2006/relationships" xmlns:p="http://schemas.openxmlformats.org/presentationml/2006/main">
   <p:cSld>
     <p:spTree>
@@ -24940,28 +23698,10 @@
           <a:lstStyle/>
           <a:p>
             <a:r>
-              <a:rPr lang="en-GB" sz="5350" err="1">
+              <a:rPr lang="en-GB" sz="5350" dirty="0">
                 <a:cs typeface="Arial"/>
               </a:rPr>
-              <a:t>Използване</a:t>
-            </a:r>
-            <a:r>
-              <a:rPr lang="en-GB" sz="5350">
-                <a:cs typeface="Arial"/>
-              </a:rPr>
-              <a:t> </a:t>
-            </a:r>
-            <a:r>
-              <a:rPr lang="en-GB" sz="5350" err="1">
-                <a:cs typeface="Arial"/>
-              </a:rPr>
-              <a:t>на</a:t>
-            </a:r>
-            <a:r>
-              <a:rPr lang="en-GB" sz="5350">
-                <a:cs typeface="Arial"/>
-              </a:rPr>
-              <a:t> .NET вграден регекс клас</a:t>
+              <a:t>Използване на .NET вграден регекс клас</a:t>
             </a:r>
           </a:p>
         </p:txBody>
@@ -25012,7 +23752,7 @@
 </p:sld>
 </file>
 
-<file path=ppt/slides/slide25.xml><?xml version="1.0" encoding="utf-8"?>
+<file path=ppt/slides/slide26.xml><?xml version="1.0" encoding="utf-8"?>
 <p:sld xmlns:a="http://schemas.openxmlformats.org/drawingml/2006/main" xmlns:r="http://schemas.openxmlformats.org/officeDocument/2006/relationships" xmlns:p="http://schemas.openxmlformats.org/presentationml/2006/main">
   <p:cSld>
     <p:spTree>
@@ -25117,7 +23857,7 @@
           <a:lstStyle/>
           <a:p>
             <a:r>
-              <a:rPr lang="en-US" sz="3950"/>
+              <a:rPr lang="en-US" sz="3950" dirty="0"/>
               <a:t>Регекс в C#</a:t>
             </a:r>
           </a:p>
@@ -25316,9 +24056,9 @@
             <a:fld id="{2BF067CD-8E6B-4360-9AA8-C5DF2A48A6D1}" type="slidenum">
               <a:rPr lang="en-US" noProof="0" smtClean="0"/>
               <a:pPr/>
-              <a:t>25</a:t>
+              <a:t>26</a:t>
             </a:fld>
-            <a:endParaRPr lang="en-US" noProof="0"/>
+            <a:endParaRPr lang="en-US" noProof="0" dirty="0"/>
           </a:p>
         </p:txBody>
       </p:sp>
@@ -25674,7 +24414,7 @@
 </p:sld>
 </file>
 
-<file path=ppt/slides/slide26.xml><?xml version="1.0" encoding="utf-8"?>
+<file path=ppt/slides/slide27.xml><?xml version="1.0" encoding="utf-8"?>
 <p:sld xmlns:a="http://schemas.openxmlformats.org/drawingml/2006/main" xmlns:r="http://schemas.openxmlformats.org/officeDocument/2006/relationships" xmlns:p="http://schemas.openxmlformats.org/presentationml/2006/main">
   <p:cSld>
     <p:spTree>
@@ -25775,7 +24515,7 @@
           <a:lstStyle/>
           <a:p>
             <a:r>
-              <a:rPr lang="en-US" sz="3950"/>
+              <a:rPr lang="en-US" sz="3950" dirty="0"/>
               <a:t>Валидация на низ по шаблон</a:t>
             </a:r>
           </a:p>
@@ -25993,9 +24733,9 @@
             <a:fld id="{2BF067CD-8E6B-4360-9AA8-C5DF2A48A6D1}" type="slidenum">
               <a:rPr lang="en-US" noProof="0" smtClean="0"/>
               <a:pPr/>
-              <a:t>26</a:t>
+              <a:t>27</a:t>
             </a:fld>
-            <a:endParaRPr lang="en-US" noProof="0"/>
+            <a:endParaRPr lang="en-US" noProof="0" dirty="0"/>
           </a:p>
         </p:txBody>
       </p:sp>
@@ -26289,7 +25029,7 @@
 </p:sld>
 </file>
 
-<file path=ppt/slides/slide27.xml><?xml version="1.0" encoding="utf-8"?>
+<file path=ppt/slides/slide28.xml><?xml version="1.0" encoding="utf-8"?>
 <p:sld xmlns:a="http://schemas.openxmlformats.org/drawingml/2006/main" xmlns:r="http://schemas.openxmlformats.org/officeDocument/2006/relationships" xmlns:p="http://schemas.openxmlformats.org/presentationml/2006/main">
   <p:cSld>
     <p:spTree>
@@ -26342,7 +25082,7 @@
               </a:rPr>
               <a:t>Match(string текст)</a:t>
             </a:r>
-            <a:endParaRPr lang="bg-BG">
+            <a:endParaRPr lang="bg-BG" dirty="0">
               <a:solidFill>
                 <a:schemeClr val="bg1"/>
               </a:solidFill>
@@ -26354,7 +25094,7 @@
               <a:rPr lang="en-US" sz="3400" noProof="1"/>
               <a:t>Връща първото съвпадение</a:t>
             </a:r>
-            <a:endParaRPr lang="en-US"/>
+            <a:endParaRPr lang="en-US" dirty="0"/>
           </a:p>
         </p:txBody>
       </p:sp>
@@ -26376,10 +25116,10 @@
           <a:lstStyle/>
           <a:p>
             <a:r>
-              <a:rPr lang="en-US" sz="3950"/>
+              <a:rPr lang="en-US" sz="3950" dirty="0"/>
               <a:t>Проверяване за един ред</a:t>
             </a:r>
-            <a:endParaRPr lang="en-US"/>
+            <a:endParaRPr lang="en-US" dirty="0"/>
           </a:p>
         </p:txBody>
       </p:sp>
@@ -26650,9 +25390,9 @@
             <a:fld id="{2BF067CD-8E6B-4360-9AA8-C5DF2A48A6D1}" type="slidenum">
               <a:rPr lang="en-US" noProof="0" smtClean="0"/>
               <a:pPr/>
-              <a:t>27</a:t>
+              <a:t>28</a:t>
             </a:fld>
-            <a:endParaRPr lang="en-US" noProof="0"/>
+            <a:endParaRPr lang="en-US" noProof="0" dirty="0"/>
           </a:p>
         </p:txBody>
       </p:sp>
@@ -27039,7 +25779,7 @@
 </p:sld>
 </file>
 
-<file path=ppt/slides/slide28.xml><?xml version="1.0" encoding="utf-8"?>
+<file path=ppt/slides/slide29.xml><?xml version="1.0" encoding="utf-8"?>
 <p:sld xmlns:a="http://schemas.openxmlformats.org/drawingml/2006/main" xmlns:r="http://schemas.openxmlformats.org/officeDocument/2006/relationships" xmlns:p="http://schemas.openxmlformats.org/presentationml/2006/main">
   <p:cSld>
     <p:spTree>
@@ -27120,28 +25860,10 @@
           <a:lstStyle/>
           <a:p>
             <a:r>
-              <a:rPr lang="en-US" sz="3950" dirty="0" err="1">
-                <a:cs typeface="Calibri"/>
-              </a:rPr>
-              <a:t>Проверяване</a:t>
-            </a:r>
-            <a:r>
               <a:rPr lang="en-US" sz="3950" dirty="0">
                 <a:cs typeface="Calibri"/>
               </a:rPr>
-              <a:t> </a:t>
-            </a:r>
-            <a:r>
-              <a:rPr lang="en-US" sz="3950" dirty="0" err="1">
-                <a:cs typeface="Calibri"/>
-              </a:rPr>
-              <a:t>за</a:t>
-            </a:r>
-            <a:r>
-              <a:rPr lang="en-US" sz="3950" dirty="0">
-                <a:cs typeface="Calibri"/>
-              </a:rPr>
-              <a:t> съвпадения</a:t>
+              <a:t>Проверяване за съвпадения</a:t>
             </a:r>
           </a:p>
         </p:txBody>
@@ -27490,9 +26212,9 @@
             <a:fld id="{2BF067CD-8E6B-4360-9AA8-C5DF2A48A6D1}" type="slidenum">
               <a:rPr lang="en-US" noProof="0" smtClean="0"/>
               <a:pPr/>
-              <a:t>28</a:t>
+              <a:t>29</a:t>
             </a:fld>
-            <a:endParaRPr lang="en-US" noProof="0"/>
+            <a:endParaRPr lang="en-US" noProof="0" dirty="0"/>
           </a:p>
         </p:txBody>
       </p:sp>
@@ -27849,7 +26571,332 @@
 </p:sld>
 </file>
 
-<file path=ppt/slides/slide29.xml><?xml version="1.0" encoding="utf-8"?>
+<file path=ppt/slides/slide3.xml><?xml version="1.0" encoding="utf-8"?>
+<p:sld xmlns:a="http://schemas.openxmlformats.org/drawingml/2006/main" xmlns:r="http://schemas.openxmlformats.org/officeDocument/2006/relationships" xmlns:p="http://schemas.openxmlformats.org/presentationml/2006/main">
+  <p:cSld>
+    <p:spTree>
+      <p:nvGrpSpPr>
+        <p:cNvPr id="1" name=""/>
+        <p:cNvGrpSpPr/>
+        <p:nvPr/>
+      </p:nvGrpSpPr>
+      <p:grpSpPr>
+        <a:xfrm>
+          <a:off x="0" y="0"/>
+          <a:ext cx="0" cy="0"/>
+          <a:chOff x="0" y="0"/>
+          <a:chExt cx="0" cy="0"/>
+        </a:xfrm>
+      </p:grpSpPr>
+      <p:sp>
+        <p:nvSpPr>
+          <p:cNvPr id="2" name="Подзаглавие 1">
+            <a:extLst>
+              <a:ext uri="{FF2B5EF4-FFF2-40B4-BE49-F238E27FC236}">
+                <a16:creationId xmlns:a16="http://schemas.microsoft.com/office/drawing/2014/main" id="{14EB79E1-F70E-E4F5-9820-86F0EA7BF30F}"/>
+              </a:ext>
+            </a:extLst>
+          </p:cNvPr>
+          <p:cNvSpPr>
+            <a:spLocks noGrp="1"/>
+          </p:cNvSpPr>
+          <p:nvPr>
+            <p:ph type="subTitle" sz="quarter" idx="11"/>
+          </p:nvPr>
+        </p:nvSpPr>
+        <p:spPr/>
+        <p:txBody>
+          <a:bodyPr/>
+          <a:lstStyle/>
+          <a:p>
+            <a:r>
+              <a:rPr lang="bg-BG" sz="3950" dirty="0">
+                <a:cs typeface="Arial"/>
+              </a:rPr>
+              <a:t>Определение, примери и </a:t>
+            </a:r>
+            <a:r>
+              <a:rPr lang="bg-BG" sz="3950" dirty="0">
+                <a:ea typeface="+mn-lt"/>
+                <a:cs typeface="Arial"/>
+              </a:rPr>
+              <a:t>к</a:t>
+            </a:r>
+            <a:r>
+              <a:rPr lang="bg-BG" sz="3950" dirty="0">
+                <a:ea typeface="+mn-lt"/>
+                <a:cs typeface="+mn-lt"/>
+              </a:rPr>
+              <a:t>ласове на символи</a:t>
+            </a:r>
+            <a:endParaRPr lang="bg-BG" dirty="0"/>
+          </a:p>
+        </p:txBody>
+      </p:sp>
+      <p:sp>
+        <p:nvSpPr>
+          <p:cNvPr id="3" name="Заглавие 2">
+            <a:extLst>
+              <a:ext uri="{FF2B5EF4-FFF2-40B4-BE49-F238E27FC236}">
+                <a16:creationId xmlns:a16="http://schemas.microsoft.com/office/drawing/2014/main" id="{4263F84E-8578-C3EA-32A1-EF92AE0F9106}"/>
+              </a:ext>
+            </a:extLst>
+          </p:cNvPr>
+          <p:cNvSpPr>
+            <a:spLocks noGrp="1"/>
+          </p:cNvSpPr>
+          <p:nvPr>
+            <p:ph type="title" sz="quarter" idx="10"/>
+          </p:nvPr>
+        </p:nvSpPr>
+        <p:spPr/>
+        <p:txBody>
+          <a:bodyPr/>
+          <a:lstStyle/>
+          <a:p>
+            <a:r>
+              <a:rPr lang="en-US" sz="5350" dirty="0">
+                <a:ea typeface="+mj-lt"/>
+                <a:cs typeface="+mj-lt"/>
+              </a:rPr>
+              <a:t>Регулярен израз</a:t>
+            </a:r>
+            <a:endParaRPr lang="bg-BG" sz="5350" b="0" dirty="0">
+              <a:ea typeface="+mj-lt"/>
+              <a:cs typeface="+mj-lt"/>
+            </a:endParaRPr>
+          </a:p>
+        </p:txBody>
+      </p:sp>
+      <p:sp>
+        <p:nvSpPr>
+          <p:cNvPr id="5" name="Text Placeholder 4">
+            <a:extLst>
+              <a:ext uri="{FF2B5EF4-FFF2-40B4-BE49-F238E27FC236}">
+                <a16:creationId xmlns:a16="http://schemas.microsoft.com/office/drawing/2014/main" id="{0AEF80C1-F7EA-AC8F-73EB-0D0AD767D112}"/>
+              </a:ext>
+            </a:extLst>
+          </p:cNvPr>
+          <p:cNvSpPr txBox="1">
+            <a:spLocks/>
+          </p:cNvSpPr>
+          <p:nvPr/>
+        </p:nvSpPr>
+        <p:spPr>
+          <a:xfrm>
+            <a:off x="4574063" y="1724704"/>
+            <a:ext cx="3043877" cy="1980684"/>
+          </a:xfrm>
+          <a:prstGeom prst="rect">
+            <a:avLst/>
+          </a:prstGeom>
+        </p:spPr>
+        <p:txBody>
+          <a:bodyPr vert="horz" lIns="107972" tIns="35991" rIns="107972" bIns="35991" rtlCol="0" anchor="ctr">
+            <a:noAutofit/>
+          </a:bodyPr>
+          <a:lstStyle>
+            <a:lvl1pPr marL="0" indent="0" algn="ctr" defTabSz="1218438" rtl="0" eaLnBrk="1" latinLnBrk="1" hangingPunct="1">
+              <a:lnSpc>
+                <a:spcPct val="105000"/>
+              </a:lnSpc>
+              <a:spcBef>
+                <a:spcPts val="600"/>
+              </a:spcBef>
+              <a:spcAft>
+                <a:spcPts val="600"/>
+              </a:spcAft>
+              <a:buFont typeface="Wingdings" panose="05000000000000000000" pitchFamily="2" charset="2"/>
+              <a:buNone/>
+              <a:defRPr sz="3998" b="1" kern="1200" baseline="0">
+                <a:solidFill>
+                  <a:schemeClr val="tx1"/>
+                </a:solidFill>
+                <a:latin typeface="+mn-lt"/>
+                <a:ea typeface="+mn-ea"/>
+                <a:cs typeface="Arial" pitchFamily="34" charset="0"/>
+              </a:defRPr>
+            </a:lvl1pPr>
+            <a:lvl2pPr marL="989981" indent="-380762" algn="l" defTabSz="1218438" rtl="0" eaLnBrk="1" latinLnBrk="1" hangingPunct="1">
+              <a:lnSpc>
+                <a:spcPct val="105000"/>
+              </a:lnSpc>
+              <a:spcBef>
+                <a:spcPts val="600"/>
+              </a:spcBef>
+              <a:spcAft>
+                <a:spcPts val="600"/>
+              </a:spcAft>
+              <a:buFont typeface="Wingdings" panose="05000000000000000000" pitchFamily="2" charset="2"/>
+              <a:buChar char="§"/>
+              <a:defRPr sz="3198" kern="1200">
+                <a:solidFill>
+                  <a:schemeClr val="tx1"/>
+                </a:solidFill>
+                <a:latin typeface="+mn-lt"/>
+                <a:ea typeface="+mn-ea"/>
+                <a:cs typeface="+mn-cs"/>
+              </a:defRPr>
+            </a:lvl2pPr>
+            <a:lvl3pPr marL="1523048" indent="-304610" algn="l" defTabSz="1218438" rtl="0" eaLnBrk="1" latinLnBrk="1" hangingPunct="1">
+              <a:lnSpc>
+                <a:spcPct val="105000"/>
+              </a:lnSpc>
+              <a:spcBef>
+                <a:spcPts val="600"/>
+              </a:spcBef>
+              <a:spcAft>
+                <a:spcPts val="600"/>
+              </a:spcAft>
+              <a:buFont typeface="Wingdings" panose="05000000000000000000" pitchFamily="2" charset="2"/>
+              <a:buChar char="§"/>
+              <a:defRPr sz="2998" kern="1200">
+                <a:solidFill>
+                  <a:schemeClr val="tx1"/>
+                </a:solidFill>
+                <a:latin typeface="+mn-lt"/>
+                <a:ea typeface="+mn-ea"/>
+                <a:cs typeface="+mn-cs"/>
+              </a:defRPr>
+            </a:lvl3pPr>
+            <a:lvl4pPr marL="2132267" indent="-304610" algn="l" defTabSz="1218438" rtl="0" eaLnBrk="1" latinLnBrk="1" hangingPunct="1">
+              <a:lnSpc>
+                <a:spcPct val="105000"/>
+              </a:lnSpc>
+              <a:spcBef>
+                <a:spcPts val="600"/>
+              </a:spcBef>
+              <a:spcAft>
+                <a:spcPts val="600"/>
+              </a:spcAft>
+              <a:buFont typeface="Wingdings" panose="05000000000000000000" pitchFamily="2" charset="2"/>
+              <a:buChar char="§"/>
+              <a:defRPr sz="2798" kern="1200">
+                <a:solidFill>
+                  <a:schemeClr val="tx1"/>
+                </a:solidFill>
+                <a:latin typeface="+mn-lt"/>
+                <a:ea typeface="+mn-ea"/>
+                <a:cs typeface="+mn-cs"/>
+              </a:defRPr>
+            </a:lvl4pPr>
+            <a:lvl5pPr marL="2741485" indent="-304610" algn="l" defTabSz="1218438" rtl="0" eaLnBrk="1" latinLnBrk="1" hangingPunct="1">
+              <a:lnSpc>
+                <a:spcPct val="105000"/>
+              </a:lnSpc>
+              <a:spcBef>
+                <a:spcPts val="600"/>
+              </a:spcBef>
+              <a:spcAft>
+                <a:spcPts val="600"/>
+              </a:spcAft>
+              <a:buFont typeface="Wingdings" panose="05000000000000000000" pitchFamily="2" charset="2"/>
+              <a:buChar char="§"/>
+              <a:defRPr sz="2598" kern="1200">
+                <a:solidFill>
+                  <a:schemeClr val="tx1"/>
+                </a:solidFill>
+                <a:latin typeface="+mn-lt"/>
+                <a:ea typeface="+mn-ea"/>
+                <a:cs typeface="+mn-cs"/>
+              </a:defRPr>
+            </a:lvl5pPr>
+            <a:lvl6pPr marL="3350704" indent="-304610" algn="l" defTabSz="1218438" rtl="0" eaLnBrk="1" latinLnBrk="1" hangingPunct="1">
+              <a:spcBef>
+                <a:spcPct val="20000"/>
+              </a:spcBef>
+              <a:buFont typeface="Arial" pitchFamily="34" charset="0"/>
+              <a:buChar char="•"/>
+              <a:defRPr sz="2665" kern="1200">
+                <a:solidFill>
+                  <a:schemeClr val="tx1"/>
+                </a:solidFill>
+                <a:latin typeface="+mn-lt"/>
+                <a:ea typeface="+mn-ea"/>
+                <a:cs typeface="+mn-cs"/>
+              </a:defRPr>
+            </a:lvl6pPr>
+            <a:lvl7pPr marL="3959924" indent="-304610" algn="l" defTabSz="1218438" rtl="0" eaLnBrk="1" latinLnBrk="1" hangingPunct="1">
+              <a:spcBef>
+                <a:spcPct val="20000"/>
+              </a:spcBef>
+              <a:buFont typeface="Arial" pitchFamily="34" charset="0"/>
+              <a:buChar char="•"/>
+              <a:defRPr sz="2665" kern="1200">
+                <a:solidFill>
+                  <a:schemeClr val="tx1"/>
+                </a:solidFill>
+                <a:latin typeface="+mn-lt"/>
+                <a:ea typeface="+mn-ea"/>
+                <a:cs typeface="+mn-cs"/>
+              </a:defRPr>
+            </a:lvl7pPr>
+            <a:lvl8pPr marL="4569143" indent="-304610" algn="l" defTabSz="1218438" rtl="0" eaLnBrk="1" latinLnBrk="1" hangingPunct="1">
+              <a:spcBef>
+                <a:spcPct val="20000"/>
+              </a:spcBef>
+              <a:buFont typeface="Arial" pitchFamily="34" charset="0"/>
+              <a:buChar char="•"/>
+              <a:defRPr sz="2665" kern="1200">
+                <a:solidFill>
+                  <a:schemeClr val="tx1"/>
+                </a:solidFill>
+                <a:latin typeface="+mn-lt"/>
+                <a:ea typeface="+mn-ea"/>
+                <a:cs typeface="+mn-cs"/>
+              </a:defRPr>
+            </a:lvl8pPr>
+            <a:lvl9pPr marL="5178362" indent="-304610" algn="l" defTabSz="1218438" rtl="0" eaLnBrk="1" latinLnBrk="1" hangingPunct="1">
+              <a:spcBef>
+                <a:spcPct val="20000"/>
+              </a:spcBef>
+              <a:buFont typeface="Arial" pitchFamily="34" charset="0"/>
+              <a:buChar char="•"/>
+              <a:defRPr sz="2665" kern="1200">
+                <a:solidFill>
+                  <a:schemeClr val="tx1"/>
+                </a:solidFill>
+                <a:latin typeface="+mn-lt"/>
+                <a:ea typeface="+mn-ea"/>
+                <a:cs typeface="+mn-cs"/>
+              </a:defRPr>
+            </a:lvl9pPr>
+          </a:lstStyle>
+          <a:p>
+            <a:r>
+              <a:rPr lang="en-US" sz="6598" dirty="0">
+                <a:solidFill>
+                  <a:schemeClr val="bg2"/>
+                </a:solidFill>
+                <a:latin typeface="Consolas" panose="020B0609020204030204" pitchFamily="49" charset="0"/>
+              </a:rPr>
+              <a:t>[A-Z]</a:t>
+            </a:r>
+          </a:p>
+        </p:txBody>
+      </p:sp>
+    </p:spTree>
+    <p:extLst>
+      <p:ext uri="{BB962C8B-B14F-4D97-AF65-F5344CB8AC3E}">
+        <p14:creationId xmlns:p14="http://schemas.microsoft.com/office/powerpoint/2010/main" val="3440729030"/>
+      </p:ext>
+    </p:extLst>
+  </p:cSld>
+  <p:clrMapOvr>
+    <a:masterClrMapping/>
+  </p:clrMapOvr>
+  <mc:AlternateContent xmlns:mc="http://schemas.openxmlformats.org/markup-compatibility/2006" xmlns:p14="http://schemas.microsoft.com/office/powerpoint/2010/main">
+    <mc:Choice Requires="p14">
+      <p:transition spd="slow" p14:dur="2000" advClick="0" advTm="5000"/>
+    </mc:Choice>
+    <mc:Fallback xmlns="">
+      <p:transition spd="slow" advClick="0" advTm="5000"/>
+    </mc:Fallback>
+  </mc:AlternateContent>
+</p:sld>
+</file>
+
+<file path=ppt/slides/slide30.xml><?xml version="1.0" encoding="utf-8"?>
 <p:sld xmlns:a="http://schemas.openxmlformats.org/drawingml/2006/main" xmlns:r="http://schemas.openxmlformats.org/officeDocument/2006/relationships" xmlns:p="http://schemas.openxmlformats.org/presentationml/2006/main">
   <p:cSld>
     <p:spTree>
@@ -27928,10 +26975,10 @@
           <a:lstStyle/>
           <a:p>
             <a:r>
-              <a:rPr lang="en-US" sz="3950"/>
+              <a:rPr lang="en-US" sz="3950" dirty="0"/>
               <a:t>Заместаване чрез регекс</a:t>
             </a:r>
-            <a:endParaRPr lang="en-US"/>
+            <a:endParaRPr lang="en-US" dirty="0"/>
           </a:p>
         </p:txBody>
       </p:sp>
@@ -28175,9 +27222,9 @@
             <a:fld id="{2BF067CD-8E6B-4360-9AA8-C5DF2A48A6D1}" type="slidenum">
               <a:rPr lang="en-US" noProof="0" smtClean="0"/>
               <a:pPr/>
-              <a:t>29</a:t>
+              <a:t>30</a:t>
             </a:fld>
-            <a:endParaRPr lang="en-US" noProof="0"/>
+            <a:endParaRPr lang="en-US" noProof="0" dirty="0"/>
           </a:p>
         </p:txBody>
       </p:sp>
@@ -28392,332 +27439,7 @@
 </p:sld>
 </file>
 
-<file path=ppt/slides/slide3.xml><?xml version="1.0" encoding="utf-8"?>
-<p:sld xmlns:a="http://schemas.openxmlformats.org/drawingml/2006/main" xmlns:r="http://schemas.openxmlformats.org/officeDocument/2006/relationships" xmlns:p="http://schemas.openxmlformats.org/presentationml/2006/main">
-  <p:cSld>
-    <p:spTree>
-      <p:nvGrpSpPr>
-        <p:cNvPr id="1" name=""/>
-        <p:cNvGrpSpPr/>
-        <p:nvPr/>
-      </p:nvGrpSpPr>
-      <p:grpSpPr>
-        <a:xfrm>
-          <a:off x="0" y="0"/>
-          <a:ext cx="0" cy="0"/>
-          <a:chOff x="0" y="0"/>
-          <a:chExt cx="0" cy="0"/>
-        </a:xfrm>
-      </p:grpSpPr>
-      <p:sp>
-        <p:nvSpPr>
-          <p:cNvPr id="2" name="Подзаглавие 1">
-            <a:extLst>
-              <a:ext uri="{FF2B5EF4-FFF2-40B4-BE49-F238E27FC236}">
-                <a16:creationId xmlns:a16="http://schemas.microsoft.com/office/drawing/2014/main" id="{14EB79E1-F70E-E4F5-9820-86F0EA7BF30F}"/>
-              </a:ext>
-            </a:extLst>
-          </p:cNvPr>
-          <p:cNvSpPr>
-            <a:spLocks noGrp="1"/>
-          </p:cNvSpPr>
-          <p:nvPr>
-            <p:ph type="subTitle" sz="quarter" idx="11"/>
-          </p:nvPr>
-        </p:nvSpPr>
-        <p:spPr/>
-        <p:txBody>
-          <a:bodyPr/>
-          <a:lstStyle/>
-          <a:p>
-            <a:r>
-              <a:rPr lang="bg-BG" sz="3950" dirty="0">
-                <a:cs typeface="Arial"/>
-              </a:rPr>
-              <a:t>Определение, примери и </a:t>
-            </a:r>
-            <a:r>
-              <a:rPr lang="bg-BG" sz="3950" dirty="0">
-                <a:ea typeface="+mn-lt"/>
-                <a:cs typeface="Arial"/>
-              </a:rPr>
-              <a:t>к</a:t>
-            </a:r>
-            <a:r>
-              <a:rPr lang="bg-BG" sz="3950" dirty="0">
-                <a:ea typeface="+mn-lt"/>
-                <a:cs typeface="+mn-lt"/>
-              </a:rPr>
-              <a:t>ласове на символи</a:t>
-            </a:r>
-            <a:endParaRPr lang="bg-BG" dirty="0"/>
-          </a:p>
-        </p:txBody>
-      </p:sp>
-      <p:sp>
-        <p:nvSpPr>
-          <p:cNvPr id="3" name="Заглавие 2">
-            <a:extLst>
-              <a:ext uri="{FF2B5EF4-FFF2-40B4-BE49-F238E27FC236}">
-                <a16:creationId xmlns:a16="http://schemas.microsoft.com/office/drawing/2014/main" id="{4263F84E-8578-C3EA-32A1-EF92AE0F9106}"/>
-              </a:ext>
-            </a:extLst>
-          </p:cNvPr>
-          <p:cNvSpPr>
-            <a:spLocks noGrp="1"/>
-          </p:cNvSpPr>
-          <p:nvPr>
-            <p:ph type="title" sz="quarter" idx="10"/>
-          </p:nvPr>
-        </p:nvSpPr>
-        <p:spPr/>
-        <p:txBody>
-          <a:bodyPr/>
-          <a:lstStyle/>
-          <a:p>
-            <a:r>
-              <a:rPr lang="en-US" sz="5350">
-                <a:ea typeface="+mj-lt"/>
-                <a:cs typeface="+mj-lt"/>
-              </a:rPr>
-              <a:t>Регулярен израз</a:t>
-            </a:r>
-            <a:endParaRPr lang="bg-BG" sz="5350" b="0">
-              <a:ea typeface="+mj-lt"/>
-              <a:cs typeface="+mj-lt"/>
-            </a:endParaRPr>
-          </a:p>
-        </p:txBody>
-      </p:sp>
-      <p:sp>
-        <p:nvSpPr>
-          <p:cNvPr id="5" name="Text Placeholder 4">
-            <a:extLst>
-              <a:ext uri="{FF2B5EF4-FFF2-40B4-BE49-F238E27FC236}">
-                <a16:creationId xmlns:a16="http://schemas.microsoft.com/office/drawing/2014/main" id="{0AEF80C1-F7EA-AC8F-73EB-0D0AD767D112}"/>
-              </a:ext>
-            </a:extLst>
-          </p:cNvPr>
-          <p:cNvSpPr txBox="1">
-            <a:spLocks/>
-          </p:cNvSpPr>
-          <p:nvPr/>
-        </p:nvSpPr>
-        <p:spPr>
-          <a:xfrm>
-            <a:off x="4574063" y="1724704"/>
-            <a:ext cx="3043877" cy="1980684"/>
-          </a:xfrm>
-          <a:prstGeom prst="rect">
-            <a:avLst/>
-          </a:prstGeom>
-        </p:spPr>
-        <p:txBody>
-          <a:bodyPr vert="horz" lIns="107972" tIns="35991" rIns="107972" bIns="35991" rtlCol="0" anchor="ctr">
-            <a:noAutofit/>
-          </a:bodyPr>
-          <a:lstStyle>
-            <a:lvl1pPr marL="0" indent="0" algn="ctr" defTabSz="1218438" rtl="0" eaLnBrk="1" latinLnBrk="1" hangingPunct="1">
-              <a:lnSpc>
-                <a:spcPct val="105000"/>
-              </a:lnSpc>
-              <a:spcBef>
-                <a:spcPts val="600"/>
-              </a:spcBef>
-              <a:spcAft>
-                <a:spcPts val="600"/>
-              </a:spcAft>
-              <a:buFont typeface="Wingdings" panose="05000000000000000000" pitchFamily="2" charset="2"/>
-              <a:buNone/>
-              <a:defRPr sz="3998" b="1" kern="1200" baseline="0">
-                <a:solidFill>
-                  <a:schemeClr val="tx1"/>
-                </a:solidFill>
-                <a:latin typeface="+mn-lt"/>
-                <a:ea typeface="+mn-ea"/>
-                <a:cs typeface="Arial" pitchFamily="34" charset="0"/>
-              </a:defRPr>
-            </a:lvl1pPr>
-            <a:lvl2pPr marL="989981" indent="-380762" algn="l" defTabSz="1218438" rtl="0" eaLnBrk="1" latinLnBrk="1" hangingPunct="1">
-              <a:lnSpc>
-                <a:spcPct val="105000"/>
-              </a:lnSpc>
-              <a:spcBef>
-                <a:spcPts val="600"/>
-              </a:spcBef>
-              <a:spcAft>
-                <a:spcPts val="600"/>
-              </a:spcAft>
-              <a:buFont typeface="Wingdings" panose="05000000000000000000" pitchFamily="2" charset="2"/>
-              <a:buChar char="§"/>
-              <a:defRPr sz="3198" kern="1200">
-                <a:solidFill>
-                  <a:schemeClr val="tx1"/>
-                </a:solidFill>
-                <a:latin typeface="+mn-lt"/>
-                <a:ea typeface="+mn-ea"/>
-                <a:cs typeface="+mn-cs"/>
-              </a:defRPr>
-            </a:lvl2pPr>
-            <a:lvl3pPr marL="1523048" indent="-304610" algn="l" defTabSz="1218438" rtl="0" eaLnBrk="1" latinLnBrk="1" hangingPunct="1">
-              <a:lnSpc>
-                <a:spcPct val="105000"/>
-              </a:lnSpc>
-              <a:spcBef>
-                <a:spcPts val="600"/>
-              </a:spcBef>
-              <a:spcAft>
-                <a:spcPts val="600"/>
-              </a:spcAft>
-              <a:buFont typeface="Wingdings" panose="05000000000000000000" pitchFamily="2" charset="2"/>
-              <a:buChar char="§"/>
-              <a:defRPr sz="2998" kern="1200">
-                <a:solidFill>
-                  <a:schemeClr val="tx1"/>
-                </a:solidFill>
-                <a:latin typeface="+mn-lt"/>
-                <a:ea typeface="+mn-ea"/>
-                <a:cs typeface="+mn-cs"/>
-              </a:defRPr>
-            </a:lvl3pPr>
-            <a:lvl4pPr marL="2132267" indent="-304610" algn="l" defTabSz="1218438" rtl="0" eaLnBrk="1" latinLnBrk="1" hangingPunct="1">
-              <a:lnSpc>
-                <a:spcPct val="105000"/>
-              </a:lnSpc>
-              <a:spcBef>
-                <a:spcPts val="600"/>
-              </a:spcBef>
-              <a:spcAft>
-                <a:spcPts val="600"/>
-              </a:spcAft>
-              <a:buFont typeface="Wingdings" panose="05000000000000000000" pitchFamily="2" charset="2"/>
-              <a:buChar char="§"/>
-              <a:defRPr sz="2798" kern="1200">
-                <a:solidFill>
-                  <a:schemeClr val="tx1"/>
-                </a:solidFill>
-                <a:latin typeface="+mn-lt"/>
-                <a:ea typeface="+mn-ea"/>
-                <a:cs typeface="+mn-cs"/>
-              </a:defRPr>
-            </a:lvl4pPr>
-            <a:lvl5pPr marL="2741485" indent="-304610" algn="l" defTabSz="1218438" rtl="0" eaLnBrk="1" latinLnBrk="1" hangingPunct="1">
-              <a:lnSpc>
-                <a:spcPct val="105000"/>
-              </a:lnSpc>
-              <a:spcBef>
-                <a:spcPts val="600"/>
-              </a:spcBef>
-              <a:spcAft>
-                <a:spcPts val="600"/>
-              </a:spcAft>
-              <a:buFont typeface="Wingdings" panose="05000000000000000000" pitchFamily="2" charset="2"/>
-              <a:buChar char="§"/>
-              <a:defRPr sz="2598" kern="1200">
-                <a:solidFill>
-                  <a:schemeClr val="tx1"/>
-                </a:solidFill>
-                <a:latin typeface="+mn-lt"/>
-                <a:ea typeface="+mn-ea"/>
-                <a:cs typeface="+mn-cs"/>
-              </a:defRPr>
-            </a:lvl5pPr>
-            <a:lvl6pPr marL="3350704" indent="-304610" algn="l" defTabSz="1218438" rtl="0" eaLnBrk="1" latinLnBrk="1" hangingPunct="1">
-              <a:spcBef>
-                <a:spcPct val="20000"/>
-              </a:spcBef>
-              <a:buFont typeface="Arial" pitchFamily="34" charset="0"/>
-              <a:buChar char="•"/>
-              <a:defRPr sz="2665" kern="1200">
-                <a:solidFill>
-                  <a:schemeClr val="tx1"/>
-                </a:solidFill>
-                <a:latin typeface="+mn-lt"/>
-                <a:ea typeface="+mn-ea"/>
-                <a:cs typeface="+mn-cs"/>
-              </a:defRPr>
-            </a:lvl6pPr>
-            <a:lvl7pPr marL="3959924" indent="-304610" algn="l" defTabSz="1218438" rtl="0" eaLnBrk="1" latinLnBrk="1" hangingPunct="1">
-              <a:spcBef>
-                <a:spcPct val="20000"/>
-              </a:spcBef>
-              <a:buFont typeface="Arial" pitchFamily="34" charset="0"/>
-              <a:buChar char="•"/>
-              <a:defRPr sz="2665" kern="1200">
-                <a:solidFill>
-                  <a:schemeClr val="tx1"/>
-                </a:solidFill>
-                <a:latin typeface="+mn-lt"/>
-                <a:ea typeface="+mn-ea"/>
-                <a:cs typeface="+mn-cs"/>
-              </a:defRPr>
-            </a:lvl7pPr>
-            <a:lvl8pPr marL="4569143" indent="-304610" algn="l" defTabSz="1218438" rtl="0" eaLnBrk="1" latinLnBrk="1" hangingPunct="1">
-              <a:spcBef>
-                <a:spcPct val="20000"/>
-              </a:spcBef>
-              <a:buFont typeface="Arial" pitchFamily="34" charset="0"/>
-              <a:buChar char="•"/>
-              <a:defRPr sz="2665" kern="1200">
-                <a:solidFill>
-                  <a:schemeClr val="tx1"/>
-                </a:solidFill>
-                <a:latin typeface="+mn-lt"/>
-                <a:ea typeface="+mn-ea"/>
-                <a:cs typeface="+mn-cs"/>
-              </a:defRPr>
-            </a:lvl8pPr>
-            <a:lvl9pPr marL="5178362" indent="-304610" algn="l" defTabSz="1218438" rtl="0" eaLnBrk="1" latinLnBrk="1" hangingPunct="1">
-              <a:spcBef>
-                <a:spcPct val="20000"/>
-              </a:spcBef>
-              <a:buFont typeface="Arial" pitchFamily="34" charset="0"/>
-              <a:buChar char="•"/>
-              <a:defRPr sz="2665" kern="1200">
-                <a:solidFill>
-                  <a:schemeClr val="tx1"/>
-                </a:solidFill>
-                <a:latin typeface="+mn-lt"/>
-                <a:ea typeface="+mn-ea"/>
-                <a:cs typeface="+mn-cs"/>
-              </a:defRPr>
-            </a:lvl9pPr>
-          </a:lstStyle>
-          <a:p>
-            <a:r>
-              <a:rPr lang="en-US" sz="6598">
-                <a:solidFill>
-                  <a:schemeClr val="bg2"/>
-                </a:solidFill>
-                <a:latin typeface="Consolas" panose="020B0609020204030204" pitchFamily="49" charset="0"/>
-              </a:rPr>
-              <a:t>[A-Z]</a:t>
-            </a:r>
-          </a:p>
-        </p:txBody>
-      </p:sp>
-    </p:spTree>
-    <p:extLst>
-      <p:ext uri="{BB962C8B-B14F-4D97-AF65-F5344CB8AC3E}">
-        <p14:creationId xmlns:p14="http://schemas.microsoft.com/office/powerpoint/2010/main" val="3440729030"/>
-      </p:ext>
-    </p:extLst>
-  </p:cSld>
-  <p:clrMapOvr>
-    <a:masterClrMapping/>
-  </p:clrMapOvr>
-  <mc:AlternateContent xmlns:mc="http://schemas.openxmlformats.org/markup-compatibility/2006" xmlns:p14="http://schemas.microsoft.com/office/powerpoint/2010/main">
-    <mc:Choice Requires="p14">
-      <p:transition spd="slow" p14:dur="2000" advClick="0" advTm="5000"/>
-    </mc:Choice>
-    <mc:Fallback xmlns="">
-      <p:transition spd="slow" advClick="0" advTm="5000"/>
-    </mc:Fallback>
-  </mc:AlternateContent>
-</p:sld>
-</file>
-
-<file path=ppt/slides/slide30.xml><?xml version="1.0" encoding="utf-8"?>
+<file path=ppt/slides/slide31.xml><?xml version="1.0" encoding="utf-8"?>
 <p:sld xmlns:a="http://schemas.openxmlformats.org/drawingml/2006/main" xmlns:r="http://schemas.openxmlformats.org/officeDocument/2006/relationships" xmlns:p="http://schemas.openxmlformats.org/presentationml/2006/main">
   <p:cSld>
     <p:spTree>
@@ -28802,7 +27524,7 @@
           <a:lstStyle/>
           <a:p>
             <a:r>
-              <a:rPr lang="en-US" sz="3950"/>
+              <a:rPr lang="en-US" sz="3950" dirty="0"/>
               <a:t>Разделяне чрез регекс</a:t>
             </a:r>
           </a:p>
@@ -29000,9 +27722,9 @@
             <a:fld id="{2BF067CD-8E6B-4360-9AA8-C5DF2A48A6D1}" type="slidenum">
               <a:rPr lang="en-US" noProof="0" smtClean="0"/>
               <a:pPr/>
-              <a:t>30</a:t>
+              <a:t>31</a:t>
             </a:fld>
-            <a:endParaRPr lang="en-US" noProof="0"/>
+            <a:endParaRPr lang="en-US" noProof="0" dirty="0"/>
           </a:p>
         </p:txBody>
       </p:sp>
@@ -29347,7 +28069,7 @@
 </p:sld>
 </file>
 
-<file path=ppt/slides/slide31.xml><?xml version="1.0" encoding="utf-8"?>
+<file path=ppt/slides/slide32.xml><?xml version="1.0" encoding="utf-8"?>
 <p:sld xmlns:a="http://schemas.openxmlformats.org/drawingml/2006/main" xmlns:r="http://schemas.openxmlformats.org/officeDocument/2006/relationships" xmlns:p="http://schemas.openxmlformats.org/presentationml/2006/main">
   <p:cSld>
     <p:spTree>
@@ -29388,68 +28110,16 @@
           <a:p>
             <a:pPr marL="360045" indent="-360045"/>
             <a:r>
-              <a:rPr lang="en-US" sz="3600" dirty="0" err="1"/>
-              <a:t>Даден</a:t>
-            </a:r>
-            <a:r>
               <a:rPr lang="en-US" sz="3600" dirty="0"/>
-              <a:t> </a:t>
-            </a:r>
-            <a:r>
-              <a:rPr lang="en-US" sz="3600" dirty="0" err="1"/>
-              <a:t>ви</a:t>
-            </a:r>
-            <a:r>
-              <a:rPr lang="en-US" sz="3600" dirty="0"/>
-              <a:t> </a:t>
-            </a:r>
-            <a:r>
-              <a:rPr lang="en-US" sz="3600" dirty="0" err="1"/>
-              <a:t>е</a:t>
-            </a:r>
-            <a:r>
-              <a:rPr lang="en-US" sz="3600" dirty="0"/>
-              <a:t> </a:t>
-            </a:r>
-            <a:r>
-              <a:rPr lang="en-US" sz="3600" b="1" dirty="0" err="1">
+              <a:t>Даден ви е </a:t>
+            </a:r>
+            <a:r>
+              <a:rPr lang="en-US" sz="3600" b="1" dirty="0">
                 <a:solidFill>
                   <a:schemeClr val="bg1"/>
                 </a:solidFill>
               </a:rPr>
-              <a:t>списък</a:t>
-            </a:r>
-            <a:r>
-              <a:rPr lang="en-US" sz="3600" b="1" dirty="0">
-                <a:solidFill>
-                  <a:schemeClr val="bg1"/>
-                </a:solidFill>
-              </a:rPr>
-              <a:t> </a:t>
-            </a:r>
-            <a:r>
-              <a:rPr lang="en-US" sz="3600" b="1" dirty="0" err="1">
-                <a:solidFill>
-                  <a:schemeClr val="bg1"/>
-                </a:solidFill>
-              </a:rPr>
-              <a:t>от</a:t>
-            </a:r>
-            <a:r>
-              <a:rPr lang="en-US" sz="3600" b="1" dirty="0">
-                <a:solidFill>
-                  <a:schemeClr val="bg1"/>
-                </a:solidFill>
-              </a:rPr>
-              <a:t> </a:t>
-            </a:r>
-            <a:r>
-              <a:rPr lang="en-US" sz="3600" b="1" dirty="0" err="1">
-                <a:solidFill>
-                  <a:schemeClr val="bg1"/>
-                </a:solidFill>
-              </a:rPr>
-              <a:t>имена</a:t>
+              <a:t>списък от имена</a:t>
             </a:r>
             <a:endParaRPr lang="en-US" sz="3600" b="1" dirty="0">
               <a:solidFill>
@@ -29462,98 +28132,38 @@
             <a:pPr lvl="1" indent="-360045"/>
             <a:r>
               <a:rPr lang="bg-BG" sz="3400" dirty="0"/>
-              <a:t>Напишете </a:t>
-            </a:r>
-            <a:r>
-              <a:rPr lang="bg-BG" sz="3400" dirty="0" err="1"/>
-              <a:t>регекс</a:t>
+              <a:t>Напишете регекс, който т</a:t>
+            </a:r>
+            <a:r>
+              <a:rPr lang="en-US" sz="3400" dirty="0"/>
+              <a:t>ърси всички </a:t>
+            </a:r>
+            <a:r>
+              <a:rPr lang="bg-BG" sz="3400" b="1" dirty="0">
+                <a:solidFill>
+                  <a:schemeClr val="bg1"/>
+                </a:solidFill>
+              </a:rPr>
+              <a:t>пълни</a:t>
+            </a:r>
+            <a:r>
+              <a:rPr lang="en-US" sz="3400" b="1" dirty="0">
+                <a:solidFill>
+                  <a:schemeClr val="bg1"/>
+                </a:solidFill>
+              </a:rPr>
+              <a:t> имена </a:t>
+            </a:r>
+            <a:r>
+              <a:rPr lang="en-US" sz="3400" dirty="0"/>
+              <a:t>(две думи, старти</a:t>
             </a:r>
             <a:r>
               <a:rPr lang="bg-BG" sz="3400" dirty="0"/>
-              <a:t>, който </a:t>
-            </a:r>
-            <a:r>
-              <a:rPr lang="bg-BG" sz="3400" dirty="0" err="1"/>
-              <a:t>т</a:t>
-            </a:r>
-            <a:r>
-              <a:rPr lang="en-US" sz="3400" dirty="0" err="1"/>
-              <a:t>ърси</a:t>
+              <a:t>ра</a:t>
             </a:r>
             <a:r>
               <a:rPr lang="en-US" sz="3400" dirty="0"/>
-              <a:t> </a:t>
-            </a:r>
-            <a:r>
-              <a:rPr lang="en-US" sz="3400" dirty="0" err="1"/>
-              <a:t>всички</a:t>
-            </a:r>
-            <a:r>
-              <a:rPr lang="en-US" sz="3400" dirty="0"/>
-              <a:t> </a:t>
-            </a:r>
-            <a:r>
-              <a:rPr lang="bg-BG" sz="3400" b="1" dirty="0">
-                <a:solidFill>
-                  <a:schemeClr val="bg1"/>
-                </a:solidFill>
-              </a:rPr>
-              <a:t>пълни</a:t>
-            </a:r>
-            <a:r>
-              <a:rPr lang="en-US" sz="3400" b="1" dirty="0">
-                <a:solidFill>
-                  <a:schemeClr val="bg1"/>
-                </a:solidFill>
-              </a:rPr>
-              <a:t> </a:t>
-            </a:r>
-            <a:r>
-              <a:rPr lang="en-US" sz="3400" b="1" dirty="0" err="1">
-                <a:solidFill>
-                  <a:schemeClr val="bg1"/>
-                </a:solidFill>
-              </a:rPr>
-              <a:t>имена</a:t>
-            </a:r>
-            <a:r>
-              <a:rPr lang="en-US" sz="3400" b="1" dirty="0">
-                <a:solidFill>
-                  <a:schemeClr val="bg1"/>
-                </a:solidFill>
-              </a:rPr>
-              <a:t> </a:t>
-            </a:r>
-            <a:r>
-              <a:rPr lang="en-US" sz="3400" dirty="0"/>
-              <a:t>(</a:t>
-            </a:r>
-            <a:r>
-              <a:rPr lang="en-US" sz="3400" dirty="0" err="1"/>
-              <a:t>две</a:t>
-            </a:r>
-            <a:r>
-              <a:rPr lang="en-US" sz="3400" dirty="0"/>
-              <a:t> </a:t>
-            </a:r>
-            <a:r>
-              <a:rPr lang="en-US" sz="3400" dirty="0" err="1"/>
-              <a:t>думи</a:t>
-            </a:r>
-            <a:r>
-              <a:rPr lang="en-US" sz="3400" dirty="0"/>
-              <a:t>, </a:t>
-            </a:r>
-            <a:r>
-              <a:rPr lang="en-US" sz="3400" dirty="0" err="1"/>
-              <a:t>старти</a:t>
-            </a:r>
-            <a:r>
-              <a:rPr lang="bg-BG" sz="3400" dirty="0" err="1"/>
-              <a:t>ра</a:t>
-            </a:r>
-            <a:r>
-              <a:rPr lang="en-US" sz="3400" dirty="0" err="1"/>
               <a:t>щ</a:t>
             </a:r>
             <a:r>
@@ -29562,31 +28172,7 @@
             </a:r>
             <a:r>
               <a:rPr lang="en-US" sz="3400" dirty="0"/>
-              <a:t> </a:t>
-            </a:r>
-            <a:r>
-              <a:rPr lang="en-US" sz="3400" dirty="0" err="1"/>
-              <a:t>с</a:t>
-            </a:r>
-            <a:r>
-              <a:rPr lang="en-US" sz="3400" dirty="0"/>
-              <a:t> </a:t>
-            </a:r>
-            <a:r>
-              <a:rPr lang="en-US" sz="3400" dirty="0" err="1"/>
-              <a:t>главни</a:t>
-            </a:r>
-            <a:r>
-              <a:rPr lang="en-US" sz="3400" dirty="0"/>
-              <a:t> </a:t>
-            </a:r>
-            <a:r>
-              <a:rPr lang="en-US" sz="3400" dirty="0" err="1"/>
-              <a:t>букви</a:t>
-            </a:r>
-            <a:r>
-              <a:rPr lang="en-US" sz="3400" dirty="0"/>
-              <a:t>)</a:t>
+              <a:t> с главни букви)</a:t>
             </a:r>
             <a:endParaRPr lang="en-US" sz="3400" dirty="0">
               <a:solidFill>
@@ -29613,10 +28199,10 @@
           <a:lstStyle/>
           <a:p>
             <a:r>
-              <a:rPr lang="en-GB" sz="3950"/>
+              <a:rPr lang="en-GB" sz="3950" dirty="0"/>
               <a:t>Задача: Търсене на пълно име</a:t>
             </a:r>
-            <a:endParaRPr lang="en-US" sz="3950"/>
+            <a:endParaRPr lang="en-US" sz="3950" dirty="0"/>
           </a:p>
         </p:txBody>
       </p:sp>
@@ -29662,43 +28248,7 @@
               <a:rPr lang="en-US" sz="2599" b="1" dirty="0">
                 <a:latin typeface="Consolas" pitchFamily="49" charset="0"/>
               </a:rPr>
-              <a:t>Ivan Ivanov, Ivan </a:t>
-            </a:r>
-            <a:r>
-              <a:rPr lang="en-US" sz="2599" b="1" dirty="0" err="1">
-                <a:latin typeface="Consolas" pitchFamily="49" charset="0"/>
-              </a:rPr>
-              <a:t>ivanov</a:t>
-            </a:r>
-            <a:r>
-              <a:rPr lang="en-US" sz="2599" b="1" dirty="0">
-                <a:latin typeface="Consolas" pitchFamily="49" charset="0"/>
-              </a:rPr>
-              <a:t>, </a:t>
-            </a:r>
-            <a:r>
-              <a:rPr lang="en-US" sz="2599" b="1" dirty="0" err="1">
-                <a:latin typeface="Consolas" pitchFamily="49" charset="0"/>
-              </a:rPr>
-              <a:t>ivan</a:t>
-            </a:r>
-            <a:r>
-              <a:rPr lang="en-US" sz="2599" b="1" dirty="0">
-                <a:latin typeface="Consolas" pitchFamily="49" charset="0"/>
-              </a:rPr>
-              <a:t> Ivanov, </a:t>
-            </a:r>
-            <a:r>
-              <a:rPr lang="en-US" sz="2599" b="1" dirty="0" err="1">
-                <a:latin typeface="Consolas" pitchFamily="49" charset="0"/>
-              </a:rPr>
-              <a:t>IVan</a:t>
-            </a:r>
-            <a:r>
-              <a:rPr lang="en-US" sz="2599" b="1" dirty="0">
-                <a:latin typeface="Consolas" pitchFamily="49" charset="0"/>
-              </a:rPr>
-              <a:t> Ivanov, Test </a:t>
+              <a:t>Ivan Ivanov, Ivan ivanov, ivan Ivanov, IVan Ivanov, Test </a:t>
             </a:r>
             <a:r>
               <a:rPr lang="en-US" sz="2599" b="1" noProof="1">
@@ -29773,7 +28323,7 @@
           <a:lstStyle/>
           <a:p>
             <a:pPr algn="ctr"/>
-            <a:endParaRPr lang="en-US" sz="2799" b="1">
+            <a:endParaRPr lang="en-US" sz="2799" b="1" dirty="0">
               <a:solidFill>
                 <a:srgbClr val="FFFFFF"/>
               </a:solidFill>
@@ -29879,9 +28429,9 @@
             <a:fld id="{2BF067CD-8E6B-4360-9AA8-C5DF2A48A6D1}" type="slidenum">
               <a:rPr lang="en-US" noProof="0" smtClean="0"/>
               <a:pPr/>
-              <a:t>31</a:t>
+              <a:t>32</a:t>
             </a:fld>
-            <a:endParaRPr lang="en-US" noProof="0"/>
+            <a:endParaRPr lang="en-US" noProof="0" dirty="0"/>
           </a:p>
         </p:txBody>
       </p:sp>
@@ -30089,7 +28639,7 @@
 </p:sld>
 </file>
 
-<file path=ppt/slides/slide32.xml><?xml version="1.0" encoding="utf-8"?>
+<file path=ppt/slides/slide33.xml><?xml version="1.0" encoding="utf-8"?>
 <p:sld xmlns:a="http://schemas.openxmlformats.org/drawingml/2006/main" xmlns:r="http://schemas.openxmlformats.org/officeDocument/2006/relationships" xmlns:p="http://schemas.openxmlformats.org/presentationml/2006/main">
   <p:cSld>
     <p:spTree>
@@ -30122,17 +28672,17 @@
           <a:lstStyle/>
           <a:p>
             <a:r>
-              <a:rPr lang="en-GB" sz="3950"/>
+              <a:rPr lang="en-GB" sz="3950" dirty="0"/>
               <a:t>Решение: </a:t>
             </a:r>
             <a:r>
-              <a:rPr lang="en-GB" sz="3950">
+              <a:rPr lang="en-GB" sz="3950" dirty="0">
                 <a:ea typeface="+mj-lt"/>
                 <a:cs typeface="+mj-lt"/>
               </a:rPr>
               <a:t>Търсене на пълно име</a:t>
             </a:r>
-            <a:endParaRPr lang="en-GB" sz="3950" b="0">
+            <a:endParaRPr lang="en-GB" sz="3950" b="0" dirty="0">
               <a:ea typeface="+mj-lt"/>
               <a:cs typeface="+mj-lt"/>
             </a:endParaRPr>
@@ -30315,21 +28865,7 @@
                 <a:ea typeface="+mn-lt"/>
                 <a:cs typeface="+mn-lt"/>
               </a:rPr>
-              <a:t>Тествайте </a:t>
-            </a:r>
-            <a:r>
-              <a:rPr lang="en-US" sz="1800" dirty="0" err="1">
-                <a:ea typeface="+mn-lt"/>
-                <a:cs typeface="+mn-lt"/>
-              </a:rPr>
-              <a:t>решението</a:t>
-            </a:r>
-            <a:r>
-              <a:rPr lang="en-US" sz="1800" dirty="0">
-                <a:ea typeface="+mn-lt"/>
-                <a:cs typeface="+mn-lt"/>
-              </a:rPr>
-              <a:t> в Judge</a:t>
+              <a:t>Тествайте решението в Judge</a:t>
             </a:r>
             <a:r>
               <a:rPr lang="en-US" sz="1799" dirty="0"/>
@@ -30339,7 +28875,7 @@
               <a:rPr lang="en-US" sz="1799" dirty="0">
                 <a:hlinkClick r:id="rId3"/>
               </a:rPr>
-              <a:t>https://judge.softuni.org/Contests/Practice/Index/3178#21</a:t>
+              <a:t>https://judge.softuni.org/Contests/Practice/Index/4166#0</a:t>
             </a:r>
             <a:endParaRPr lang="en-US" sz="1799" dirty="0"/>
           </a:p>
@@ -30381,9 +28917,9 @@
             <a:fld id="{2BF067CD-8E6B-4360-9AA8-C5DF2A48A6D1}" type="slidenum">
               <a:rPr lang="en-US" noProof="0" smtClean="0"/>
               <a:pPr/>
-              <a:t>32</a:t>
+              <a:t>33</a:t>
             </a:fld>
-            <a:endParaRPr lang="en-US" noProof="0"/>
+            <a:endParaRPr lang="en-US" noProof="0" dirty="0"/>
           </a:p>
         </p:txBody>
       </p:sp>
@@ -30727,7 +29263,7 @@
 </p:sld>
 </file>
 
-<file path=ppt/slides/slide33.xml><?xml version="1.0" encoding="utf-8"?>
+<file path=ppt/slides/slide34.xml><?xml version="1.0" encoding="utf-8"?>
 <p:sld xmlns:a="http://schemas.openxmlformats.org/drawingml/2006/main" xmlns:r="http://schemas.openxmlformats.org/officeDocument/2006/relationships" xmlns:p="http://schemas.openxmlformats.org/presentationml/2006/main">
   <p:cSld>
     <p:spTree>
@@ -30768,32 +29304,8 @@
           <a:p>
             <a:pPr marL="360045" indent="-360045"/>
             <a:r>
-              <a:rPr lang="en-US" sz="3600" dirty="0" err="1"/>
-              <a:t>Даден</a:t>
-            </a:r>
-            <a:r>
               <a:rPr lang="en-US" sz="3600" dirty="0"/>
-              <a:t> </a:t>
-            </a:r>
-            <a:r>
-              <a:rPr lang="en-US" sz="3600" dirty="0" err="1"/>
-              <a:t>ви</a:t>
-            </a:r>
-            <a:r>
-              <a:rPr lang="en-US" sz="3600" dirty="0"/>
-              <a:t> </a:t>
-            </a:r>
-            <a:r>
-              <a:rPr lang="en-US" sz="3600" dirty="0" err="1"/>
-              <a:t>е</a:t>
-            </a:r>
-            <a:r>
-              <a:rPr lang="en-US" sz="3600" dirty="0"/>
-              <a:t> </a:t>
-            </a:r>
-            <a:r>
-              <a:rPr lang="en-US" sz="3600" dirty="0" err="1"/>
-              <a:t>низ</a:t>
+              <a:t>Даден ви е низ</a:t>
             </a:r>
             <a:endParaRPr lang="bg-BG" dirty="0"/>
           </a:p>
@@ -30855,35 +29367,7 @@
             </a:r>
             <a:r>
               <a:rPr lang="en-US" sz="3400" dirty="0"/>
-              <a:t> </a:t>
-            </a:r>
-            <a:r>
-              <a:rPr lang="en-US" sz="3400" dirty="0" err="1"/>
-              <a:t>и</a:t>
-            </a:r>
-            <a:r>
-              <a:rPr lang="en-US" sz="3400" dirty="0"/>
-              <a:t> </a:t>
-            </a:r>
-            <a:r>
-              <a:rPr lang="en-US" sz="3400" dirty="0" err="1"/>
-              <a:t>отпечатайте</a:t>
-            </a:r>
-            <a:r>
-              <a:rPr lang="en-US" sz="3400" dirty="0"/>
-              <a:t> </a:t>
-            </a:r>
-            <a:r>
-              <a:rPr lang="en-US" sz="3400" dirty="0" err="1"/>
-              <a:t>тяхната</a:t>
-            </a:r>
-            <a:r>
-              <a:rPr lang="en-US" sz="3400" dirty="0"/>
-              <a:t> </a:t>
-            </a:r>
-            <a:r>
-              <a:rPr lang="en-US" sz="3400" dirty="0" err="1"/>
-              <a:t>информация</a:t>
+              <a:t> и отпечатайте тяхната информация</a:t>
             </a:r>
             <a:endParaRPr lang="en-US" sz="3400" dirty="0">
               <a:solidFill>
@@ -30910,10 +29394,10 @@
           <a:lstStyle/>
           <a:p>
             <a:r>
-              <a:rPr lang="en-GB" sz="3950"/>
+              <a:rPr lang="en-GB" sz="3950" dirty="0"/>
               <a:t>Задача: Търсене на дата</a:t>
             </a:r>
-            <a:endParaRPr lang="en-US"/>
+            <a:endParaRPr lang="en-US" dirty="0"/>
           </a:p>
         </p:txBody>
       </p:sp>
@@ -30956,7 +29440,7 @@
           <a:lstStyle/>
           <a:p>
             <a:r>
-              <a:rPr lang="en-GB" sz="2599" b="1">
+              <a:rPr lang="en-GB" sz="2599" b="1" dirty="0">
                 <a:latin typeface="Consolas" pitchFamily="49" charset="0"/>
               </a:rPr>
               <a:t>13/Jul/1928, 01/Jan-1951</a:t>
@@ -31022,7 +29506,7 @@
           <a:lstStyle/>
           <a:p>
             <a:pPr algn="ctr"/>
-            <a:endParaRPr lang="en-US" sz="2799" b="1">
+            <a:endParaRPr lang="en-US" sz="2799" b="1" dirty="0">
               <a:solidFill>
                 <a:srgbClr val="FFFFFF"/>
               </a:solidFill>
@@ -31076,12 +29560,12 @@
           <a:lstStyle/>
           <a:p>
             <a:r>
-              <a:rPr lang="en-GB" sz="2599" b="1">
+              <a:rPr lang="en-GB" sz="2599" b="1" dirty="0">
                 <a:latin typeface="Consolas" pitchFamily="49" charset="0"/>
               </a:rPr>
               <a:t>Day: 13, Month: Jul, Year: 1928</a:t>
             </a:r>
-            <a:endParaRPr lang="bg-BG" sz="2599" b="1">
+            <a:endParaRPr lang="bg-BG" sz="2599" b="1" dirty="0">
               <a:latin typeface="Consolas" pitchFamily="49" charset="0"/>
             </a:endParaRPr>
           </a:p>
@@ -31123,9 +29607,9 @@
             <a:fld id="{2BF067CD-8E6B-4360-9AA8-C5DF2A48A6D1}" type="slidenum">
               <a:rPr lang="en-US" noProof="0" smtClean="0"/>
               <a:pPr/>
-              <a:t>33</a:t>
+              <a:t>34</a:t>
             </a:fld>
-            <a:endParaRPr lang="en-US" noProof="0"/>
+            <a:endParaRPr lang="en-US" noProof="0" dirty="0"/>
           </a:p>
         </p:txBody>
       </p:sp>
@@ -31333,7 +29817,7 @@
 </p:sld>
 </file>
 
-<file path=ppt/slides/slide34.xml><?xml version="1.0" encoding="utf-8"?>
+<file path=ppt/slides/slide35.xml><?xml version="1.0" encoding="utf-8"?>
 <p:sld xmlns:a="http://schemas.openxmlformats.org/drawingml/2006/main" xmlns:r="http://schemas.openxmlformats.org/officeDocument/2006/relationships" xmlns:p="http://schemas.openxmlformats.org/presentationml/2006/main">
   <p:cSld>
     <p:spTree>
@@ -31366,17 +29850,17 @@
           <a:lstStyle/>
           <a:p>
             <a:r>
-              <a:rPr lang="en-GB" sz="3950"/>
+              <a:rPr lang="en-GB" sz="3950" dirty="0"/>
               <a:t>Задача: </a:t>
             </a:r>
             <a:r>
-              <a:rPr lang="en-GB" sz="3950">
+              <a:rPr lang="en-GB" sz="3950" dirty="0">
                 <a:ea typeface="+mj-lt"/>
                 <a:cs typeface="+mj-lt"/>
               </a:rPr>
               <a:t>Търсене на дата</a:t>
             </a:r>
-            <a:endParaRPr lang="en-US"/>
+            <a:endParaRPr lang="en-US" dirty="0"/>
           </a:p>
         </p:txBody>
       </p:sp>
@@ -31626,21 +30110,7 @@
                 <a:ea typeface="+mn-lt"/>
                 <a:cs typeface="+mn-lt"/>
               </a:rPr>
-              <a:t>Тествайте </a:t>
-            </a:r>
-            <a:r>
-              <a:rPr lang="en-US" sz="1800" dirty="0" err="1">
-                <a:ea typeface="+mn-lt"/>
-                <a:cs typeface="+mn-lt"/>
-              </a:rPr>
-              <a:t>решението</a:t>
-            </a:r>
-            <a:r>
-              <a:rPr lang="en-US" sz="1800" dirty="0">
-                <a:ea typeface="+mn-lt"/>
-                <a:cs typeface="+mn-lt"/>
-              </a:rPr>
-              <a:t> в Judge</a:t>
+              <a:t>Тествайте решението в Judge</a:t>
             </a:r>
             <a:r>
               <a:rPr lang="en-US" sz="1799" dirty="0"/>
@@ -31650,7 +30120,7 @@
               <a:rPr lang="en-US" sz="1799" dirty="0">
                 <a:hlinkClick r:id="rId3"/>
               </a:rPr>
-              <a:t>https://judge.softuni.org/Contests/Practice/Index/3178#23</a:t>
+              <a:t>https://judge.softuni.org/Contests/Practice/Index/4166#2</a:t>
             </a:r>
             <a:endParaRPr lang="en-US" sz="1799" dirty="0"/>
           </a:p>
@@ -31692,9 +30162,9 @@
             <a:fld id="{2BF067CD-8E6B-4360-9AA8-C5DF2A48A6D1}" type="slidenum">
               <a:rPr lang="en-US" noProof="0" smtClean="0"/>
               <a:pPr/>
-              <a:t>34</a:t>
+              <a:t>35</a:t>
             </a:fld>
-            <a:endParaRPr lang="en-US" noProof="0"/>
+            <a:endParaRPr lang="en-US" noProof="0" dirty="0"/>
           </a:p>
         </p:txBody>
       </p:sp>
@@ -31927,7 +30397,7 @@
 </p:sld>
 </file>
 
-<file path=ppt/slides/slide35.xml><?xml version="1.0" encoding="utf-8"?>
+<file path=ppt/slides/slide36.xml><?xml version="1.0" encoding="utf-8"?>
 <p:sld xmlns:a="http://schemas.openxmlformats.org/drawingml/2006/main" xmlns:r="http://schemas.openxmlformats.org/officeDocument/2006/relationships" xmlns:p="http://schemas.openxmlformats.org/presentationml/2006/main">
   <p:cSld>
     <p:spTree>
@@ -32018,29 +30488,29 @@
           <a:p>
             <a:pPr lvl="0"/>
             <a:r>
-              <a:rPr lang="en-US"/>
+              <a:rPr lang="en-US" dirty="0"/>
               <a:t>…</a:t>
             </a:r>
           </a:p>
           <a:p>
             <a:pPr lvl="0"/>
             <a:r>
-              <a:rPr lang="en-GB"/>
+              <a:rPr lang="en-GB" dirty="0"/>
               <a:t>…</a:t>
             </a:r>
-            <a:endParaRPr lang="en-US"/>
+            <a:endParaRPr lang="en-US" dirty="0"/>
           </a:p>
           <a:p>
             <a:pPr lvl="0"/>
             <a:r>
-              <a:rPr lang="en-GB"/>
+              <a:rPr lang="en-GB" dirty="0"/>
               <a:t>…</a:t>
             </a:r>
-            <a:endParaRPr lang="en-US"/>
+            <a:endParaRPr lang="en-US" dirty="0"/>
           </a:p>
           <a:p>
             <a:pPr lvl="0"/>
-            <a:endParaRPr lang="en-US"/>
+            <a:endParaRPr lang="en-US" dirty="0"/>
           </a:p>
         </p:txBody>
       </p:sp>
@@ -32062,10 +30532,10 @@
           <a:lstStyle/>
           <a:p>
             <a:r>
-              <a:rPr lang="en-US" sz="4000"/>
+              <a:rPr lang="en-US" sz="4000" dirty="0"/>
               <a:t>Какво научихме днес?</a:t>
             </a:r>
-            <a:endParaRPr lang="en-US"/>
+            <a:endParaRPr lang="en-US" dirty="0"/>
           </a:p>
         </p:txBody>
       </p:sp>
@@ -32469,7 +30939,7 @@
               </a:buClr>
             </a:pPr>
             <a:r>
-              <a:rPr lang="en-GB" sz="3550" b="1" dirty="0" err="1">
+              <a:rPr lang="en-GB" sz="3550" b="1" dirty="0">
                 <a:solidFill>
                   <a:schemeClr val="bg1">
                     <a:lumMod val="60000"/>
@@ -32480,7 +30950,7 @@
               <a:t>Регулярния</a:t>
             </a:r>
             <a:r>
-              <a:rPr lang="bg-BG" sz="3550" b="1" dirty="0" err="1">
+              <a:rPr lang="bg-BG" sz="3550" b="1" dirty="0">
                 <a:solidFill>
                   <a:schemeClr val="bg1">
                     <a:lumMod val="60000"/>
@@ -32499,10 +30969,26 @@
                   </a:schemeClr>
                 </a:solidFill>
               </a:rPr>
-              <a:t> </a:t>
-            </a:r>
-            <a:r>
-              <a:rPr lang="en-GB" sz="3550" b="1" dirty="0" err="1">
+              <a:t> израз</a:t>
+            </a:r>
+            <a:r>
+              <a:rPr lang="en-GB" sz="3550" b="1" dirty="0">
+                <a:solidFill>
+                  <a:schemeClr val="bg1"/>
+                </a:solidFill>
+              </a:rPr>
+              <a:t> </a:t>
+            </a:r>
+            <a:r>
+              <a:rPr lang="en-GB" sz="3550" dirty="0">
+                <a:solidFill>
+                  <a:schemeClr val="bg2"/>
+                </a:solidFill>
+              </a:rPr>
+              <a:t>изполазва </a:t>
+            </a:r>
+            <a:r>
+              <a:rPr lang="en-GB" sz="3550" b="1" dirty="0">
                 <a:solidFill>
                   <a:schemeClr val="bg1">
                     <a:lumMod val="60000"/>
@@ -32510,23 +30996,23 @@
                   </a:schemeClr>
                 </a:solidFill>
               </a:rPr>
-              <a:t>израз</a:t>
-            </a:r>
-            <a:r>
-              <a:rPr lang="en-GB" sz="3550" b="1" dirty="0">
-                <a:solidFill>
-                  <a:schemeClr val="bg1"/>
+              <a:t>шаблони</a:t>
+            </a:r>
+            <a:r>
+              <a:rPr lang="en-GB" sz="3550" dirty="0">
+                <a:solidFill>
+                  <a:schemeClr val="bg2"/>
                 </a:solidFill>
               </a:rPr>
               <a:t> </a:t>
             </a:r>
             <a:r>
-              <a:rPr lang="en-GB" sz="3550" dirty="0" err="1">
+              <a:rPr lang="bg-BG" sz="3550" dirty="0">
                 <a:solidFill>
                   <a:schemeClr val="bg2"/>
                 </a:solidFill>
               </a:rPr>
-              <a:t>изполазва</a:t>
+              <a:t>за</a:t>
             </a:r>
             <a:r>
               <a:rPr lang="en-GB" sz="3550" dirty="0">
@@ -32534,82 +31020,7 @@
                   <a:schemeClr val="bg2"/>
                 </a:solidFill>
               </a:rPr>
-              <a:t> </a:t>
-            </a:r>
-            <a:r>
-              <a:rPr lang="en-GB" sz="3550" b="1" dirty="0" err="1">
-                <a:solidFill>
-                  <a:schemeClr val="bg1">
-                    <a:lumMod val="60000"/>
-                    <a:lumOff val="40000"/>
-                  </a:schemeClr>
-                </a:solidFill>
-              </a:rPr>
-              <a:t>шаблони</a:t>
-            </a:r>
-            <a:r>
-              <a:rPr lang="en-GB" sz="3550" dirty="0">
-                <a:solidFill>
-                  <a:schemeClr val="bg2"/>
-                </a:solidFill>
-              </a:rPr>
-              <a:t> </a:t>
-            </a:r>
-            <a:r>
-              <a:rPr lang="bg-BG" sz="3550" dirty="0">
-                <a:solidFill>
-                  <a:schemeClr val="bg2"/>
-                </a:solidFill>
-              </a:rPr>
-              <a:t>за</a:t>
-            </a:r>
-            <a:r>
-              <a:rPr lang="en-GB" sz="3550" dirty="0">
-                <a:solidFill>
-                  <a:schemeClr val="bg2"/>
-                </a:solidFill>
-              </a:rPr>
-              <a:t> </a:t>
-            </a:r>
-            <a:r>
-              <a:rPr lang="en-GB" sz="3550" dirty="0" err="1">
-                <a:solidFill>
-                  <a:schemeClr val="bg2"/>
-                </a:solidFill>
-              </a:rPr>
-              <a:t>търсене</a:t>
-            </a:r>
-            <a:r>
-              <a:rPr lang="en-GB" sz="3550" dirty="0">
-                <a:solidFill>
-                  <a:schemeClr val="bg2"/>
-                </a:solidFill>
-              </a:rPr>
-              <a:t> </a:t>
-            </a:r>
-            <a:r>
-              <a:rPr lang="en-GB" sz="3550" dirty="0" err="1">
-                <a:solidFill>
-                  <a:schemeClr val="bg2"/>
-                </a:solidFill>
-              </a:rPr>
-              <a:t>в</a:t>
-            </a:r>
-            <a:r>
-              <a:rPr lang="en-GB" sz="3550" dirty="0">
-                <a:solidFill>
-                  <a:schemeClr val="bg2"/>
-                </a:solidFill>
-              </a:rPr>
-              <a:t> </a:t>
-            </a:r>
-            <a:r>
-              <a:rPr lang="en-GB" sz="3550" dirty="0" err="1">
-                <a:solidFill>
-                  <a:schemeClr val="bg2"/>
-                </a:solidFill>
-              </a:rPr>
-              <a:t>текста</a:t>
+              <a:t> търсене в текста</a:t>
             </a:r>
             <a:endParaRPr lang="bg-BG" sz="3550" dirty="0">
               <a:solidFill>
@@ -32645,7 +31056,7 @@
               <a:t> </a:t>
             </a:r>
             <a:r>
-              <a:rPr lang="en-GB" sz="3550" b="1" dirty="0" err="1">
+              <a:rPr lang="en-GB" sz="3550" b="1" dirty="0">
                 <a:solidFill>
                   <a:schemeClr val="bg1">
                     <a:lumMod val="60000"/>
@@ -32654,8 +31065,25 @@
                 </a:solidFill>
                 <a:cs typeface="Calibri"/>
               </a:rPr>
-              <a:t>специални</a:t>
-            </a:r>
+              <a:t>специални символи</a:t>
+            </a:r>
+            <a:r>
+              <a:rPr lang="en-GB" sz="3550" dirty="0">
+                <a:solidFill>
+                  <a:schemeClr val="bg2"/>
+                </a:solidFill>
+                <a:cs typeface="Calibri"/>
+              </a:rPr>
+              <a:t>, </a:t>
+            </a:r>
+            <a:br>
+              <a:rPr lang="bg-BG" sz="3550" dirty="0">
+                <a:solidFill>
+                  <a:schemeClr val="bg2"/>
+                </a:solidFill>
+                <a:cs typeface="Calibri"/>
+              </a:rPr>
+            </a:br>
             <a:r>
               <a:rPr lang="en-GB" sz="3550" b="1" dirty="0">
                 <a:solidFill>
@@ -32666,10 +31094,28 @@
                 </a:solidFill>
                 <a:cs typeface="Calibri"/>
               </a:rPr>
+              <a:t>оператори </a:t>
+            </a:r>
+            <a:r>
+              <a:rPr lang="en-GB" sz="3550" dirty="0">
+                <a:solidFill>
+                  <a:schemeClr val="bg2"/>
+                </a:solidFill>
+                <a:cs typeface="Calibri"/>
+              </a:rPr>
+              <a:t>и</a:t>
+            </a:r>
+            <a:r>
+              <a:rPr lang="bg-BG" sz="3550" dirty="0">
+                <a:solidFill>
+                  <a:schemeClr val="bg2"/>
+                </a:solidFill>
+                <a:cs typeface="Calibri"/>
+              </a:rPr>
               <a:t> </a:t>
             </a:r>
             <a:r>
-              <a:rPr lang="en-GB" sz="3550" b="1" dirty="0" err="1">
+              <a:rPr lang="en-GB" sz="3550" b="1" dirty="0">
                 <a:solidFill>
                   <a:schemeClr val="bg1">
                     <a:lumMod val="60000"/>
@@ -32678,7 +31124,7 @@
                 </a:solidFill>
                 <a:cs typeface="Calibri"/>
               </a:rPr>
-              <a:t>символи</a:t>
+              <a:t>конструкции </a:t>
             </a:r>
             <a:r>
               <a:rPr lang="en-GB" sz="3550" dirty="0">
@@ -32687,7 +31133,7 @@
                 </a:solidFill>
                 <a:cs typeface="Calibri"/>
               </a:rPr>
-              <a:t>, </a:t>
+              <a:t>за изграждане на сложни </a:t>
             </a:r>
             <a:br>
               <a:rPr lang="bg-BG" sz="3550" dirty="0">
@@ -32698,166 +31144,14 @@
               </a:rPr>
             </a:br>
             <a:r>
-              <a:rPr lang="en-GB" sz="3550" b="1" dirty="0" err="1">
-                <a:solidFill>
-                  <a:schemeClr val="bg1">
-                    <a:lumMod val="60000"/>
-                    <a:lumOff val="40000"/>
-                  </a:schemeClr>
+              <a:rPr lang="en-GB" sz="3550" dirty="0">
+                <a:solidFill>
+                  <a:schemeClr val="bg2"/>
                 </a:solidFill>
                 <a:cs typeface="Calibri"/>
               </a:rPr>
-              <a:t>оператори</a:t>
-            </a:r>
-            <a:r>
-              <a:rPr lang="en-GB" sz="3550" b="1" dirty="0">
-                <a:solidFill>
-                  <a:schemeClr val="bg1">
-                    <a:lumMod val="60000"/>
-                    <a:lumOff val="40000"/>
-                  </a:schemeClr>
-                </a:solidFill>
-                <a:cs typeface="Calibri"/>
-              </a:rPr>
-              <a:t> </a:t>
-            </a:r>
-            <a:r>
-              <a:rPr lang="en-GB" sz="3550" dirty="0" err="1">
-                <a:solidFill>
-                  <a:schemeClr val="bg2"/>
-                </a:solidFill>
-                <a:cs typeface="Calibri"/>
-              </a:rPr>
-              <a:t>и</a:t>
-            </a:r>
-            <a:r>
-              <a:rPr lang="bg-BG" sz="3550" dirty="0">
-                <a:solidFill>
-                  <a:schemeClr val="bg2"/>
-                </a:solidFill>
-                <a:cs typeface="Calibri"/>
-              </a:rPr>
-              <a:t> </a:t>
-            </a:r>
-            <a:r>
-              <a:rPr lang="en-GB" sz="3550" b="1" dirty="0" err="1">
-                <a:solidFill>
-                  <a:schemeClr val="bg1">
-                    <a:lumMod val="60000"/>
-                    <a:lumOff val="40000"/>
-                  </a:schemeClr>
-                </a:solidFill>
-                <a:cs typeface="Calibri"/>
-              </a:rPr>
-              <a:t>конструкции</a:t>
-            </a:r>
-            <a:r>
-              <a:rPr lang="en-GB" sz="3550" b="1" dirty="0">
-                <a:solidFill>
-                  <a:schemeClr val="bg1">
-                    <a:lumMod val="60000"/>
-                    <a:lumOff val="40000"/>
-                  </a:schemeClr>
-                </a:solidFill>
-                <a:cs typeface="Calibri"/>
-              </a:rPr>
-              <a:t> </a:t>
-            </a:r>
-            <a:r>
-              <a:rPr lang="en-GB" sz="3550" dirty="0" err="1">
-                <a:solidFill>
-                  <a:schemeClr val="bg2"/>
-                </a:solidFill>
-                <a:cs typeface="Calibri"/>
-              </a:rPr>
-              <a:t>за</a:t>
-            </a:r>
-            <a:r>
-              <a:rPr lang="en-GB" sz="3550" dirty="0">
-                <a:solidFill>
-                  <a:schemeClr val="bg2"/>
-                </a:solidFill>
-                <a:cs typeface="Calibri"/>
-              </a:rPr>
-              <a:t> </a:t>
-            </a:r>
-            <a:r>
-              <a:rPr lang="en-GB" sz="3550" dirty="0" err="1">
-                <a:solidFill>
-                  <a:schemeClr val="bg2"/>
-                </a:solidFill>
-                <a:cs typeface="Calibri"/>
-              </a:rPr>
-              <a:t>изграждане</a:t>
-            </a:r>
-            <a:r>
-              <a:rPr lang="en-GB" sz="3550" dirty="0">
-                <a:solidFill>
-                  <a:schemeClr val="bg2"/>
-                </a:solidFill>
-                <a:cs typeface="Calibri"/>
-              </a:rPr>
-              <a:t> </a:t>
-            </a:r>
-            <a:r>
-              <a:rPr lang="en-GB" sz="3550" dirty="0" err="1">
-                <a:solidFill>
-                  <a:schemeClr val="bg2"/>
-                </a:solidFill>
-                <a:cs typeface="Calibri"/>
-              </a:rPr>
-              <a:t>на</a:t>
-            </a:r>
-            <a:r>
-              <a:rPr lang="en-GB" sz="3550" dirty="0">
-                <a:solidFill>
-                  <a:schemeClr val="bg2"/>
-                </a:solidFill>
-                <a:cs typeface="Calibri"/>
-              </a:rPr>
-              <a:t> </a:t>
-            </a:r>
-            <a:r>
-              <a:rPr lang="en-GB" sz="3550" dirty="0" err="1">
-                <a:solidFill>
-                  <a:schemeClr val="bg2"/>
-                </a:solidFill>
-                <a:cs typeface="Calibri"/>
-              </a:rPr>
-              <a:t>сложни</a:t>
-            </a:r>
-            <a:r>
-              <a:rPr lang="en-GB" sz="3550" dirty="0">
-                <a:solidFill>
-                  <a:schemeClr val="bg2"/>
-                </a:solidFill>
-                <a:cs typeface="Calibri"/>
-              </a:rPr>
-              <a:t> </a:t>
-            </a:r>
-            <a:br>
-              <a:rPr lang="bg-BG" sz="3550" dirty="0">
-                <a:solidFill>
-                  <a:schemeClr val="bg2"/>
-                </a:solidFill>
-                <a:cs typeface="Calibri"/>
-              </a:rPr>
-            </a:br>
-            <a:r>
-              <a:rPr lang="en-GB" sz="3550" dirty="0" err="1">
-                <a:solidFill>
-                  <a:schemeClr val="bg2"/>
-                </a:solidFill>
-                <a:cs typeface="Calibri"/>
-              </a:rPr>
               <a:t>шаблони</a:t>
             </a:r>
-            <a:endParaRPr lang="en-GB" sz="3550" dirty="0">
-              <a:solidFill>
-                <a:schemeClr val="bg2"/>
-              </a:solidFill>
-              <a:cs typeface="Calibri"/>
-            </a:endParaRPr>
           </a:p>
           <a:p>
             <a:pPr marL="456565" indent="-456565">
@@ -32872,97 +31166,16 @@
               </a:buClr>
             </a:pPr>
             <a:r>
-              <a:rPr lang="en-GB" sz="3550" dirty="0" err="1">
+              <a:rPr lang="en-GB" sz="3550" dirty="0">
                 <a:solidFill>
                   <a:schemeClr val="bg2"/>
                 </a:solidFill>
                 <a:cs typeface="Calibri"/>
               </a:rPr>
-              <a:t>С</a:t>
-            </a:r>
-            <a:r>
-              <a:rPr lang="en-GB" sz="3550" dirty="0">
-                <a:solidFill>
-                  <a:schemeClr val="bg2"/>
-                </a:solidFill>
-                <a:cs typeface="Calibri"/>
-              </a:rPr>
-              <a:t> </a:t>
-            </a:r>
-            <a:r>
-              <a:rPr lang="en-GB" sz="3550" dirty="0" err="1">
-                <a:solidFill>
-                  <a:schemeClr val="bg2"/>
-                </a:solidFill>
-                <a:cs typeface="Calibri"/>
-              </a:rPr>
-              <a:t>него</a:t>
-            </a:r>
-            <a:r>
-              <a:rPr lang="en-GB" sz="3550" dirty="0">
-                <a:solidFill>
-                  <a:schemeClr val="bg2"/>
-                </a:solidFill>
-                <a:cs typeface="Calibri"/>
-              </a:rPr>
-              <a:t> </a:t>
-            </a:r>
-            <a:r>
-              <a:rPr lang="en-GB" sz="3550" dirty="0" err="1">
-                <a:solidFill>
-                  <a:schemeClr val="bg2"/>
-                </a:solidFill>
-                <a:cs typeface="Calibri"/>
-              </a:rPr>
-              <a:t>може</a:t>
-            </a:r>
-            <a:r>
-              <a:rPr lang="en-GB" sz="3550" dirty="0">
-                <a:solidFill>
-                  <a:schemeClr val="bg2"/>
-                </a:solidFill>
-                <a:cs typeface="Calibri"/>
-              </a:rPr>
-              <a:t> </a:t>
-            </a:r>
-            <a:r>
-              <a:rPr lang="en-GB" sz="3550" dirty="0" err="1">
-                <a:solidFill>
-                  <a:schemeClr val="bg2"/>
-                </a:solidFill>
-                <a:cs typeface="Calibri"/>
-              </a:rPr>
-              <a:t>да</a:t>
-            </a:r>
-            <a:r>
-              <a:rPr lang="en-GB" sz="3550" dirty="0">
-                <a:solidFill>
-                  <a:schemeClr val="bg2"/>
-                </a:solidFill>
-                <a:cs typeface="Calibri"/>
-              </a:rPr>
-              <a:t> </a:t>
-            </a:r>
-            <a:r>
-              <a:rPr lang="en-GB" sz="3550" dirty="0" err="1">
-                <a:solidFill>
-                  <a:schemeClr val="bg2"/>
-                </a:solidFill>
-                <a:cs typeface="Calibri"/>
-              </a:rPr>
-              <a:t>изплозваме</a:t>
-            </a:r>
-            <a:r>
-              <a:rPr lang="en-GB" sz="3550" dirty="0">
-                <a:solidFill>
-                  <a:schemeClr val="bg2"/>
-                </a:solidFill>
-                <a:cs typeface="Calibri"/>
-              </a:rPr>
-              <a:t> </a:t>
-            </a:r>
-            <a:r>
-              <a:rPr lang="en-GB" sz="3550" b="1" dirty="0" err="1">
+              <a:t>С него може да изплозваме </a:t>
+            </a:r>
+            <a:r>
+              <a:rPr lang="en-GB" sz="3550" b="1" dirty="0">
                 <a:solidFill>
                   <a:schemeClr val="bg1">
                     <a:lumMod val="60000"/>
@@ -32971,8 +31184,25 @@
                 </a:solidFill>
                 <a:cs typeface="Calibri"/>
               </a:rPr>
-              <a:t>класови</a:t>
-            </a:r>
+              <a:t>класови символи</a:t>
+            </a:r>
+            <a:r>
+              <a:rPr lang="en-GB" sz="3550" dirty="0">
+                <a:solidFill>
+                  <a:schemeClr val="bg2"/>
+                </a:solidFill>
+                <a:cs typeface="Calibri"/>
+              </a:rPr>
+              <a:t>, </a:t>
+            </a:r>
+            <a:br>
+              <a:rPr lang="en-GB" sz="3550" dirty="0">
+                <a:solidFill>
+                  <a:schemeClr val="bg2"/>
+                </a:solidFill>
+                <a:cs typeface="Calibri"/>
+              </a:rPr>
+            </a:br>
             <a:r>
               <a:rPr lang="en-GB" sz="3550" b="1" dirty="0">
                 <a:solidFill>
@@ -32983,156 +31213,39 @@
                 </a:solidFill>
                 <a:cs typeface="Calibri"/>
               </a:rPr>
-              <a:t> </a:t>
-            </a:r>
-            <a:r>
-              <a:rPr lang="en-GB" sz="3550" b="1" dirty="0" err="1">
+              <a:t>групи</a:t>
+            </a:r>
+            <a:r>
+              <a:rPr lang="en-GB" sz="3550" dirty="0">
+                <a:solidFill>
+                  <a:schemeClr val="bg2"/>
+                </a:solidFill>
+                <a:cs typeface="Calibri"/>
+              </a:rPr>
+              <a:t>, </a:t>
+            </a:r>
+            <a:r>
+              <a:rPr lang="en-GB" sz="3550" b="1" dirty="0">
                 <a:solidFill>
                   <a:schemeClr val="bg1">
                     <a:lumMod val="60000"/>
                     <a:lumOff val="40000"/>
                   </a:schemeClr>
                 </a:solidFill>
-                <a:cs typeface="Calibri"/>
-              </a:rPr>
-              <a:t>символи</a:t>
-            </a:r>
-            <a:r>
-              <a:rPr lang="en-GB" sz="3550" dirty="0">
-                <a:solidFill>
-                  <a:schemeClr val="bg2"/>
-                </a:solidFill>
-                <a:cs typeface="Calibri"/>
-              </a:rPr>
-              <a:t>, </a:t>
-            </a:r>
-            <a:br>
-              <a:rPr lang="en-GB" sz="3550" dirty="0">
-                <a:solidFill>
-                  <a:schemeClr val="bg2"/>
-                </a:solidFill>
-                <a:cs typeface="Calibri"/>
-              </a:rPr>
-            </a:br>
-            <a:r>
-              <a:rPr lang="en-GB" sz="3550" b="1" dirty="0" err="1">
-                <a:solidFill>
-                  <a:schemeClr val="bg1">
-                    <a:lumMod val="60000"/>
-                    <a:lumOff val="40000"/>
-                  </a:schemeClr>
-                </a:solidFill>
-                <a:cs typeface="Calibri"/>
-              </a:rPr>
-              <a:t>групи</a:t>
-            </a:r>
-            <a:r>
-              <a:rPr lang="en-GB" sz="3550" dirty="0">
-                <a:solidFill>
-                  <a:schemeClr val="bg2"/>
-                </a:solidFill>
-                <a:cs typeface="Calibri"/>
-              </a:rPr>
-              <a:t>, </a:t>
-            </a:r>
-            <a:r>
-              <a:rPr lang="en-GB" sz="3550" b="1" dirty="0">
-                <a:solidFill>
-                  <a:schemeClr val="bg1">
-                    <a:lumMod val="60000"/>
-                    <a:lumOff val="40000"/>
-                  </a:schemeClr>
-                </a:solidFill>
                 <a:ea typeface="+mn-lt"/>
                 <a:cs typeface="+mn-lt"/>
               </a:rPr>
-              <a:t>quantifier-</a:t>
-            </a:r>
-            <a:r>
-              <a:rPr lang="en-GB" sz="3550" b="1" dirty="0" err="1">
-                <a:solidFill>
-                  <a:schemeClr val="bg1">
-                    <a:lumMod val="60000"/>
-                    <a:lumOff val="40000"/>
-                  </a:schemeClr>
+              <a:t>quantifier-и </a:t>
+            </a:r>
+            <a:r>
+              <a:rPr lang="en-GB" sz="3550" dirty="0">
+                <a:solidFill>
+                  <a:schemeClr val="bg2"/>
                 </a:solidFill>
                 <a:ea typeface="+mn-lt"/>
                 <a:cs typeface="+mn-lt"/>
               </a:rPr>
-              <a:t>и</a:t>
-            </a:r>
-            <a:r>
-              <a:rPr lang="en-GB" sz="3550" b="1" dirty="0">
-                <a:solidFill>
-                  <a:schemeClr val="bg1">
-                    <a:lumMod val="60000"/>
-                    <a:lumOff val="40000"/>
-                  </a:schemeClr>
-                </a:solidFill>
-                <a:ea typeface="+mn-lt"/>
-                <a:cs typeface="+mn-lt"/>
-              </a:rPr>
-              <a:t> </a:t>
-            </a:r>
-            <a:r>
-              <a:rPr lang="en-GB" sz="3550" dirty="0" err="1">
-                <a:solidFill>
-                  <a:schemeClr val="bg2"/>
-                </a:solidFill>
-                <a:ea typeface="+mn-lt"/>
-                <a:cs typeface="+mn-lt"/>
-              </a:rPr>
-              <a:t>и</a:t>
-            </a:r>
-            <a:r>
-              <a:rPr lang="en-GB" sz="3550" dirty="0">
-                <a:solidFill>
-                  <a:schemeClr val="bg2"/>
-                </a:solidFill>
-                <a:ea typeface="+mn-lt"/>
-                <a:cs typeface="+mn-lt"/>
-              </a:rPr>
-              <a:t> </a:t>
-            </a:r>
-            <a:r>
-              <a:rPr lang="en-GB" sz="3550" dirty="0" err="1">
-                <a:solidFill>
-                  <a:schemeClr val="bg2"/>
-                </a:solidFill>
-                <a:ea typeface="+mn-lt"/>
-                <a:cs typeface="+mn-lt"/>
-              </a:rPr>
-              <a:t>т</a:t>
-            </a:r>
-            <a:r>
-              <a:rPr lang="en-GB" sz="3550" dirty="0">
-                <a:solidFill>
-                  <a:schemeClr val="bg2"/>
-                </a:solidFill>
-                <a:ea typeface="+mn-lt"/>
-                <a:cs typeface="+mn-lt"/>
-              </a:rPr>
-              <a:t>. </a:t>
-            </a:r>
-            <a:r>
-              <a:rPr lang="en-GB" sz="3550" dirty="0" err="1">
-                <a:solidFill>
-                  <a:schemeClr val="bg2"/>
-                </a:solidFill>
-                <a:ea typeface="+mn-lt"/>
-                <a:cs typeface="+mn-lt"/>
-              </a:rPr>
-              <a:t>н</a:t>
-            </a:r>
-            <a:r>
-              <a:rPr lang="en-GB" sz="3550" dirty="0">
-                <a:solidFill>
-                  <a:schemeClr val="bg2"/>
-                </a:solidFill>
-                <a:ea typeface="+mn-lt"/>
-                <a:cs typeface="+mn-lt"/>
-              </a:rPr>
-              <a:t>.</a:t>
+              <a:t>и т. н.</a:t>
             </a:r>
           </a:p>
           <a:p>
@@ -33148,76 +31261,13 @@
               </a:buClr>
             </a:pPr>
             <a:r>
-              <a:rPr lang="en-GB" sz="3550" dirty="0" err="1">
+              <a:rPr lang="en-GB" sz="3550" dirty="0">
                 <a:solidFill>
                   <a:schemeClr val="bg2"/>
                 </a:solidFill>
                 <a:cs typeface="Calibri"/>
               </a:rPr>
-              <a:t>В</a:t>
-            </a:r>
-            <a:r>
-              <a:rPr lang="en-GB" sz="3550" dirty="0">
-                <a:solidFill>
-                  <a:schemeClr val="bg2"/>
-                </a:solidFill>
-                <a:cs typeface="Calibri"/>
-              </a:rPr>
-              <a:t> C# </a:t>
-            </a:r>
-            <a:r>
-              <a:rPr lang="en-GB" sz="3550" dirty="0" err="1">
-                <a:solidFill>
-                  <a:schemeClr val="bg2"/>
-                </a:solidFill>
-                <a:cs typeface="Calibri"/>
-              </a:rPr>
-              <a:t>се</a:t>
-            </a:r>
-            <a:r>
-              <a:rPr lang="en-GB" sz="3550" dirty="0">
-                <a:solidFill>
-                  <a:schemeClr val="bg2"/>
-                </a:solidFill>
-                <a:cs typeface="Calibri"/>
-              </a:rPr>
-              <a:t> </a:t>
-            </a:r>
-            <a:r>
-              <a:rPr lang="en-GB" sz="3550" dirty="0" err="1">
-                <a:solidFill>
-                  <a:schemeClr val="bg2"/>
-                </a:solidFill>
-                <a:cs typeface="Calibri"/>
-              </a:rPr>
-              <a:t>използва</a:t>
-            </a:r>
-            <a:r>
-              <a:rPr lang="en-GB" sz="3550" dirty="0">
-                <a:solidFill>
-                  <a:schemeClr val="bg2"/>
-                </a:solidFill>
-                <a:cs typeface="Calibri"/>
-              </a:rPr>
-              <a:t> </a:t>
-            </a:r>
-            <a:r>
-              <a:rPr lang="en-GB" sz="3550" dirty="0" err="1">
-                <a:solidFill>
-                  <a:schemeClr val="bg2"/>
-                </a:solidFill>
-                <a:cs typeface="Calibri"/>
-              </a:rPr>
-              <a:t>класа</a:t>
-            </a:r>
-            <a:r>
-              <a:rPr lang="en-GB" sz="3550" dirty="0">
-                <a:solidFill>
-                  <a:schemeClr val="bg2"/>
-                </a:solidFill>
-                <a:cs typeface="Calibri"/>
-              </a:rPr>
-              <a:t> </a:t>
+              <a:t>В C# се използва класа </a:t>
             </a:r>
             <a:r>
               <a:rPr lang="en-GB" sz="3550" b="1" dirty="0">
@@ -33281,9 +31331,9 @@
             <a:fld id="{2BF067CD-8E6B-4360-9AA8-C5DF2A48A6D1}" type="slidenum">
               <a:rPr lang="en-US" noProof="0" smtClean="0"/>
               <a:pPr/>
-              <a:t>35</a:t>
+              <a:t>36</a:t>
             </a:fld>
-            <a:endParaRPr lang="en-US" noProof="0"/>
+            <a:endParaRPr lang="en-US" noProof="0" dirty="0"/>
           </a:p>
         </p:txBody>
       </p:sp>
@@ -33485,7 +31535,7 @@
 </p:sld>
 </file>
 
-<file path=ppt/slides/slide36.xml><?xml version="1.0" encoding="utf-8"?>
+<file path=ppt/slides/slide37.xml><?xml version="1.0" encoding="utf-8"?>
 <p:sld xmlns:a="http://schemas.openxmlformats.org/drawingml/2006/main" xmlns:r="http://schemas.openxmlformats.org/officeDocument/2006/relationships" xmlns:p="http://schemas.openxmlformats.org/presentationml/2006/main">
   <p:cSld>
     <p:spTree>
@@ -33524,14 +31574,14 @@
           <a:lstStyle/>
           <a:p>
             <a:r>
-              <a:rPr lang="en-US" sz="8800">
+              <a:rPr lang="en-US" sz="8800" dirty="0">
                 <a:solidFill>
                   <a:srgbClr val="234465"/>
                 </a:solidFill>
               </a:rPr>
               <a:t>Въпроси?</a:t>
             </a:r>
-            <a:endParaRPr lang="en-US" sz="8800"/>
+            <a:endParaRPr lang="en-US" sz="8800" dirty="0"/>
           </a:p>
         </p:txBody>
       </p:sp>
@@ -33556,7 +31606,7 @@
 </p:sld>
 </file>
 
-<file path=ppt/slides/slide37.xml><?xml version="1.0" encoding="utf-8"?>
+<file path=ppt/slides/slide38.xml><?xml version="1.0" encoding="utf-8"?>
 <p:sld xmlns:a="http://schemas.openxmlformats.org/drawingml/2006/main" xmlns:r="http://schemas.openxmlformats.org/officeDocument/2006/relationships" xmlns:p="http://schemas.openxmlformats.org/presentationml/2006/main">
   <p:cSld>
     <p:spTree>
@@ -33605,34 +31655,34 @@
               </a:lnSpc>
             </a:pPr>
             <a:r>
-              <a:rPr lang="bg-BG"/>
+              <a:rPr lang="bg-BG" dirty="0"/>
               <a:t>Този курс</a:t>
             </a:r>
             <a:r>
-              <a:rPr lang="en-US"/>
+              <a:rPr lang="en-US" dirty="0"/>
               <a:t> (</a:t>
             </a:r>
             <a:r>
-              <a:rPr lang="bg-BG"/>
+              <a:rPr lang="bg-BG" dirty="0"/>
               <a:t>презентации, примери, демонстрационен код, упражнения, домашни, видео и други активи</a:t>
             </a:r>
             <a:r>
-              <a:rPr lang="en-US"/>
+              <a:rPr lang="en-US" dirty="0"/>
               <a:t>) </a:t>
             </a:r>
             <a:r>
-              <a:rPr lang="bg-BG"/>
+              <a:rPr lang="bg-BG" dirty="0"/>
               <a:t>представлява</a:t>
             </a:r>
             <a:r>
-              <a:rPr lang="en-US"/>
+              <a:rPr lang="en-US" dirty="0"/>
               <a:t> </a:t>
             </a:r>
             <a:r>
-              <a:rPr lang="bg-BG" b="1"/>
+              <a:rPr lang="bg-BG" b="1" dirty="0"/>
               <a:t>защитено авторско съдържание</a:t>
             </a:r>
-            <a:endParaRPr lang="en-US"/>
+            <a:endParaRPr lang="en-US" dirty="0"/>
           </a:p>
           <a:p>
             <a:pPr>
@@ -33641,15 +31691,15 @@
               </a:lnSpc>
             </a:pPr>
             <a:r>
-              <a:rPr lang="bg-BG"/>
+              <a:rPr lang="bg-BG" dirty="0"/>
               <a:t>Нерегламентирано копиране</a:t>
             </a:r>
             <a:r>
-              <a:rPr lang="en-US"/>
+              <a:rPr lang="en-US" dirty="0"/>
               <a:t>,</a:t>
             </a:r>
             <a:r>
-              <a:rPr lang="bg-BG"/>
+              <a:rPr lang="bg-BG" dirty="0"/>
               <a:t> разпространение или използване е незаконно</a:t>
             </a:r>
           </a:p>
@@ -33660,24 +31710,24 @@
               </a:lnSpc>
             </a:pPr>
             <a:r>
-              <a:rPr lang="en-US"/>
+              <a:rPr lang="en-US" dirty="0"/>
               <a:t>© </a:t>
             </a:r>
             <a:r>
-              <a:rPr lang="bg-BG"/>
+              <a:rPr lang="bg-BG" dirty="0"/>
               <a:t>СофтУни</a:t>
             </a:r>
             <a:r>
-              <a:rPr lang="en-US"/>
+              <a:rPr lang="en-US" dirty="0"/>
               <a:t> – </a:t>
             </a:r>
             <a:r>
-              <a:rPr lang="en-US">
+              <a:rPr lang="en-US" dirty="0">
                 <a:hlinkClick r:id="rId3"/>
               </a:rPr>
               <a:t>https://softuni.org</a:t>
             </a:r>
-            <a:endParaRPr lang="en-US"/>
+            <a:endParaRPr lang="en-US" dirty="0"/>
           </a:p>
           <a:p>
             <a:pPr>
@@ -33686,24 +31736,24 @@
               </a:lnSpc>
             </a:pPr>
             <a:r>
-              <a:rPr lang="en-US"/>
+              <a:rPr lang="en-US" dirty="0"/>
               <a:t>© </a:t>
             </a:r>
             <a:r>
-              <a:rPr lang="bg-BG"/>
+              <a:rPr lang="bg-BG" dirty="0"/>
               <a:t>Софтуерен университет</a:t>
             </a:r>
             <a:r>
-              <a:rPr lang="en-US"/>
+              <a:rPr lang="en-US" dirty="0"/>
               <a:t> – </a:t>
             </a:r>
             <a:r>
-              <a:rPr lang="en-US">
+              <a:rPr lang="en-US" dirty="0">
                 <a:hlinkClick r:id="rId4"/>
               </a:rPr>
               <a:t>https://softuni.bg</a:t>
             </a:r>
-            <a:endParaRPr lang="bg-BG"/>
+            <a:endParaRPr lang="bg-BG" dirty="0"/>
           </a:p>
           <a:p>
             <a:pPr>
@@ -33711,7 +31761,7 @@
                 <a:spcPct val="120000"/>
               </a:lnSpc>
             </a:pPr>
-            <a:endParaRPr lang="bg-BG"/>
+            <a:endParaRPr lang="bg-BG" dirty="0"/>
           </a:p>
         </p:txBody>
       </p:sp>
@@ -33778,7 +31828,7 @@
           <a:lstStyle/>
           <a:p>
             <a:r>
-              <a:rPr lang="bg-BG"/>
+              <a:rPr lang="bg-BG" dirty="0"/>
               <a:t>Лиценз</a:t>
             </a:r>
           </a:p>
@@ -33820,9 +31870,9 @@
             <a:fld id="{2BF067CD-8E6B-4360-9AA8-C5DF2A48A6D1}" type="slidenum">
               <a:rPr lang="en-US" noProof="0" smtClean="0"/>
               <a:pPr/>
-              <a:t>37</a:t>
+              <a:t>38</a:t>
             </a:fld>
-            <a:endParaRPr lang="en-US" noProof="0"/>
+            <a:endParaRPr lang="en-US" noProof="0" dirty="0"/>
           </a:p>
         </p:txBody>
       </p:sp>
@@ -33892,7 +31942,7 @@
               </a:buClr>
             </a:pPr>
             <a:r>
-              <a:rPr lang="en-US" sz="3600" b="1" dirty="0" err="1">
+              <a:rPr lang="en-US" sz="3600" b="1" dirty="0">
                 <a:solidFill>
                   <a:schemeClr val="bg1"/>
                 </a:solidFill>
@@ -33907,37 +31957,19 @@
                 <a:ea typeface="+mn-lt"/>
                 <a:cs typeface="+mn-lt"/>
               </a:rPr>
+              <a:t> израз</a:t>
+            </a:r>
+            <a:r>
+              <a:rPr lang="en-US" sz="3600" b="1" dirty="0">
+                <a:solidFill>
+                  <a:schemeClr val="bg1"/>
+                </a:solidFill>
+              </a:rPr>
               <a:t> </a:t>
             </a:r>
             <a:r>
-              <a:rPr lang="en-US" sz="3600" b="1" dirty="0" err="1">
-                <a:solidFill>
-                  <a:schemeClr val="bg1"/>
-                </a:solidFill>
-                <a:ea typeface="+mn-lt"/>
-                <a:cs typeface="+mn-lt"/>
-              </a:rPr>
-              <a:t>израз</a:t>
-            </a:r>
-            <a:r>
-              <a:rPr lang="en-US" sz="3600" b="1" dirty="0">
-                <a:solidFill>
-                  <a:schemeClr val="bg1"/>
-                </a:solidFill>
-              </a:rPr>
-              <a:t> </a:t>
-            </a:r>
-            <a:r>
               <a:rPr lang="en-US" sz="3600" dirty="0"/>
-              <a:t>(</a:t>
-            </a:r>
-            <a:r>
-              <a:rPr lang="en-US" sz="3600" dirty="0" err="1"/>
-              <a:t>регекс</a:t>
-            </a:r>
-            <a:r>
-              <a:rPr lang="en-US" sz="3600" dirty="0"/>
-              <a:t>)</a:t>
+              <a:t>(регекс)</a:t>
             </a:r>
             <a:endParaRPr lang="bg-BG" sz="3600" dirty="0">
               <a:cs typeface="Calibri"/>
@@ -33950,68 +31982,20 @@
               </a:buClr>
             </a:pPr>
             <a:r>
-              <a:rPr lang="en-US" sz="3400" dirty="0" err="1">
-                <a:cs typeface="Calibri"/>
-              </a:rPr>
-              <a:t>Съвпадение</a:t>
-            </a:r>
-            <a:r>
               <a:rPr lang="en-US" sz="3400" dirty="0">
                 <a:cs typeface="Calibri"/>
               </a:rPr>
-              <a:t> </a:t>
-            </a:r>
-            <a:r>
-              <a:rPr lang="en-US" sz="3400" dirty="0" err="1">
+              <a:t>Съвпадение на текст по </a:t>
+            </a:r>
+            <a:r>
+              <a:rPr lang="en-US" sz="3400" b="1" dirty="0">
+                <a:solidFill>
+                  <a:schemeClr val="bg1"/>
+                </a:solidFill>
                 <a:cs typeface="Calibri"/>
               </a:rPr>
-              <a:t>на</a:t>
-            </a:r>
-            <a:r>
-              <a:rPr lang="en-US" sz="3400" dirty="0">
-                <a:cs typeface="Calibri"/>
-              </a:rPr>
-              <a:t> </a:t>
-            </a:r>
-            <a:r>
-              <a:rPr lang="en-US" sz="3400" dirty="0" err="1">
-                <a:cs typeface="Calibri"/>
-              </a:rPr>
-              <a:t>текст</a:t>
-            </a:r>
-            <a:r>
-              <a:rPr lang="en-US" sz="3400" dirty="0">
-                <a:cs typeface="Calibri"/>
-              </a:rPr>
-              <a:t> </a:t>
-            </a:r>
-            <a:r>
-              <a:rPr lang="en-US" sz="3400" dirty="0" err="1">
-                <a:cs typeface="Calibri"/>
-              </a:rPr>
-              <a:t>по</a:t>
-            </a:r>
-            <a:r>
-              <a:rPr lang="en-US" sz="3400" dirty="0">
-                <a:cs typeface="Calibri"/>
-              </a:rPr>
-              <a:t> </a:t>
-            </a:r>
-            <a:r>
-              <a:rPr lang="en-US" sz="3400" b="1" dirty="0" err="1">
-                <a:solidFill>
-                  <a:schemeClr val="bg1"/>
-                </a:solidFill>
-                <a:cs typeface="Calibri"/>
-              </a:rPr>
               <a:t>шаблон</a:t>
             </a:r>
-            <a:endParaRPr lang="en-US" sz="3400" b="1" dirty="0">
-              <a:solidFill>
-                <a:schemeClr val="bg1"/>
-              </a:solidFill>
-              <a:cs typeface="Calibri"/>
-            </a:endParaRPr>
           </a:p>
           <a:p>
             <a:pPr marL="360045" indent="-360045">
@@ -34023,68 +32007,8 @@
               </a:buClr>
             </a:pPr>
             <a:r>
-              <a:rPr lang="en-US" sz="3600" dirty="0" err="1"/>
-              <a:t>Моделите</a:t>
-            </a:r>
-            <a:r>
               <a:rPr lang="en-US" sz="3600" dirty="0"/>
-              <a:t> </a:t>
-            </a:r>
-            <a:r>
-              <a:rPr lang="en-US" sz="3600" dirty="0" err="1"/>
-              <a:t>се</a:t>
-            </a:r>
-            <a:r>
-              <a:rPr lang="en-US" sz="3600" dirty="0"/>
-              <a:t> </a:t>
-            </a:r>
-            <a:r>
-              <a:rPr lang="en-US" sz="3600" dirty="0" err="1"/>
-              <a:t>дефинират</a:t>
-            </a:r>
-            <a:r>
-              <a:rPr lang="en-US" sz="3600" dirty="0"/>
-              <a:t> </a:t>
-            </a:r>
-            <a:r>
-              <a:rPr lang="en-US" sz="3600" dirty="0" err="1"/>
-              <a:t>чрез</a:t>
-            </a:r>
-            <a:r>
-              <a:rPr lang="en-US" sz="3600" dirty="0"/>
-              <a:t> </a:t>
-            </a:r>
-            <a:r>
-              <a:rPr lang="en-US" sz="3600" dirty="0" err="1"/>
-              <a:t>специален</a:t>
-            </a:r>
-            <a:r>
-              <a:rPr lang="en-US" sz="3600" dirty="0"/>
-              <a:t> </a:t>
-            </a:r>
-            <a:r>
-              <a:rPr lang="en-US" sz="3600" dirty="0" err="1"/>
-              <a:t>синтаксис</a:t>
-            </a:r>
-            <a:r>
-              <a:rPr lang="en-US" sz="3600" dirty="0"/>
-              <a:t>, </a:t>
-            </a:r>
-            <a:r>
-              <a:rPr lang="en-US" sz="3600" dirty="0" err="1"/>
-              <a:t>примерно</a:t>
-            </a:r>
-            <a:r>
-              <a:rPr lang="en-US" sz="3600" dirty="0"/>
-              <a:t> </a:t>
-            </a:r>
-            <a:r>
-              <a:rPr lang="en-US" sz="3600" dirty="0" err="1"/>
-              <a:t>като</a:t>
-            </a:r>
-            <a:r>
-              <a:rPr lang="en-US" sz="3600" dirty="0"/>
-              <a:t>:</a:t>
+              <a:t>Моделите се дефинират чрез специален синтаксис, примерно като:</a:t>
             </a:r>
             <a:endParaRPr lang="en-US" sz="3600" dirty="0">
               <a:cs typeface="Calibri"/>
@@ -34106,92 +32030,12 @@
               <a:t>[0-9]+ </a:t>
             </a:r>
             <a:r>
-              <a:rPr lang="en-US" sz="3400" dirty="0" err="1">
+              <a:rPr lang="en-US" sz="3400" dirty="0">
                 <a:solidFill>
                   <a:srgbClr val="234465"/>
                 </a:solidFill>
               </a:rPr>
-              <a:t>Шаблон</a:t>
-            </a:r>
-            <a:r>
-              <a:rPr lang="en-US" sz="3400" dirty="0">
-                <a:solidFill>
-                  <a:srgbClr val="234465"/>
-                </a:solidFill>
-              </a:rPr>
-              <a:t>, </a:t>
-            </a:r>
-            <a:r>
-              <a:rPr lang="en-US" sz="3400" dirty="0" err="1">
-                <a:solidFill>
-                  <a:srgbClr val="234465"/>
-                </a:solidFill>
-              </a:rPr>
-              <a:t>който</a:t>
-            </a:r>
-            <a:r>
-              <a:rPr lang="en-US" sz="3400" dirty="0">
-                <a:solidFill>
-                  <a:srgbClr val="234465"/>
-                </a:solidFill>
-              </a:rPr>
-              <a:t> </a:t>
-            </a:r>
-            <a:r>
-              <a:rPr lang="en-US" sz="3400" dirty="0" err="1">
-                <a:solidFill>
-                  <a:srgbClr val="234465"/>
-                </a:solidFill>
-              </a:rPr>
-              <a:t>търси</a:t>
-            </a:r>
-            <a:r>
-              <a:rPr lang="en-US" sz="3400" dirty="0">
-                <a:solidFill>
-                  <a:srgbClr val="234465"/>
-                </a:solidFill>
-              </a:rPr>
-              <a:t> </a:t>
-            </a:r>
-            <a:r>
-              <a:rPr lang="en-US" sz="3400" dirty="0" err="1">
-                <a:solidFill>
-                  <a:srgbClr val="234465"/>
-                </a:solidFill>
-              </a:rPr>
-              <a:t>последователност</a:t>
-            </a:r>
-            <a:r>
-              <a:rPr lang="en-US" sz="3400" dirty="0">
-                <a:solidFill>
-                  <a:srgbClr val="234465"/>
-                </a:solidFill>
-              </a:rPr>
-              <a:t> </a:t>
-            </a:r>
-            <a:r>
-              <a:rPr lang="en-US" sz="3400" dirty="0" err="1">
-                <a:solidFill>
-                  <a:srgbClr val="234465"/>
-                </a:solidFill>
-              </a:rPr>
-              <a:t>от</a:t>
-            </a:r>
-            <a:r>
-              <a:rPr lang="en-US" sz="3400" dirty="0">
-                <a:solidFill>
-                  <a:srgbClr val="234465"/>
-                </a:solidFill>
-              </a:rPr>
-              <a:t> </a:t>
-            </a:r>
-            <a:r>
-              <a:rPr lang="en-US" sz="3400" dirty="0" err="1">
-                <a:solidFill>
-                  <a:srgbClr val="234465"/>
-                </a:solidFill>
-              </a:rPr>
-              <a:t>числа</a:t>
+              <a:t>Шаблон, който търси последователност от числа</a:t>
             </a:r>
             <a:endParaRPr lang="en-US" sz="3400" dirty="0">
               <a:solidFill>
@@ -34224,74 +32068,11 @@
               <a:t> </a:t>
             </a:r>
             <a:r>
-              <a:rPr lang="en-US" sz="3400" dirty="0" err="1">
-                <a:ea typeface="+mn-lt"/>
-                <a:cs typeface="+mn-lt"/>
-              </a:rPr>
-              <a:t>Шаблон</a:t>
-            </a:r>
-            <a:r>
               <a:rPr lang="en-US" sz="3400" dirty="0">
                 <a:ea typeface="+mn-lt"/>
                 <a:cs typeface="+mn-lt"/>
               </a:rPr>
-              <a:t>, </a:t>
-            </a:r>
-            <a:r>
-              <a:rPr lang="en-US" sz="3400" dirty="0" err="1">
-                <a:ea typeface="+mn-lt"/>
-                <a:cs typeface="+mn-lt"/>
-              </a:rPr>
-              <a:t>който</a:t>
-            </a:r>
-            <a:r>
-              <a:rPr lang="en-US" sz="3400" dirty="0">
-                <a:ea typeface="+mn-lt"/>
-                <a:cs typeface="+mn-lt"/>
-              </a:rPr>
-              <a:t> </a:t>
-            </a:r>
-            <a:r>
-              <a:rPr lang="en-US" sz="3400" dirty="0" err="1">
-                <a:ea typeface="+mn-lt"/>
-                <a:cs typeface="+mn-lt"/>
-              </a:rPr>
-              <a:t>търси</a:t>
-            </a:r>
-            <a:r>
-              <a:rPr lang="en-US" sz="3400" dirty="0">
-                <a:ea typeface="+mn-lt"/>
-                <a:cs typeface="+mn-lt"/>
-              </a:rPr>
-              <a:t> </a:t>
-            </a:r>
-            <a:r>
-              <a:rPr lang="en-US" sz="3400" dirty="0" err="1">
-                <a:ea typeface="+mn-lt"/>
-                <a:cs typeface="+mn-lt"/>
-              </a:rPr>
-              <a:t>последователност</a:t>
-            </a:r>
-            <a:r>
-              <a:rPr lang="en-US" sz="3400" dirty="0">
-                <a:ea typeface="+mn-lt"/>
-                <a:cs typeface="+mn-lt"/>
-              </a:rPr>
-              <a:t> </a:t>
-            </a:r>
-            <a:r>
-              <a:rPr lang="en-US" sz="3400" dirty="0" err="1">
-                <a:ea typeface="+mn-lt"/>
-                <a:cs typeface="+mn-lt"/>
-              </a:rPr>
-              <a:t>от</a:t>
-            </a:r>
-            <a:r>
-              <a:rPr lang="en-US" sz="3400" dirty="0">
-                <a:ea typeface="+mn-lt"/>
-                <a:cs typeface="+mn-lt"/>
-              </a:rPr>
-              <a:t> </a:t>
+              <a:t>Шаблон, който търси последователност от </a:t>
             </a:r>
             <a:r>
               <a:rPr lang="bg-BG" sz="3400" dirty="0">
@@ -34301,7 +32082,7 @@
               <a:t>главни и малки </a:t>
             </a:r>
             <a:r>
-              <a:rPr lang="en-US" sz="3400" dirty="0" err="1">
+              <a:rPr lang="en-US" sz="3400" dirty="0">
                 <a:ea typeface="+mn-lt"/>
                 <a:cs typeface="+mn-lt"/>
               </a:rPr>
@@ -34316,52 +32097,8 @@
               </a:buClr>
             </a:pPr>
             <a:r>
-              <a:rPr lang="en-US" sz="3600" dirty="0" err="1"/>
-              <a:t>Можете</a:t>
-            </a:r>
-            <a:r>
               <a:rPr lang="en-US" sz="3600" dirty="0"/>
-              <a:t> </a:t>
-            </a:r>
-            <a:r>
-              <a:rPr lang="en-US" sz="3600" dirty="0" err="1"/>
-              <a:t>да</a:t>
-            </a:r>
-            <a:r>
-              <a:rPr lang="en-US" sz="3600" dirty="0"/>
-              <a:t> </a:t>
-            </a:r>
-            <a:r>
-              <a:rPr lang="en-US" sz="3600" dirty="0" err="1"/>
-              <a:t>тествате</a:t>
-            </a:r>
-            <a:r>
-              <a:rPr lang="en-US" sz="3600" dirty="0"/>
-              <a:t> </a:t>
-            </a:r>
-            <a:r>
-              <a:rPr lang="en-US" sz="3600" dirty="0" err="1"/>
-              <a:t>вашия</a:t>
-            </a:r>
-            <a:r>
-              <a:rPr lang="en-US" sz="3600" dirty="0"/>
-              <a:t> </a:t>
-            </a:r>
-            <a:r>
-              <a:rPr lang="en-US" sz="3600" dirty="0" err="1"/>
-              <a:t>регекс</a:t>
-            </a:r>
-            <a:r>
-              <a:rPr lang="en-US" sz="3600" dirty="0"/>
-              <a:t> </a:t>
-            </a:r>
-            <a:r>
-              <a:rPr lang="en-US" sz="3600" dirty="0" err="1"/>
-              <a:t>на</a:t>
-            </a:r>
-            <a:r>
-              <a:rPr lang="en-US" sz="3600" dirty="0"/>
-              <a:t>: </a:t>
+              <a:t>Можете да тествате вашия регекс на: </a:t>
             </a:r>
             <a:r>
               <a:rPr lang="en-US" sz="3600" dirty="0">
@@ -34408,7 +32145,7 @@
           <a:lstStyle/>
           <a:p>
             <a:r>
-              <a:rPr lang="en-US" sz="3950"/>
+              <a:rPr lang="en-US" sz="3950" dirty="0"/>
               <a:t>Какво е регулярен израз?</a:t>
             </a:r>
           </a:p>
@@ -34540,7 +32277,7 @@
               <a:pPr/>
               <a:t>4</a:t>
             </a:fld>
-            <a:endParaRPr lang="en-US"/>
+            <a:endParaRPr lang="en-US" dirty="0"/>
           </a:p>
         </p:txBody>
       </p:sp>
@@ -34884,12 +32621,12 @@
           <a:lstStyle/>
           <a:p>
             <a:r>
-              <a:rPr lang="bg-BG" sz="3950">
+              <a:rPr lang="bg-BG" sz="3950" dirty="0">
                 <a:cs typeface="Arial"/>
               </a:rPr>
               <a:t> Класове </a:t>
             </a:r>
-            <a:endParaRPr lang="bg-BG" sz="3950"/>
+            <a:endParaRPr lang="bg-BG" sz="3950" dirty="0"/>
           </a:p>
         </p:txBody>
       </p:sp>
@@ -34915,13 +32652,13 @@
           <a:lstStyle/>
           <a:p>
             <a:r>
-              <a:rPr lang="en-GB" sz="5350">
+              <a:rPr lang="en-GB" sz="5350" dirty="0">
                 <a:ea typeface="+mj-lt"/>
                 <a:cs typeface="+mj-lt"/>
               </a:rPr>
               <a:t>Примери</a:t>
             </a:r>
-            <a:endParaRPr lang="bg-BG" sz="5350" b="0">
+            <a:endParaRPr lang="bg-BG" sz="5350" b="0" dirty="0">
               <a:ea typeface="+mj-lt"/>
               <a:cs typeface="+mj-lt"/>
             </a:endParaRPr>
@@ -35033,7 +32770,7 @@
               </a:buClr>
             </a:pPr>
             <a:r>
-              <a:rPr lang="en-US" sz="3350" b="1">
+              <a:rPr lang="en-US" sz="3350" b="1" dirty="0">
                 <a:solidFill>
                   <a:schemeClr val="bg1"/>
                 </a:solidFill>
@@ -35041,11 +32778,11 @@
               <a:t>Регулярният израз </a:t>
             </a:r>
             <a:r>
-              <a:rPr lang="en-US" sz="3350"/>
+              <a:rPr lang="en-US" sz="3350" dirty="0"/>
               <a:t>(регекс) се </a:t>
             </a:r>
             <a:r>
-              <a:rPr lang="en-US" sz="3350">
+              <a:rPr lang="en-US" sz="3350" dirty="0">
                 <a:solidFill>
                   <a:srgbClr val="234465"/>
                 </a:solidFill>
@@ -35053,14 +32790,14 @@
               <a:t>описва като </a:t>
             </a:r>
             <a:r>
-              <a:rPr lang="en-US" sz="3350" b="1">
+              <a:rPr lang="en-US" sz="3350" b="1" dirty="0">
                 <a:solidFill>
                   <a:schemeClr val="bg1"/>
                 </a:solidFill>
               </a:rPr>
               <a:t>търсене чрез шаблон</a:t>
             </a:r>
-            <a:endParaRPr lang="bg-BG" sz="3350">
+            <a:endParaRPr lang="bg-BG" sz="3350" dirty="0">
               <a:solidFill>
                 <a:schemeClr val="bg1"/>
               </a:solidFill>
@@ -35069,48 +32806,64 @@
           <a:p>
             <a:pPr marL="360045" indent="-360045"/>
             <a:r>
-              <a:rPr lang="en-US" sz="3350"/>
+              <a:rPr lang="en-US" sz="3350" dirty="0"/>
               <a:t>Използваме го за </a:t>
             </a:r>
             <a:r>
-              <a:rPr lang="en-US" sz="3350" b="1"/>
+              <a:rPr lang="en-US" sz="3350" b="1" dirty="0">
+                <a:solidFill>
+                  <a:schemeClr val="bg1"/>
+                </a:solidFill>
+              </a:rPr>
               <a:t>намиране</a:t>
             </a:r>
             <a:r>
-              <a:rPr lang="en-US" sz="3350"/>
+              <a:rPr lang="en-US" sz="3350" dirty="0"/>
               <a:t> / </a:t>
             </a:r>
             <a:r>
-              <a:rPr lang="en-US" sz="3350" b="1"/>
+              <a:rPr lang="en-US" sz="3350" b="1" dirty="0">
+                <a:solidFill>
+                  <a:schemeClr val="bg1"/>
+                </a:solidFill>
+              </a:rPr>
               <a:t>изваждане</a:t>
             </a:r>
             <a:r>
-              <a:rPr lang="en-US" sz="3350"/>
+              <a:rPr lang="en-US" sz="3350" dirty="0"/>
               <a:t> / </a:t>
             </a:r>
             <a:r>
-              <a:rPr lang="en-US" sz="3350" b="1"/>
+              <a:rPr lang="en-US" sz="3350" b="1" dirty="0">
+                <a:solidFill>
+                  <a:schemeClr val="bg1"/>
+                </a:solidFill>
+              </a:rPr>
               <a:t>заменяне</a:t>
             </a:r>
             <a:r>
-              <a:rPr lang="en-US" sz="3350"/>
+              <a:rPr lang="en-US" sz="3350" dirty="0"/>
               <a:t> / </a:t>
             </a:r>
             <a:r>
-              <a:rPr lang="en-US" sz="3350" b="1"/>
+              <a:rPr lang="en-US" sz="3350" b="1" dirty="0">
+                <a:solidFill>
+                  <a:schemeClr val="bg1"/>
+                </a:solidFill>
+              </a:rPr>
               <a:t>разделяне</a:t>
             </a:r>
             <a:r>
-              <a:rPr lang="en-US" sz="3350"/>
+              <a:rPr lang="en-US" sz="3350" dirty="0"/>
               <a:t> на данни от текст чрез шаблон</a:t>
             </a:r>
-            <a:endParaRPr lang="en-US" sz="3350">
+            <a:endParaRPr lang="en-US" sz="3350" dirty="0">
               <a:cs typeface="Calibri"/>
             </a:endParaRPr>
           </a:p>
           <a:p>
             <a:pPr marL="360045" indent="-360045"/>
-            <a:endParaRPr lang="en-US">
+            <a:endParaRPr lang="en-US" dirty="0">
               <a:cs typeface="Calibri"/>
             </a:endParaRPr>
           </a:p>
@@ -35134,30 +32887,17 @@
           <a:lstStyle/>
           <a:p>
             <a:r>
-              <a:rPr lang="en-US" sz="3950" dirty="0" err="1"/>
-              <a:t>Регулярен</a:t>
-            </a:r>
-            <a:r>
               <a:rPr lang="en-US" sz="3950" dirty="0"/>
-              <a:t> </a:t>
-            </a:r>
-            <a:r>
-              <a:rPr lang="en-US" sz="3950" dirty="0" err="1"/>
-              <a:t>израз</a:t>
-            </a:r>
-            <a:r>
-              <a:rPr lang="en-US" sz="3950" dirty="0"/>
-              <a:t> – </a:t>
+              <a:t>Регулярен израз – </a:t>
             </a:r>
             <a:r>
               <a:rPr lang="bg-BG" sz="3950" dirty="0"/>
               <a:t>п</a:t>
             </a:r>
             <a:r>
-              <a:rPr lang="en-US" sz="3950" dirty="0" err="1"/>
+              <a:rPr lang="en-US" sz="3950" dirty="0"/>
               <a:t>римери</a:t>
             </a:r>
-            <a:endParaRPr lang="en-US" sz="3950" dirty="0"/>
           </a:p>
         </p:txBody>
       </p:sp>
@@ -35579,7 +33319,7 @@
               <a:pPr/>
               <a:t>6</a:t>
             </a:fld>
-            <a:endParaRPr lang="en-US" noProof="0"/>
+            <a:endParaRPr lang="en-US" noProof="0" dirty="0"/>
           </a:p>
         </p:txBody>
       </p:sp>
@@ -35912,7 +33652,7 @@
               <a:pPr/>
               <a:t>7</a:t>
             </a:fld>
-            <a:endParaRPr lang="en-US" noProof="0"/>
+            <a:endParaRPr lang="en-US" noProof="0" dirty="0"/>
           </a:p>
         </p:txBody>
       </p:sp>
@@ -36197,7 +33937,7 @@
           <a:lstStyle/>
           <a:p>
             <a:r>
-              <a:rPr lang="bg-BG" sz="3950">
+              <a:rPr lang="bg-BG" sz="3950" dirty="0">
                 <a:cs typeface="Calibri"/>
               </a:rPr>
               <a:t>Какво са класови символи</a:t>
@@ -36951,26 +34691,10 @@
           <a:lstStyle/>
           <a:p>
             <a:r>
-              <a:rPr lang="en-US" sz="3950" dirty="0" err="1"/>
-              <a:t>Класови</a:t>
-            </a:r>
-            <a:r>
               <a:rPr lang="en-US" sz="3950" dirty="0"/>
-              <a:t> </a:t>
-            </a:r>
-            <a:r>
-              <a:rPr lang="en-US" sz="3950" dirty="0" err="1"/>
-              <a:t>символи</a:t>
-            </a:r>
-            <a:r>
-              <a:rPr lang="en-US" sz="3950" dirty="0"/>
-              <a:t>: </a:t>
-            </a:r>
-            <a:r>
-              <a:rPr lang="en-US" sz="3950" dirty="0" err="1"/>
-              <a:t>примери</a:t>
-            </a:r>
-            <a:endParaRPr lang="en-US" dirty="0" err="1"/>
+              <a:t>Класови символи: примери</a:t>
+            </a:r>
+            <a:endParaRPr lang="en-US" dirty="0"/>
           </a:p>
         </p:txBody>
       </p:sp>
@@ -37153,7 +34877,7 @@
               <a:pPr/>
               <a:t>8</a:t>
             </a:fld>
-            <a:endParaRPr lang="en-US" noProof="0"/>
+            <a:endParaRPr lang="en-US" noProof="0" dirty="0"/>
           </a:p>
         </p:txBody>
       </p:sp>
@@ -37407,7 +35131,7 @@
               <a:pPr/>
               <a:t>9</a:t>
             </a:fld>
-            <a:endParaRPr lang="en-US" noProof="0"/>
+            <a:endParaRPr lang="en-US" noProof="0" dirty="0"/>
           </a:p>
         </p:txBody>
       </p:sp>
@@ -37590,27 +35314,13 @@
               <a:t>Какво са п</a:t>
             </a:r>
             <a:r>
-              <a:rPr lang="en-GB" sz="3950" dirty="0" err="1">
-                <a:ea typeface="+mj-lt"/>
-                <a:cs typeface="+mj-lt"/>
-              </a:rPr>
-              <a:t>редефинирани</a:t>
-            </a:r>
-            <a:r>
               <a:rPr lang="en-GB" sz="3950" dirty="0">
                 <a:ea typeface="+mj-lt"/>
                 <a:cs typeface="+mj-lt"/>
               </a:rPr>
-              <a:t> </a:t>
-            </a:r>
-            <a:r>
-              <a:rPr lang="en-GB" sz="3950" dirty="0" err="1">
-                <a:ea typeface="+mj-lt"/>
-                <a:cs typeface="+mj-lt"/>
-              </a:rPr>
-              <a:t>класове</a:t>
-            </a:r>
-            <a:endParaRPr lang="bg-BG" sz="3950" b="0" dirty="0" err="1">
+              <a:t>редефинирани класове</a:t>
+            </a:r>
+            <a:endParaRPr lang="bg-BG" sz="3950" b="0" dirty="0">
               <a:cs typeface="Calibri"/>
             </a:endParaRPr>
           </a:p>
